--- a/PT_build_systems.pptx
+++ b/PT_build_systems.pptx
@@ -4,6 +4,9 @@
   <p:sldMasterIdLst>
     <p:sldMasterId id="2147483713" r:id="rId1"/>
   </p:sldMasterIdLst>
+  <p:notesMasterIdLst>
+    <p:notesMasterId r:id="rId32"/>
+  </p:notesMasterIdLst>
   <p:sldIdLst>
     <p:sldId id="256" r:id="rId2"/>
     <p:sldId id="305" r:id="rId3"/>
@@ -23,28 +26,18 @@
     <p:sldId id="313" r:id="rId17"/>
     <p:sldId id="316" r:id="rId18"/>
     <p:sldId id="315" r:id="rId19"/>
-    <p:sldId id="318" r:id="rId20"/>
-    <p:sldId id="319" r:id="rId21"/>
-    <p:sldId id="320" r:id="rId22"/>
-    <p:sldId id="321" r:id="rId23"/>
-    <p:sldId id="322" r:id="rId24"/>
-    <p:sldId id="323" r:id="rId25"/>
-    <p:sldId id="324" r:id="rId26"/>
-    <p:sldId id="325" r:id="rId27"/>
-    <p:sldId id="326" r:id="rId28"/>
-    <p:sldId id="327" r:id="rId29"/>
-    <p:sldId id="328" r:id="rId30"/>
-    <p:sldId id="329" r:id="rId31"/>
-    <p:sldId id="287" r:id="rId32"/>
-    <p:sldId id="289" r:id="rId33"/>
-    <p:sldId id="290" r:id="rId34"/>
-    <p:sldId id="288" r:id="rId35"/>
-    <p:sldId id="291" r:id="rId36"/>
-    <p:sldId id="292" r:id="rId37"/>
-    <p:sldId id="293" r:id="rId38"/>
-    <p:sldId id="294" r:id="rId39"/>
-    <p:sldId id="295" r:id="rId40"/>
-    <p:sldId id="297" r:id="rId41"/>
+    <p:sldId id="339" r:id="rId20"/>
+    <p:sldId id="340" r:id="rId21"/>
+    <p:sldId id="319" r:id="rId22"/>
+    <p:sldId id="288" r:id="rId23"/>
+    <p:sldId id="321" r:id="rId24"/>
+    <p:sldId id="290" r:id="rId25"/>
+    <p:sldId id="291" r:id="rId26"/>
+    <p:sldId id="292" r:id="rId27"/>
+    <p:sldId id="293" r:id="rId28"/>
+    <p:sldId id="294" r:id="rId29"/>
+    <p:sldId id="318" r:id="rId30"/>
+    <p:sldId id="297" r:id="rId31"/>
   </p:sldIdLst>
   <p:sldSz cx="12192000" cy="6858000"/>
   <p:notesSz cx="6858000" cy="9144000"/>
@@ -166,37 +159,402 @@
             <p14:sldId id="313"/>
             <p14:sldId id="316"/>
             <p14:sldId id="315"/>
-            <p14:sldId id="318"/>
+            <p14:sldId id="339"/>
+            <p14:sldId id="340"/>
             <p14:sldId id="319"/>
-            <p14:sldId id="320"/>
+            <p14:sldId id="288"/>
             <p14:sldId id="321"/>
-            <p14:sldId id="322"/>
-            <p14:sldId id="323"/>
-            <p14:sldId id="324"/>
-            <p14:sldId id="325"/>
-            <p14:sldId id="326"/>
-            <p14:sldId id="327"/>
-            <p14:sldId id="328"/>
-            <p14:sldId id="329"/>
-            <p14:sldId id="287"/>
-            <p14:sldId id="289"/>
             <p14:sldId id="290"/>
-            <p14:sldId id="288"/>
             <p14:sldId id="291"/>
             <p14:sldId id="292"/>
             <p14:sldId id="293"/>
             <p14:sldId id="294"/>
-            <p14:sldId id="295"/>
+            <p14:sldId id="318"/>
             <p14:sldId id="297"/>
           </p14:sldIdLst>
         </p14:section>
       </p14:sectionLst>
     </p:ext>
     <p:ext uri="{EFAFB233-063F-42B5-8137-9DF3F51BA10A}">
-      <p15:sldGuideLst xmlns:p15="http://schemas.microsoft.com/office/powerpoint/2012/main"/>
+      <p15:sldGuideLst xmlns:p15="http://schemas.microsoft.com/office/powerpoint/2012/main">
+        <p15:guide id="1" orient="horz" pos="2160" userDrawn="1">
+          <p15:clr>
+            <a:srgbClr val="A4A3A4"/>
+          </p15:clr>
+        </p15:guide>
+        <p15:guide id="2" pos="211" userDrawn="1">
+          <p15:clr>
+            <a:srgbClr val="A4A3A4"/>
+          </p15:clr>
+        </p15:guide>
+        <p15:guide id="3" pos="3840" userDrawn="1">
+          <p15:clr>
+            <a:srgbClr val="A4A3A4"/>
+          </p15:clr>
+        </p15:guide>
+        <p15:guide id="4" pos="7355" userDrawn="1">
+          <p15:clr>
+            <a:srgbClr val="A4A3A4"/>
+          </p15:clr>
+        </p15:guide>
+        <p15:guide id="5" orient="horz" pos="119" userDrawn="1">
+          <p15:clr>
+            <a:srgbClr val="A4A3A4"/>
+          </p15:clr>
+        </p15:guide>
+      </p15:sldGuideLst>
     </p:ext>
   </p:extLst>
 </p:presentation>
+</file>
+
+<file path=ppt/notesMasters/notesMaster1.xml><?xml version="1.0" encoding="utf-8"?>
+<p:notesMaster xmlns:a="http://schemas.openxmlformats.org/drawingml/2006/main" xmlns:r="http://schemas.openxmlformats.org/officeDocument/2006/relationships" xmlns:p="http://schemas.openxmlformats.org/presentationml/2006/main">
+  <p:cSld>
+    <p:bg>
+      <p:bgRef idx="1001">
+        <a:schemeClr val="bg1"/>
+      </p:bgRef>
+    </p:bg>
+    <p:spTree>
+      <p:nvGrpSpPr>
+        <p:cNvPr id="1" name=""/>
+        <p:cNvGrpSpPr/>
+        <p:nvPr/>
+      </p:nvGrpSpPr>
+      <p:grpSpPr>
+        <a:xfrm>
+          <a:off x="0" y="0"/>
+          <a:ext cx="0" cy="0"/>
+          <a:chOff x="0" y="0"/>
+          <a:chExt cx="0" cy="0"/>
+        </a:xfrm>
+      </p:grpSpPr>
+      <p:sp>
+        <p:nvSpPr>
+          <p:cNvPr id="2" name="Верхний колонтитул 1"/>
+          <p:cNvSpPr>
+            <a:spLocks noGrp="1"/>
+          </p:cNvSpPr>
+          <p:nvPr>
+            <p:ph type="hdr" sz="quarter"/>
+          </p:nvPr>
+        </p:nvSpPr>
+        <p:spPr>
+          <a:xfrm>
+            <a:off x="0" y="0"/>
+            <a:ext cx="2971800" cy="458788"/>
+          </a:xfrm>
+          <a:prstGeom prst="rect">
+            <a:avLst/>
+          </a:prstGeom>
+        </p:spPr>
+        <p:txBody>
+          <a:bodyPr vert="horz" lIns="91440" tIns="45720" rIns="91440" bIns="45720" rtlCol="0"/>
+          <a:lstStyle>
+            <a:lvl1pPr algn="l">
+              <a:defRPr sz="1200"/>
+            </a:lvl1pPr>
+          </a:lstStyle>
+          <a:p>
+            <a:endParaRPr lang="ru-RU"/>
+          </a:p>
+        </p:txBody>
+      </p:sp>
+      <p:sp>
+        <p:nvSpPr>
+          <p:cNvPr id="3" name="Дата 2"/>
+          <p:cNvSpPr>
+            <a:spLocks noGrp="1"/>
+          </p:cNvSpPr>
+          <p:nvPr>
+            <p:ph type="dt" idx="1"/>
+          </p:nvPr>
+        </p:nvSpPr>
+        <p:spPr>
+          <a:xfrm>
+            <a:off x="3884613" y="0"/>
+            <a:ext cx="2971800" cy="458788"/>
+          </a:xfrm>
+          <a:prstGeom prst="rect">
+            <a:avLst/>
+          </a:prstGeom>
+        </p:spPr>
+        <p:txBody>
+          <a:bodyPr vert="horz" lIns="91440" tIns="45720" rIns="91440" bIns="45720" rtlCol="0"/>
+          <a:lstStyle>
+            <a:lvl1pPr algn="r">
+              <a:defRPr sz="1200"/>
+            </a:lvl1pPr>
+          </a:lstStyle>
+          <a:p>
+            <a:fld id="{65E63EBA-BAF9-514A-8D2B-C00B2A33EBCA}" type="datetimeFigureOut">
+              <a:rPr lang="ru-RU" smtClean="0"/>
+              <a:t>09.03.2025</a:t>
+            </a:fld>
+            <a:endParaRPr lang="ru-RU"/>
+          </a:p>
+        </p:txBody>
+      </p:sp>
+      <p:sp>
+        <p:nvSpPr>
+          <p:cNvPr id="4" name="Образ слайда 3"/>
+          <p:cNvSpPr>
+            <a:spLocks noGrp="1" noRot="1" noChangeAspect="1"/>
+          </p:cNvSpPr>
+          <p:nvPr>
+            <p:ph type="sldImg" idx="2"/>
+          </p:nvPr>
+        </p:nvSpPr>
+        <p:spPr>
+          <a:xfrm>
+            <a:off x="685800" y="1143000"/>
+            <a:ext cx="5486400" cy="3086100"/>
+          </a:xfrm>
+          <a:prstGeom prst="rect">
+            <a:avLst/>
+          </a:prstGeom>
+          <a:noFill/>
+          <a:ln w="12700">
+            <a:solidFill>
+              <a:prstClr val="black"/>
+            </a:solidFill>
+          </a:ln>
+        </p:spPr>
+        <p:txBody>
+          <a:bodyPr vert="horz" lIns="91440" tIns="45720" rIns="91440" bIns="45720" rtlCol="0" anchor="ctr"/>
+          <a:lstStyle/>
+          <a:p>
+            <a:endParaRPr lang="ru-RU"/>
+          </a:p>
+        </p:txBody>
+      </p:sp>
+      <p:sp>
+        <p:nvSpPr>
+          <p:cNvPr id="5" name="Заметки 4"/>
+          <p:cNvSpPr>
+            <a:spLocks noGrp="1"/>
+          </p:cNvSpPr>
+          <p:nvPr>
+            <p:ph type="body" sz="quarter" idx="3"/>
+          </p:nvPr>
+        </p:nvSpPr>
+        <p:spPr>
+          <a:xfrm>
+            <a:off x="685800" y="4400550"/>
+            <a:ext cx="5486400" cy="3600450"/>
+          </a:xfrm>
+          <a:prstGeom prst="rect">
+            <a:avLst/>
+          </a:prstGeom>
+        </p:spPr>
+        <p:txBody>
+          <a:bodyPr vert="horz" lIns="91440" tIns="45720" rIns="91440" bIns="45720" rtlCol="0"/>
+          <a:lstStyle/>
+          <a:p>
+            <a:pPr lvl="0"/>
+            <a:r>
+              <a:rPr lang="ru-RU"/>
+              <a:t>Образец текста</a:t>
+            </a:r>
+          </a:p>
+          <a:p>
+            <a:pPr lvl="1"/>
+            <a:r>
+              <a:rPr lang="ru-RU"/>
+              <a:t>Второй уровень</a:t>
+            </a:r>
+          </a:p>
+          <a:p>
+            <a:pPr lvl="2"/>
+            <a:r>
+              <a:rPr lang="ru-RU"/>
+              <a:t>Третий уровень</a:t>
+            </a:r>
+          </a:p>
+          <a:p>
+            <a:pPr lvl="3"/>
+            <a:r>
+              <a:rPr lang="ru-RU"/>
+              <a:t>Четвертый уровень</a:t>
+            </a:r>
+          </a:p>
+          <a:p>
+            <a:pPr lvl="4"/>
+            <a:r>
+              <a:rPr lang="ru-RU"/>
+              <a:t>Пятый уровень</a:t>
+            </a:r>
+          </a:p>
+        </p:txBody>
+      </p:sp>
+      <p:sp>
+        <p:nvSpPr>
+          <p:cNvPr id="6" name="Нижний колонтитул 5"/>
+          <p:cNvSpPr>
+            <a:spLocks noGrp="1"/>
+          </p:cNvSpPr>
+          <p:nvPr>
+            <p:ph type="ftr" sz="quarter" idx="4"/>
+          </p:nvPr>
+        </p:nvSpPr>
+        <p:spPr>
+          <a:xfrm>
+            <a:off x="0" y="8685213"/>
+            <a:ext cx="2971800" cy="458787"/>
+          </a:xfrm>
+          <a:prstGeom prst="rect">
+            <a:avLst/>
+          </a:prstGeom>
+        </p:spPr>
+        <p:txBody>
+          <a:bodyPr vert="horz" lIns="91440" tIns="45720" rIns="91440" bIns="45720" rtlCol="0" anchor="b"/>
+          <a:lstStyle>
+            <a:lvl1pPr algn="l">
+              <a:defRPr sz="1200"/>
+            </a:lvl1pPr>
+          </a:lstStyle>
+          <a:p>
+            <a:endParaRPr lang="ru-RU"/>
+          </a:p>
+        </p:txBody>
+      </p:sp>
+      <p:sp>
+        <p:nvSpPr>
+          <p:cNvPr id="7" name="Номер слайда 6"/>
+          <p:cNvSpPr>
+            <a:spLocks noGrp="1"/>
+          </p:cNvSpPr>
+          <p:nvPr>
+            <p:ph type="sldNum" sz="quarter" idx="5"/>
+          </p:nvPr>
+        </p:nvSpPr>
+        <p:spPr>
+          <a:xfrm>
+            <a:off x="3884613" y="8685213"/>
+            <a:ext cx="2971800" cy="458787"/>
+          </a:xfrm>
+          <a:prstGeom prst="rect">
+            <a:avLst/>
+          </a:prstGeom>
+        </p:spPr>
+        <p:txBody>
+          <a:bodyPr vert="horz" lIns="91440" tIns="45720" rIns="91440" bIns="45720" rtlCol="0" anchor="b"/>
+          <a:lstStyle>
+            <a:lvl1pPr algn="r">
+              <a:defRPr sz="1200"/>
+            </a:lvl1pPr>
+          </a:lstStyle>
+          <a:p>
+            <a:fld id="{04A4063B-0B5F-8A44-82B6-B247A4530F87}" type="slidenum">
+              <a:rPr lang="ru-RU" smtClean="0"/>
+              <a:t>‹#›</a:t>
+            </a:fld>
+            <a:endParaRPr lang="ru-RU"/>
+          </a:p>
+        </p:txBody>
+      </p:sp>
+    </p:spTree>
+    <p:extLst>
+      <p:ext uri="{BB962C8B-B14F-4D97-AF65-F5344CB8AC3E}">
+        <p14:creationId xmlns:p14="http://schemas.microsoft.com/office/powerpoint/2010/main" val="1276178223"/>
+      </p:ext>
+    </p:extLst>
+  </p:cSld>
+  <p:clrMap bg1="lt1" tx1="dk1" bg2="lt2" tx2="dk2" accent1="accent1" accent2="accent2" accent3="accent3" accent4="accent4" accent5="accent5" accent6="accent6" hlink="hlink" folHlink="folHlink"/>
+  <p:notesStyle>
+    <a:lvl1pPr marL="0" algn="l" defTabSz="914400" rtl="0" eaLnBrk="1" latinLnBrk="0" hangingPunct="1">
+      <a:defRPr sz="1200" kern="1200">
+        <a:solidFill>
+          <a:schemeClr val="tx1"/>
+        </a:solidFill>
+        <a:latin typeface="+mn-lt"/>
+        <a:ea typeface="+mn-ea"/>
+        <a:cs typeface="+mn-cs"/>
+      </a:defRPr>
+    </a:lvl1pPr>
+    <a:lvl2pPr marL="457200" algn="l" defTabSz="914400" rtl="0" eaLnBrk="1" latinLnBrk="0" hangingPunct="1">
+      <a:defRPr sz="1200" kern="1200">
+        <a:solidFill>
+          <a:schemeClr val="tx1"/>
+        </a:solidFill>
+        <a:latin typeface="+mn-lt"/>
+        <a:ea typeface="+mn-ea"/>
+        <a:cs typeface="+mn-cs"/>
+      </a:defRPr>
+    </a:lvl2pPr>
+    <a:lvl3pPr marL="914400" algn="l" defTabSz="914400" rtl="0" eaLnBrk="1" latinLnBrk="0" hangingPunct="1">
+      <a:defRPr sz="1200" kern="1200">
+        <a:solidFill>
+          <a:schemeClr val="tx1"/>
+        </a:solidFill>
+        <a:latin typeface="+mn-lt"/>
+        <a:ea typeface="+mn-ea"/>
+        <a:cs typeface="+mn-cs"/>
+      </a:defRPr>
+    </a:lvl3pPr>
+    <a:lvl4pPr marL="1371600" algn="l" defTabSz="914400" rtl="0" eaLnBrk="1" latinLnBrk="0" hangingPunct="1">
+      <a:defRPr sz="1200" kern="1200">
+        <a:solidFill>
+          <a:schemeClr val="tx1"/>
+        </a:solidFill>
+        <a:latin typeface="+mn-lt"/>
+        <a:ea typeface="+mn-ea"/>
+        <a:cs typeface="+mn-cs"/>
+      </a:defRPr>
+    </a:lvl4pPr>
+    <a:lvl5pPr marL="1828800" algn="l" defTabSz="914400" rtl="0" eaLnBrk="1" latinLnBrk="0" hangingPunct="1">
+      <a:defRPr sz="1200" kern="1200">
+        <a:solidFill>
+          <a:schemeClr val="tx1"/>
+        </a:solidFill>
+        <a:latin typeface="+mn-lt"/>
+        <a:ea typeface="+mn-ea"/>
+        <a:cs typeface="+mn-cs"/>
+      </a:defRPr>
+    </a:lvl5pPr>
+    <a:lvl6pPr marL="2286000" algn="l" defTabSz="914400" rtl="0" eaLnBrk="1" latinLnBrk="0" hangingPunct="1">
+      <a:defRPr sz="1200" kern="1200">
+        <a:solidFill>
+          <a:schemeClr val="tx1"/>
+        </a:solidFill>
+        <a:latin typeface="+mn-lt"/>
+        <a:ea typeface="+mn-ea"/>
+        <a:cs typeface="+mn-cs"/>
+      </a:defRPr>
+    </a:lvl6pPr>
+    <a:lvl7pPr marL="2743200" algn="l" defTabSz="914400" rtl="0" eaLnBrk="1" latinLnBrk="0" hangingPunct="1">
+      <a:defRPr sz="1200" kern="1200">
+        <a:solidFill>
+          <a:schemeClr val="tx1"/>
+        </a:solidFill>
+        <a:latin typeface="+mn-lt"/>
+        <a:ea typeface="+mn-ea"/>
+        <a:cs typeface="+mn-cs"/>
+      </a:defRPr>
+    </a:lvl7pPr>
+    <a:lvl8pPr marL="3200400" algn="l" defTabSz="914400" rtl="0" eaLnBrk="1" latinLnBrk="0" hangingPunct="1">
+      <a:defRPr sz="1200" kern="1200">
+        <a:solidFill>
+          <a:schemeClr val="tx1"/>
+        </a:solidFill>
+        <a:latin typeface="+mn-lt"/>
+        <a:ea typeface="+mn-ea"/>
+        <a:cs typeface="+mn-cs"/>
+      </a:defRPr>
+    </a:lvl8pPr>
+    <a:lvl9pPr marL="3657600" algn="l" defTabSz="914400" rtl="0" eaLnBrk="1" latinLnBrk="0" hangingPunct="1">
+      <a:defRPr sz="1200" kern="1200">
+        <a:solidFill>
+          <a:schemeClr val="tx1"/>
+        </a:solidFill>
+        <a:latin typeface="+mn-lt"/>
+        <a:ea typeface="+mn-ea"/>
+        <a:cs typeface="+mn-cs"/>
+      </a:defRPr>
+    </a:lvl9pPr>
+  </p:notesStyle>
+</p:notesMaster>
 </file>
 
 <file path=ppt/slideLayouts/slideLayout1.xml><?xml version="1.0" encoding="utf-8"?>
@@ -328,7 +686,7 @@
           <a:p>
             <a:fld id="{1EF03FB3-452A-430E-97BD-45890B2B5EA9}" type="datetimeFigureOut">
               <a:rPr lang="ru-RU" smtClean="0"/>
-              <a:t>19.02.2024</a:t>
+              <a:t>09.03.2025</a:t>
             </a:fld>
             <a:endParaRPr lang="ru-RU"/>
           </a:p>
@@ -496,7 +854,7 @@
           <a:p>
             <a:fld id="{1EF03FB3-452A-430E-97BD-45890B2B5EA9}" type="datetimeFigureOut">
               <a:rPr lang="ru-RU" smtClean="0"/>
-              <a:t>19.02.2024</a:t>
+              <a:t>09.03.2025</a:t>
             </a:fld>
             <a:endParaRPr lang="ru-RU"/>
           </a:p>
@@ -674,7 +1032,7 @@
           <a:p>
             <a:fld id="{1EF03FB3-452A-430E-97BD-45890B2B5EA9}" type="datetimeFigureOut">
               <a:rPr lang="ru-RU" smtClean="0"/>
-              <a:t>19.02.2024</a:t>
+              <a:t>09.03.2025</a:t>
             </a:fld>
             <a:endParaRPr lang="ru-RU"/>
           </a:p>
@@ -842,7 +1200,7 @@
           <a:p>
             <a:fld id="{1EF03FB3-452A-430E-97BD-45890B2B5EA9}" type="datetimeFigureOut">
               <a:rPr lang="ru-RU" smtClean="0"/>
-              <a:t>19.02.2024</a:t>
+              <a:t>09.03.2025</a:t>
             </a:fld>
             <a:endParaRPr lang="ru-RU"/>
           </a:p>
@@ -1087,7 +1445,7 @@
           <a:p>
             <a:fld id="{1EF03FB3-452A-430E-97BD-45890B2B5EA9}" type="datetimeFigureOut">
               <a:rPr lang="ru-RU" smtClean="0"/>
-              <a:t>19.02.2024</a:t>
+              <a:t>09.03.2025</a:t>
             </a:fld>
             <a:endParaRPr lang="ru-RU"/>
           </a:p>
@@ -1316,7 +1674,7 @@
           <a:p>
             <a:fld id="{1EF03FB3-452A-430E-97BD-45890B2B5EA9}" type="datetimeFigureOut">
               <a:rPr lang="ru-RU" smtClean="0"/>
-              <a:t>19.02.2024</a:t>
+              <a:t>09.03.2025</a:t>
             </a:fld>
             <a:endParaRPr lang="ru-RU"/>
           </a:p>
@@ -1680,7 +2038,7 @@
           <a:p>
             <a:fld id="{1EF03FB3-452A-430E-97BD-45890B2B5EA9}" type="datetimeFigureOut">
               <a:rPr lang="ru-RU" smtClean="0"/>
-              <a:t>19.02.2024</a:t>
+              <a:t>09.03.2025</a:t>
             </a:fld>
             <a:endParaRPr lang="ru-RU"/>
           </a:p>
@@ -1797,7 +2155,7 @@
           <a:p>
             <a:fld id="{1EF03FB3-452A-430E-97BD-45890B2B5EA9}" type="datetimeFigureOut">
               <a:rPr lang="ru-RU" smtClean="0"/>
-              <a:t>19.02.2024</a:t>
+              <a:t>09.03.2025</a:t>
             </a:fld>
             <a:endParaRPr lang="ru-RU"/>
           </a:p>
@@ -1892,7 +2250,7 @@
           <a:p>
             <a:fld id="{1EF03FB3-452A-430E-97BD-45890B2B5EA9}" type="datetimeFigureOut">
               <a:rPr lang="ru-RU" smtClean="0"/>
-              <a:t>19.02.2024</a:t>
+              <a:t>09.03.2025</a:t>
             </a:fld>
             <a:endParaRPr lang="ru-RU"/>
           </a:p>
@@ -2167,7 +2525,7 @@
           <a:p>
             <a:fld id="{1EF03FB3-452A-430E-97BD-45890B2B5EA9}" type="datetimeFigureOut">
               <a:rPr lang="ru-RU" smtClean="0"/>
-              <a:t>19.02.2024</a:t>
+              <a:t>09.03.2025</a:t>
             </a:fld>
             <a:endParaRPr lang="ru-RU"/>
           </a:p>
@@ -2419,7 +2777,7 @@
           <a:p>
             <a:fld id="{1EF03FB3-452A-430E-97BD-45890B2B5EA9}" type="datetimeFigureOut">
               <a:rPr lang="ru-RU" smtClean="0"/>
-              <a:t>19.02.2024</a:t>
+              <a:t>09.03.2025</a:t>
             </a:fld>
             <a:endParaRPr lang="ru-RU"/>
           </a:p>
@@ -2646,7 +3004,7 @@
           <a:p>
             <a:fld id="{1EF03FB3-452A-430E-97BD-45890B2B5EA9}" type="datetimeFigureOut">
               <a:rPr lang="ru-RU" smtClean="0"/>
-              <a:t>19.02.2024</a:t>
+              <a:t>09.03.2025</a:t>
             </a:fld>
             <a:endParaRPr lang="ru-RU"/>
           </a:p>
@@ -6031,7 +6389,13 @@
   <p:cSld>
     <p:spTree>
       <p:nvGrpSpPr>
-        <p:cNvPr id="1" name=""/>
+        <p:cNvPr id="1" name="">
+          <a:extLst>
+            <a:ext uri="{FF2B5EF4-FFF2-40B4-BE49-F238E27FC236}">
+              <a16:creationId xmlns:a16="http://schemas.microsoft.com/office/drawing/2014/main" id="{C356C6D1-EFAA-896D-76DA-29B678638C44}"/>
+            </a:ext>
+          </a:extLst>
+        </p:cNvPr>
         <p:cNvGrpSpPr/>
         <p:nvPr/>
       </p:nvGrpSpPr>
@@ -6043,191 +6407,46 @@
           <a:chExt cx="0" cy="0"/>
         </a:xfrm>
       </p:grpSpPr>
-      <p:sp>
-        <p:nvSpPr>
-          <p:cNvPr id="3" name="Объект 2"/>
-          <p:cNvSpPr>
-            <a:spLocks noGrp="1"/>
-          </p:cNvSpPr>
-          <p:nvPr>
-            <p:ph idx="1"/>
-          </p:nvPr>
-        </p:nvSpPr>
-        <p:spPr/>
-        <p:txBody>
-          <a:bodyPr/>
-          <a:lstStyle/>
-          <a:p>
-            <a:pPr marL="0" indent="0">
-              <a:buNone/>
-            </a:pPr>
-            <a:r>
-              <a:rPr lang="ru-RU" dirty="0">
-                <a:solidFill>
-                  <a:srgbClr val="003399"/>
-                </a:solidFill>
-                <a:latin typeface="+mj-lt"/>
-              </a:rPr>
-              <a:t>	Инструмент</a:t>
-            </a:r>
-            <a:r>
-              <a:rPr lang="en-US" dirty="0">
-                <a:solidFill>
-                  <a:srgbClr val="003399"/>
-                </a:solidFill>
-                <a:latin typeface="+mj-lt"/>
-              </a:rPr>
-              <a:t> </a:t>
-            </a:r>
-            <a:r>
-              <a:rPr lang="ru-RU" dirty="0">
-                <a:solidFill>
-                  <a:srgbClr val="003399"/>
-                </a:solidFill>
-                <a:latin typeface="+mj-lt"/>
-              </a:rPr>
-              <a:t>автоматизации сборки с открытым исходным кодом</a:t>
-            </a:r>
-            <a:r>
-              <a:rPr lang="en-US" dirty="0">
-                <a:solidFill>
-                  <a:srgbClr val="003399"/>
-                </a:solidFill>
-                <a:latin typeface="+mj-lt"/>
-              </a:rPr>
-              <a:t>	</a:t>
-            </a:r>
-          </a:p>
-          <a:p>
-            <a:pPr marL="0" indent="0">
-              <a:buNone/>
-            </a:pPr>
-            <a:r>
-              <a:rPr lang="en-US" dirty="0">
-                <a:solidFill>
-                  <a:srgbClr val="003399"/>
-                </a:solidFill>
-                <a:latin typeface="+mj-lt"/>
-              </a:rPr>
-              <a:t>	Gradle </a:t>
-            </a:r>
-            <a:r>
-              <a:rPr lang="ru-RU" dirty="0">
-                <a:solidFill>
-                  <a:srgbClr val="003399"/>
-                </a:solidFill>
-                <a:latin typeface="+mj-lt"/>
-              </a:rPr>
-              <a:t>основывается на задачах и плагинах под управлением скриптов, написанных на </a:t>
-            </a:r>
-            <a:r>
-              <a:rPr lang="en-US" dirty="0">
-                <a:solidFill>
-                  <a:srgbClr val="003399"/>
-                </a:solidFill>
-                <a:latin typeface="+mj-lt"/>
-              </a:rPr>
-              <a:t>Groovy </a:t>
-            </a:r>
-            <a:r>
-              <a:rPr lang="ru-RU" dirty="0">
-                <a:solidFill>
-                  <a:srgbClr val="003399"/>
-                </a:solidFill>
-                <a:latin typeface="+mj-lt"/>
-              </a:rPr>
-              <a:t>(в большинстве своем). Кроме этого также хранит в себе всю метаинформацию о проекте. </a:t>
-            </a:r>
-            <a:endParaRPr lang="en-US" dirty="0">
-              <a:solidFill>
-                <a:srgbClr val="003399"/>
-              </a:solidFill>
-              <a:latin typeface="+mj-lt"/>
-            </a:endParaRPr>
-          </a:p>
-          <a:p>
-            <a:pPr marL="0" indent="0">
-              <a:buNone/>
-            </a:pPr>
-            <a:r>
-              <a:rPr lang="en-US" dirty="0">
-                <a:solidFill>
-                  <a:srgbClr val="003399"/>
-                </a:solidFill>
-                <a:latin typeface="+mj-lt"/>
-              </a:rPr>
-              <a:t>	</a:t>
-            </a:r>
-            <a:r>
-              <a:rPr lang="ru-RU" dirty="0">
-                <a:solidFill>
-                  <a:srgbClr val="003399"/>
-                </a:solidFill>
-                <a:latin typeface="+mj-lt"/>
-              </a:rPr>
-              <a:t>Также важно заметить, что </a:t>
-            </a:r>
-            <a:r>
-              <a:rPr lang="en-US" dirty="0">
-                <a:solidFill>
-                  <a:srgbClr val="003399"/>
-                </a:solidFill>
-                <a:latin typeface="+mj-lt"/>
-              </a:rPr>
-              <a:t>Gradle </a:t>
-            </a:r>
-            <a:r>
-              <a:rPr lang="ru-RU" dirty="0">
-                <a:solidFill>
-                  <a:srgbClr val="003399"/>
-                </a:solidFill>
-                <a:latin typeface="+mj-lt"/>
-              </a:rPr>
-              <a:t>легко работает с проектами, написанными на любом языке программирования.</a:t>
-            </a:r>
-          </a:p>
-        </p:txBody>
-      </p:sp>
-      <p:sp>
-        <p:nvSpPr>
-          <p:cNvPr id="4" name="Заголовок 1"/>
-          <p:cNvSpPr>
-            <a:spLocks noGrp="1"/>
-          </p:cNvSpPr>
-          <p:nvPr>
-            <p:ph type="title"/>
-          </p:nvPr>
-        </p:nvSpPr>
+      <p:pic>
+        <p:nvPicPr>
+          <p:cNvPr id="12" name="Рисунок 11" descr="Изображение выглядит как Графика, дизайн&#10;&#10;Контент, сгенерированный ИИ, может содержать ошибки.">
+            <a:extLst>
+              <a:ext uri="{FF2B5EF4-FFF2-40B4-BE49-F238E27FC236}">
+                <a16:creationId xmlns:a16="http://schemas.microsoft.com/office/drawing/2014/main" id="{5933C92F-5CD4-FCDC-0C33-8C18F615642D}"/>
+              </a:ext>
+            </a:extLst>
+          </p:cNvPr>
+          <p:cNvPicPr>
+            <a:picLocks noChangeAspect="1"/>
+          </p:cNvPicPr>
+          <p:nvPr/>
+        </p:nvPicPr>
+        <p:blipFill>
+          <a:blip r:embed="rId2">
+            <a:extLst>
+              <a:ext uri="{28A0092B-C50C-407E-A947-70E740481C1C}">
+                <a14:useLocalDpi xmlns:a14="http://schemas.microsoft.com/office/drawing/2010/main" val="0"/>
+              </a:ext>
+            </a:extLst>
+          </a:blip>
+          <a:stretch>
+            <a:fillRect/>
+          </a:stretch>
+        </p:blipFill>
         <p:spPr>
           <a:xfrm>
-            <a:off x="838200" y="365125"/>
-            <a:ext cx="10515600" cy="1325563"/>
+            <a:off x="943058" y="1629000"/>
+            <a:ext cx="10305884" cy="3600000"/>
           </a:xfrm>
+          <a:prstGeom prst="rect">
+            <a:avLst/>
+          </a:prstGeom>
         </p:spPr>
-        <p:txBody>
-          <a:bodyPr/>
-          <a:lstStyle/>
-          <a:p>
-            <a:r>
-              <a:rPr lang="en-US" dirty="0">
-                <a:solidFill>
-                  <a:srgbClr val="003399"/>
-                </a:solidFill>
-              </a:rPr>
-              <a:t>Gradle</a:t>
-            </a:r>
-            <a:endParaRPr lang="ru-RU" dirty="0">
-              <a:solidFill>
-                <a:srgbClr val="003399"/>
-              </a:solidFill>
-            </a:endParaRPr>
-          </a:p>
-        </p:txBody>
-      </p:sp>
+      </p:pic>
     </p:spTree>
     <p:extLst>
       <p:ext uri="{BB962C8B-B14F-4D97-AF65-F5344CB8AC3E}">
-        <p14:creationId xmlns:p14="http://schemas.microsoft.com/office/powerpoint/2010/main" val="3175960242"/>
+        <p14:creationId xmlns:p14="http://schemas.microsoft.com/office/powerpoint/2010/main" val="1425018875"/>
       </p:ext>
     </p:extLst>
   </p:cSld>
@@ -6345,6 +6564,408 @@
   <p:cSld>
     <p:spTree>
       <p:nvGrpSpPr>
+        <p:cNvPr id="1" name="">
+          <a:extLst>
+            <a:ext uri="{FF2B5EF4-FFF2-40B4-BE49-F238E27FC236}">
+              <a16:creationId xmlns:a16="http://schemas.microsoft.com/office/drawing/2014/main" id="{5703A0AF-1FFE-B665-034F-BC3D0A945E1C}"/>
+            </a:ext>
+          </a:extLst>
+        </p:cNvPr>
+        <p:cNvGrpSpPr/>
+        <p:nvPr/>
+      </p:nvGrpSpPr>
+      <p:grpSpPr>
+        <a:xfrm>
+          <a:off x="0" y="0"/>
+          <a:ext cx="0" cy="0"/>
+          <a:chOff x="0" y="0"/>
+          <a:chExt cx="0" cy="0"/>
+        </a:xfrm>
+      </p:grpSpPr>
+      <p:sp>
+        <p:nvSpPr>
+          <p:cNvPr id="11" name="Объект 2">
+            <a:extLst>
+              <a:ext uri="{FF2B5EF4-FFF2-40B4-BE49-F238E27FC236}">
+                <a16:creationId xmlns:a16="http://schemas.microsoft.com/office/drawing/2014/main" id="{3A854023-DDD2-A205-81B7-C8A5DD73777B}"/>
+              </a:ext>
+            </a:extLst>
+          </p:cNvPr>
+          <p:cNvSpPr>
+            <a:spLocks noGrp="1"/>
+          </p:cNvSpPr>
+          <p:nvPr>
+            <p:ph idx="1"/>
+          </p:nvPr>
+        </p:nvSpPr>
+        <p:spPr>
+          <a:xfrm>
+            <a:off x="360000" y="1260000"/>
+            <a:ext cx="11473200" cy="3546000"/>
+          </a:xfrm>
+        </p:spPr>
+        <p:txBody>
+          <a:bodyPr numCol="2">
+            <a:normAutofit/>
+          </a:bodyPr>
+          <a:lstStyle/>
+          <a:p>
+            <a:pPr>
+              <a:lnSpc>
+                <a:spcPct val="80000"/>
+              </a:lnSpc>
+              <a:spcBef>
+                <a:spcPts val="0"/>
+              </a:spcBef>
+              <a:buSzPct val="100000"/>
+              <a:buFont typeface="Системный шрифт, обычный"/>
+              <a:buChar char="−"/>
+            </a:pPr>
+            <a:r>
+              <a:rPr lang="ru-RU" sz="2400" dirty="0">
+                <a:solidFill>
+                  <a:srgbClr val="003399"/>
+                </a:solidFill>
+              </a:rPr>
+              <a:t>помогает автоматизировать широкий спектр сценариев сборки ПО, используя встроенные функции, сторонние плагины или пользовательскую логику сборки</a:t>
+            </a:r>
+          </a:p>
+          <a:p>
+            <a:pPr>
+              <a:lnSpc>
+                <a:spcPct val="80000"/>
+              </a:lnSpc>
+              <a:spcBef>
+                <a:spcPts val="0"/>
+              </a:spcBef>
+              <a:buSzPct val="100000"/>
+              <a:buFont typeface="Системный шрифт, обычный"/>
+              <a:buChar char="−"/>
+            </a:pPr>
+            <a:endParaRPr lang="ru-RU" sz="2400" dirty="0">
+              <a:solidFill>
+                <a:srgbClr val="003399"/>
+              </a:solidFill>
+            </a:endParaRPr>
+          </a:p>
+          <a:p>
+            <a:pPr>
+              <a:lnSpc>
+                <a:spcPct val="80000"/>
+              </a:lnSpc>
+              <a:spcBef>
+                <a:spcPts val="0"/>
+              </a:spcBef>
+              <a:buSzPct val="100000"/>
+              <a:buFont typeface="Системный шрифт, обычный"/>
+              <a:buChar char="−"/>
+            </a:pPr>
+            <a:endParaRPr lang="ru-RU" sz="2400" dirty="0">
+              <a:solidFill>
+                <a:srgbClr val="003399"/>
+              </a:solidFill>
+            </a:endParaRPr>
+          </a:p>
+          <a:p>
+            <a:pPr>
+              <a:lnSpc>
+                <a:spcPct val="80000"/>
+              </a:lnSpc>
+              <a:spcBef>
+                <a:spcPts val="0"/>
+              </a:spcBef>
+              <a:buSzPct val="100000"/>
+              <a:buFont typeface="Системный шрифт, обычный"/>
+              <a:buChar char="−"/>
+            </a:pPr>
+            <a:r>
+              <a:rPr lang="ru-RU" sz="2400" dirty="0">
+                <a:solidFill>
+                  <a:srgbClr val="003399"/>
+                </a:solidFill>
+              </a:rPr>
+              <a:t>предоставляет</a:t>
+            </a:r>
+            <a:r>
+              <a:rPr lang="ru-RU" sz="1600" b="0" i="0" dirty="0">
+                <a:solidFill>
+                  <a:srgbClr val="AAAAAA"/>
+                </a:solidFill>
+                <a:effectLst/>
+                <a:latin typeface="Lato" panose="020F0502020204030203" pitchFamily="34" charset="0"/>
+              </a:rPr>
+              <a:t> </a:t>
+            </a:r>
+            <a:r>
+              <a:rPr lang="ru-RU" sz="2400" dirty="0">
+                <a:solidFill>
+                  <a:srgbClr val="003399"/>
+                </a:solidFill>
+              </a:rPr>
+              <a:t>высокоуровневый, декларативный и выразительный язык сборки, который упрощает чтение и написание логики сборки</a:t>
+            </a:r>
+          </a:p>
+          <a:p>
+            <a:pPr>
+              <a:lnSpc>
+                <a:spcPct val="80000"/>
+              </a:lnSpc>
+              <a:spcBef>
+                <a:spcPts val="0"/>
+              </a:spcBef>
+              <a:buSzPct val="100000"/>
+              <a:buFont typeface="Системный шрифт, обычный"/>
+              <a:buChar char="−"/>
+            </a:pPr>
+            <a:r>
+              <a:rPr lang="ru-RU" sz="2400" b="0" i="0" dirty="0">
+                <a:solidFill>
+                  <a:srgbClr val="003399"/>
+                </a:solidFill>
+                <a:effectLst/>
+              </a:rPr>
+              <a:t>обеспечивает надежные результаты, используя такие оптимизации, как инкрементальные сборки, кэширование сборок и параллельное выполнение</a:t>
+            </a:r>
+          </a:p>
+          <a:p>
+            <a:pPr>
+              <a:lnSpc>
+                <a:spcPct val="80000"/>
+              </a:lnSpc>
+              <a:spcBef>
+                <a:spcPts val="0"/>
+              </a:spcBef>
+              <a:buSzPct val="100000"/>
+              <a:buFont typeface="Системный шрифт, обычный"/>
+              <a:buChar char="−"/>
+            </a:pPr>
+            <a:endParaRPr lang="ru-RU" sz="2400" b="0" i="0" dirty="0">
+              <a:solidFill>
+                <a:srgbClr val="003399"/>
+              </a:solidFill>
+              <a:effectLst/>
+            </a:endParaRPr>
+          </a:p>
+          <a:p>
+            <a:pPr>
+              <a:lnSpc>
+                <a:spcPct val="80000"/>
+              </a:lnSpc>
+              <a:spcBef>
+                <a:spcPts val="0"/>
+              </a:spcBef>
+              <a:buSzPct val="100000"/>
+              <a:buFont typeface="Системный шрифт, обычный"/>
+              <a:buChar char="−"/>
+            </a:pPr>
+            <a:endParaRPr lang="ru-RU" sz="2400" b="0" i="0" dirty="0">
+              <a:solidFill>
+                <a:srgbClr val="003399"/>
+              </a:solidFill>
+              <a:effectLst/>
+            </a:endParaRPr>
+          </a:p>
+          <a:p>
+            <a:pPr>
+              <a:lnSpc>
+                <a:spcPct val="80000"/>
+              </a:lnSpc>
+              <a:spcBef>
+                <a:spcPts val="0"/>
+              </a:spcBef>
+              <a:buSzPct val="100000"/>
+              <a:buFont typeface="Системный шрифт, обычный"/>
+              <a:buChar char="−"/>
+            </a:pPr>
+            <a:endParaRPr lang="ru-RU" sz="2400" dirty="0">
+              <a:solidFill>
+                <a:srgbClr val="003399"/>
+              </a:solidFill>
+            </a:endParaRPr>
+          </a:p>
+          <a:p>
+            <a:pPr>
+              <a:lnSpc>
+                <a:spcPct val="80000"/>
+              </a:lnSpc>
+              <a:spcBef>
+                <a:spcPts val="0"/>
+              </a:spcBef>
+              <a:buSzPct val="100000"/>
+              <a:buFont typeface="Системный шрифт, обычный"/>
+              <a:buChar char="−"/>
+            </a:pPr>
+            <a:r>
+              <a:rPr lang="ru-RU" sz="2400" dirty="0">
+                <a:solidFill>
+                  <a:srgbClr val="003399"/>
+                </a:solidFill>
+              </a:rPr>
+              <a:t>п</a:t>
+            </a:r>
+            <a:r>
+              <a:rPr lang="ru-RU" sz="2400" b="0" i="0" dirty="0">
+                <a:solidFill>
+                  <a:srgbClr val="003399"/>
+                </a:solidFill>
+                <a:effectLst/>
+              </a:rPr>
+              <a:t>оддерживает </a:t>
+            </a:r>
+            <a:r>
+              <a:rPr lang="en" sz="2400" dirty="0">
+                <a:solidFill>
+                  <a:srgbClr val="003399"/>
+                </a:solidFill>
+              </a:rPr>
+              <a:t>Android, Java, Kotlin Multiplatform, Groovy, Scala, JavaScript </a:t>
+            </a:r>
+            <a:r>
+              <a:rPr lang="ru-RU" sz="2400" dirty="0">
+                <a:solidFill>
+                  <a:srgbClr val="003399"/>
+                </a:solidFill>
+              </a:rPr>
+              <a:t>и </a:t>
+            </a:r>
+            <a:r>
+              <a:rPr lang="en" sz="2400" dirty="0">
+                <a:solidFill>
+                  <a:srgbClr val="003399"/>
+                </a:solidFill>
+              </a:rPr>
+              <a:t>C/C++</a:t>
+            </a:r>
+            <a:endParaRPr lang="ru-RU" sz="2400" dirty="0">
+              <a:solidFill>
+                <a:srgbClr val="003399"/>
+              </a:solidFill>
+            </a:endParaRPr>
+          </a:p>
+        </p:txBody>
+      </p:sp>
+      <p:sp>
+        <p:nvSpPr>
+          <p:cNvPr id="15" name="Заголовок 1">
+            <a:extLst>
+              <a:ext uri="{FF2B5EF4-FFF2-40B4-BE49-F238E27FC236}">
+                <a16:creationId xmlns:a16="http://schemas.microsoft.com/office/drawing/2014/main" id="{AF9788CA-9D1D-13EF-FB14-E8C36B606A69}"/>
+              </a:ext>
+            </a:extLst>
+          </p:cNvPr>
+          <p:cNvSpPr>
+            <a:spLocks noGrp="1"/>
+          </p:cNvSpPr>
+          <p:nvPr>
+            <p:ph type="title"/>
+          </p:nvPr>
+        </p:nvSpPr>
+        <p:spPr>
+          <a:xfrm>
+            <a:off x="360000" y="540000"/>
+            <a:ext cx="11473200" cy="432000"/>
+          </a:xfrm>
+        </p:spPr>
+        <p:txBody>
+          <a:bodyPr>
+            <a:normAutofit/>
+          </a:bodyPr>
+          <a:lstStyle/>
+          <a:p>
+            <a:pPr marL="0" indent="0">
+              <a:buFont typeface="Arial" panose="020B0604020202020204" pitchFamily="34" charset="0"/>
+              <a:buNone/>
+            </a:pPr>
+            <a:r>
+              <a:rPr lang="ru-RU" sz="2400" dirty="0">
+                <a:solidFill>
+                  <a:srgbClr val="003399"/>
+                </a:solidFill>
+                <a:latin typeface="+mn-lt"/>
+              </a:rPr>
+              <a:t>Инструмент</a:t>
+            </a:r>
+            <a:r>
+              <a:rPr lang="en-US" sz="2400" dirty="0">
+                <a:solidFill>
+                  <a:srgbClr val="003399"/>
+                </a:solidFill>
+                <a:latin typeface="+mn-lt"/>
+              </a:rPr>
+              <a:t> </a:t>
+            </a:r>
+            <a:r>
+              <a:rPr lang="ru-RU" sz="2400" dirty="0">
+                <a:solidFill>
+                  <a:srgbClr val="003399"/>
+                </a:solidFill>
+                <a:latin typeface="+mn-lt"/>
+              </a:rPr>
+              <a:t>автоматизации сборки с открытым исходным кодом</a:t>
+            </a:r>
+            <a:endParaRPr lang="en-US" sz="2400" dirty="0">
+              <a:solidFill>
+                <a:srgbClr val="003399"/>
+              </a:solidFill>
+              <a:latin typeface="+mn-lt"/>
+            </a:endParaRPr>
+          </a:p>
+        </p:txBody>
+      </p:sp>
+      <p:pic>
+        <p:nvPicPr>
+          <p:cNvPr id="2" name="Рисунок 1" descr="Изображение выглядит как Графика, дизайн&#10;&#10;Контент, сгенерированный ИИ, может содержать ошибки.">
+            <a:extLst>
+              <a:ext uri="{FF2B5EF4-FFF2-40B4-BE49-F238E27FC236}">
+                <a16:creationId xmlns:a16="http://schemas.microsoft.com/office/drawing/2014/main" id="{1F4D37E7-F5B9-97A4-9705-FE1B726AB0A0}"/>
+              </a:ext>
+            </a:extLst>
+          </p:cNvPr>
+          <p:cNvPicPr>
+            <a:picLocks noChangeAspect="1"/>
+          </p:cNvPicPr>
+          <p:nvPr/>
+        </p:nvPicPr>
+        <p:blipFill>
+          <a:blip r:embed="rId2">
+            <a:extLst>
+              <a:ext uri="{28A0092B-C50C-407E-A947-70E740481C1C}">
+                <a14:useLocalDpi xmlns:a14="http://schemas.microsoft.com/office/drawing/2010/main" val="0"/>
+              </a:ext>
+            </a:extLst>
+          </a:blip>
+          <a:stretch>
+            <a:fillRect/>
+          </a:stretch>
+        </p:blipFill>
+        <p:spPr>
+          <a:xfrm>
+            <a:off x="9435600" y="5778000"/>
+            <a:ext cx="2576469" cy="900000"/>
+          </a:xfrm>
+          <a:prstGeom prst="rect">
+            <a:avLst/>
+          </a:prstGeom>
+        </p:spPr>
+      </p:pic>
+    </p:spTree>
+    <p:extLst>
+      <p:ext uri="{BB962C8B-B14F-4D97-AF65-F5344CB8AC3E}">
+        <p14:creationId xmlns:p14="http://schemas.microsoft.com/office/powerpoint/2010/main" val="711691958"/>
+      </p:ext>
+    </p:extLst>
+  </p:cSld>
+  <p:clrMapOvr>
+    <a:masterClrMapping/>
+  </p:clrMapOvr>
+</p:sld>
+</file>
+
+<file path=ppt/slides/slide21.xml><?xml version="1.0" encoding="utf-8"?>
+<p:sld xmlns:a="http://schemas.openxmlformats.org/drawingml/2006/main" xmlns:r="http://schemas.openxmlformats.org/officeDocument/2006/relationships" xmlns:p="http://schemas.openxmlformats.org/presentationml/2006/main">
+  <p:cSld>
+    <p:spTree>
+      <p:nvGrpSpPr>
         <p:cNvPr id="1" name=""/>
         <p:cNvGrpSpPr/>
         <p:nvPr/>
@@ -6369,8 +6990,8 @@
         </p:nvSpPr>
         <p:spPr>
           <a:xfrm>
-            <a:off x="838200" y="1825624"/>
-            <a:ext cx="10515600" cy="4767200"/>
+            <a:off x="360000" y="1584000"/>
+            <a:ext cx="11473200" cy="4767200"/>
           </a:xfrm>
         </p:spPr>
         <p:txBody>
@@ -6383,58 +7004,44 @@
               <a:buNone/>
             </a:pPr>
             <a:r>
-              <a:rPr lang="ru-RU" dirty="0">
-                <a:solidFill>
-                  <a:srgbClr val="003399"/>
-                </a:solidFill>
-                <a:latin typeface="+mj-lt"/>
-              </a:rPr>
-              <a:t>	</a:t>
-            </a:r>
-            <a:r>
-              <a:rPr lang="ru-RU" sz="2200" dirty="0">
-                <a:solidFill>
-                  <a:srgbClr val="003399"/>
-                </a:solidFill>
-                <a:latin typeface="+mj-lt"/>
-              </a:rPr>
-              <a:t>Зависимость в терминологии </a:t>
-            </a:r>
-            <a:r>
-              <a:rPr lang="en-US" sz="2200" dirty="0">
-                <a:solidFill>
-                  <a:srgbClr val="003399"/>
-                </a:solidFill>
-                <a:latin typeface="+mj-lt"/>
+              <a:rPr lang="ru-RU" sz="2400" dirty="0">
+                <a:solidFill>
+                  <a:srgbClr val="003399"/>
+                </a:solidFill>
+              </a:rPr>
+              <a:t>	Зависимость в терминологии </a:t>
+            </a:r>
+            <a:r>
+              <a:rPr lang="en-US" sz="2400" dirty="0">
+                <a:solidFill>
+                  <a:srgbClr val="003399"/>
+                </a:solidFill>
               </a:rPr>
               <a:t>Gradle </a:t>
             </a:r>
             <a:r>
-              <a:rPr lang="ru-RU" sz="2200" dirty="0">
-                <a:solidFill>
-                  <a:srgbClr val="003399"/>
-                </a:solidFill>
-                <a:latin typeface="+mj-lt"/>
-              </a:rPr>
-              <a:t>– это какая-либо библиотека, которая необходима данному проекту для корректной работы. Библиотека представляет из себя обычный </a:t>
-            </a:r>
-            <a:r>
-              <a:rPr lang="en-US" sz="2200" dirty="0">
-                <a:solidFill>
-                  <a:srgbClr val="003399"/>
-                </a:solidFill>
-                <a:latin typeface="+mj-lt"/>
-              </a:rPr>
-              <a:t>Java-</a:t>
-            </a:r>
-            <a:r>
-              <a:rPr lang="ru-RU" sz="2200" dirty="0">
-                <a:solidFill>
-                  <a:srgbClr val="003399"/>
-                </a:solidFill>
-                <a:latin typeface="+mj-lt"/>
-              </a:rPr>
-              <a:t>проект</a:t>
+              <a:rPr lang="ru-RU" sz="2400" dirty="0">
+                <a:solidFill>
+                  <a:srgbClr val="003399"/>
+                </a:solidFill>
+              </a:rPr>
+              <a:t>– это библиотека; проект, (многомодульный проект); локальный файл, (</a:t>
+            </a:r>
+            <a:r>
+              <a:rPr lang="en-US" sz="2400" dirty="0">
+                <a:solidFill>
+                  <a:srgbClr val="003399"/>
+                </a:solidFill>
+              </a:rPr>
+              <a:t>.jar</a:t>
+            </a:r>
+            <a:r>
+              <a:rPr lang="ru-RU" sz="2400" dirty="0">
+                <a:solidFill>
+                  <a:srgbClr val="003399"/>
+                </a:solidFill>
+              </a:rPr>
+              <a:t>), которая необходима данному проекту для корректной работы.</a:t>
             </a:r>
           </a:p>
           <a:p>
@@ -6442,32 +7049,29 @@
               <a:buNone/>
             </a:pPr>
             <a:r>
-              <a:rPr lang="ru-RU" sz="2200" dirty="0">
-                <a:solidFill>
-                  <a:srgbClr val="003399"/>
-                </a:solidFill>
-                <a:latin typeface="+mj-lt"/>
-              </a:rPr>
-              <a:t>	У таких проектов есть три идентификатора:</a:t>
+              <a:rPr lang="ru-RU" sz="2400" dirty="0">
+                <a:solidFill>
+                  <a:srgbClr val="003399"/>
+                </a:solidFill>
+              </a:rPr>
+              <a:t>Идентификатор зависимости имеет 3 составляющие:</a:t>
             </a:r>
           </a:p>
           <a:p>
             <a:pPr marL="1080000" indent="0"/>
             <a:r>
-              <a:rPr lang="ru-RU" sz="2200" dirty="0">
-                <a:solidFill>
-                  <a:srgbClr val="003399"/>
-                </a:solidFill>
-                <a:latin typeface="+mj-lt"/>
+              <a:rPr lang="ru-RU" sz="2400" dirty="0">
+                <a:solidFill>
+                  <a:srgbClr val="003399"/>
+                </a:solidFill>
               </a:rPr>
               <a:t> </a:t>
             </a:r>
             <a:r>
-              <a:rPr lang="en-US" sz="2200" dirty="0">
-                <a:solidFill>
-                  <a:srgbClr val="003399"/>
-                </a:solidFill>
-                <a:latin typeface="+mj-lt"/>
+              <a:rPr lang="en-US" sz="2400" dirty="0">
+                <a:solidFill>
+                  <a:srgbClr val="003399"/>
+                </a:solidFill>
               </a:rPr>
               <a:t>groupId</a:t>
             </a:r>
@@ -6475,20 +7079,18 @@
           <a:p>
             <a:pPr marL="1080000" indent="0"/>
             <a:r>
-              <a:rPr lang="ru-RU" sz="2200" dirty="0">
-                <a:solidFill>
-                  <a:srgbClr val="003399"/>
-                </a:solidFill>
-                <a:latin typeface="+mj-lt"/>
+              <a:rPr lang="ru-RU" sz="2400" dirty="0">
+                <a:solidFill>
+                  <a:srgbClr val="003399"/>
+                </a:solidFill>
               </a:rPr>
               <a:t> </a:t>
             </a:r>
             <a:r>
-              <a:rPr lang="en-US" sz="2200" dirty="0">
-                <a:solidFill>
-                  <a:srgbClr val="003399"/>
-                </a:solidFill>
-                <a:latin typeface="+mj-lt"/>
+              <a:rPr lang="en-US" sz="2400" dirty="0">
+                <a:solidFill>
+                  <a:srgbClr val="003399"/>
+                </a:solidFill>
               </a:rPr>
               <a:t>artifactId</a:t>
             </a:r>
@@ -6496,101 +7098,96 @@
           <a:p>
             <a:pPr marL="1080000" indent="0"/>
             <a:r>
-              <a:rPr lang="ru-RU" sz="2200" dirty="0">
-                <a:solidFill>
-                  <a:srgbClr val="003399"/>
-                </a:solidFill>
-                <a:latin typeface="+mj-lt"/>
+              <a:rPr lang="ru-RU" sz="2400" dirty="0">
+                <a:solidFill>
+                  <a:srgbClr val="003399"/>
+                </a:solidFill>
               </a:rPr>
               <a:t> </a:t>
             </a:r>
             <a:r>
-              <a:rPr lang="en-US" sz="2200" dirty="0">
-                <a:solidFill>
-                  <a:srgbClr val="003399"/>
-                </a:solidFill>
-                <a:latin typeface="+mj-lt"/>
+              <a:rPr lang="en-US" sz="2400" dirty="0">
+                <a:solidFill>
+                  <a:srgbClr val="003399"/>
+                </a:solidFill>
               </a:rPr>
               <a:t>version</a:t>
             </a:r>
-          </a:p>
-          <a:p>
-            <a:pPr marL="0" indent="0">
-              <a:buNone/>
-            </a:pPr>
-            <a:r>
-              <a:rPr lang="ru-RU" sz="2200" dirty="0">
-                <a:solidFill>
-                  <a:srgbClr val="003399"/>
-                </a:solidFill>
-                <a:latin typeface="+mj-lt"/>
-              </a:rPr>
-              <a:t>	Самый известный для вас на данный момент пример – это </a:t>
-            </a:r>
-          </a:p>
-          <a:p>
-            <a:pPr marL="0" indent="0">
-              <a:buNone/>
-            </a:pPr>
-            <a:r>
-              <a:rPr lang="ru-RU" sz="2200" dirty="0">
-                <a:solidFill>
-                  <a:srgbClr val="003399"/>
-                </a:solidFill>
-                <a:latin typeface="+mj-lt"/>
-              </a:rPr>
-              <a:t>	</a:t>
-            </a:r>
-            <a:r>
-              <a:rPr lang="en-US" sz="2200" b="1" dirty="0" err="1">
-                <a:solidFill>
-                  <a:srgbClr val="003399"/>
-                </a:solidFill>
-                <a:latin typeface="+mj-lt"/>
-              </a:rPr>
-              <a:t>org.junit.jupiter</a:t>
-            </a:r>
-            <a:r>
-              <a:rPr lang="ru-RU" sz="2200" b="1" dirty="0">
-                <a:solidFill>
-                  <a:srgbClr val="003399"/>
-                </a:solidFill>
-                <a:latin typeface="+mj-lt"/>
-              </a:rPr>
-              <a:t>:</a:t>
-            </a:r>
-            <a:r>
-              <a:rPr lang="en-US" sz="2200" b="1" dirty="0" err="1">
-                <a:solidFill>
-                  <a:srgbClr val="003399"/>
-                </a:solidFill>
-                <a:latin typeface="+mj-lt"/>
-              </a:rPr>
-              <a:t>junit-jupiter-api</a:t>
-            </a:r>
-            <a:r>
-              <a:rPr lang="ru-RU" sz="2200" b="1" dirty="0">
-                <a:solidFill>
-                  <a:srgbClr val="003399"/>
-                </a:solidFill>
-                <a:latin typeface="+mj-lt"/>
-              </a:rPr>
-              <a:t>:5</a:t>
-            </a:r>
-            <a:r>
-              <a:rPr lang="en-US" sz="2200" b="1" dirty="0">
-                <a:solidFill>
-                  <a:srgbClr val="003399"/>
-                </a:solidFill>
-                <a:latin typeface="+mj-lt"/>
-              </a:rPr>
-              <a:t>.9.2</a:t>
-            </a:r>
-            <a:endParaRPr lang="ru-RU" sz="2200" b="1" dirty="0">
+            <a:endParaRPr lang="ru-RU" sz="2400" dirty="0">
               <a:solidFill>
                 <a:srgbClr val="003399"/>
               </a:solidFill>
-              <a:latin typeface="+mj-lt"/>
+            </a:endParaRPr>
+          </a:p>
+          <a:p>
+            <a:pPr marL="0" indent="0">
+              <a:buNone/>
+            </a:pPr>
+            <a:r>
+              <a:rPr lang="ru-RU" sz="2400" dirty="0">
+                <a:solidFill>
+                  <a:srgbClr val="003399"/>
+                </a:solidFill>
+              </a:rPr>
+              <a:t>Например: </a:t>
+            </a:r>
+          </a:p>
+          <a:p>
+            <a:pPr marL="0" indent="0">
+              <a:buNone/>
+            </a:pPr>
+            <a:r>
+              <a:rPr lang="ru-RU" sz="2400" dirty="0">
+                <a:solidFill>
+                  <a:srgbClr val="003399"/>
+                </a:solidFill>
+              </a:rPr>
+              <a:t>	</a:t>
+            </a:r>
+            <a:r>
+              <a:rPr lang="en-US" sz="2400" b="1" dirty="0" err="1">
+                <a:solidFill>
+                  <a:srgbClr val="003399"/>
+                </a:solidFill>
+              </a:rPr>
+              <a:t>org.junit.jupiter</a:t>
+            </a:r>
+            <a:r>
+              <a:rPr lang="ru-RU" sz="2400" b="1" dirty="0">
+                <a:solidFill>
+                  <a:srgbClr val="003399"/>
+                </a:solidFill>
+              </a:rPr>
+              <a:t>:</a:t>
+            </a:r>
+            <a:r>
+              <a:rPr lang="en-US" sz="2400" b="1" dirty="0" err="1">
+                <a:solidFill>
+                  <a:srgbClr val="003399"/>
+                </a:solidFill>
+              </a:rPr>
+              <a:t>junit-jupiter-api</a:t>
+            </a:r>
+            <a:r>
+              <a:rPr lang="ru-RU" sz="2400" b="1" dirty="0">
+                <a:solidFill>
+                  <a:srgbClr val="003399"/>
+                </a:solidFill>
+              </a:rPr>
+              <a:t>:5</a:t>
+            </a:r>
+            <a:r>
+              <a:rPr lang="en-US" sz="2400" b="1" dirty="0">
+                <a:solidFill>
+                  <a:srgbClr val="003399"/>
+                </a:solidFill>
+              </a:rPr>
+              <a:t>.9.2</a:t>
+            </a:r>
+            <a:endParaRPr lang="ru-RU" sz="2400" b="1" dirty="0">
+              <a:solidFill>
+                <a:srgbClr val="003399"/>
+              </a:solidFill>
             </a:endParaRPr>
           </a:p>
         </p:txBody>
@@ -6607,35 +7204,24 @@
         </p:nvSpPr>
         <p:spPr>
           <a:xfrm>
-            <a:off x="838200" y="365125"/>
-            <a:ext cx="10515600" cy="1325563"/>
+            <a:off x="360001" y="180000"/>
+            <a:ext cx="11473200" cy="756000"/>
           </a:xfrm>
         </p:spPr>
         <p:txBody>
-          <a:bodyPr/>
+          <a:bodyPr>
+            <a:normAutofit/>
+          </a:bodyPr>
           <a:lstStyle/>
           <a:p>
             <a:r>
-              <a:rPr lang="ru-RU" dirty="0">
-                <a:solidFill>
-                  <a:srgbClr val="003399"/>
-                </a:solidFill>
-              </a:rPr>
-              <a:t>Зависимости в </a:t>
-            </a:r>
-            <a:r>
-              <a:rPr lang="en-US" dirty="0">
-                <a:solidFill>
-                  <a:srgbClr val="003399"/>
-                </a:solidFill>
-              </a:rPr>
-              <a:t>Gradle</a:t>
-            </a:r>
-            <a:endParaRPr lang="ru-RU" dirty="0">
-              <a:solidFill>
-                <a:srgbClr val="003399"/>
-              </a:solidFill>
-            </a:endParaRPr>
+              <a:rPr lang="ru-RU" sz="4800" dirty="0">
+                <a:solidFill>
+                  <a:srgbClr val="003399"/>
+                </a:solidFill>
+              </a:rPr>
+              <a:t>Зависимости</a:t>
+            </a:r>
           </a:p>
         </p:txBody>
       </p:sp>
@@ -6852,359 +7438,46 @@
           </a:fontRef>
         </p:style>
       </p:cxnSp>
+      <p:pic>
+        <p:nvPicPr>
+          <p:cNvPr id="2" name="Рисунок 1" descr="Изображение выглядит как Графика, дизайн&#10;&#10;Контент, сгенерированный ИИ, может содержать ошибки.">
+            <a:extLst>
+              <a:ext uri="{FF2B5EF4-FFF2-40B4-BE49-F238E27FC236}">
+                <a16:creationId xmlns:a16="http://schemas.microsoft.com/office/drawing/2014/main" id="{FAC590AB-6879-7086-65E2-AEF32CFA4DEF}"/>
+              </a:ext>
+            </a:extLst>
+          </p:cNvPr>
+          <p:cNvPicPr>
+            <a:picLocks noChangeAspect="1"/>
+          </p:cNvPicPr>
+          <p:nvPr/>
+        </p:nvPicPr>
+        <p:blipFill>
+          <a:blip r:embed="rId2">
+            <a:extLst>
+              <a:ext uri="{28A0092B-C50C-407E-A947-70E740481C1C}">
+                <a14:useLocalDpi xmlns:a14="http://schemas.microsoft.com/office/drawing/2010/main" val="0"/>
+              </a:ext>
+            </a:extLst>
+          </a:blip>
+          <a:stretch>
+            <a:fillRect/>
+          </a:stretch>
+        </p:blipFill>
+        <p:spPr>
+          <a:xfrm>
+            <a:off x="9435600" y="5778000"/>
+            <a:ext cx="2576469" cy="900000"/>
+          </a:xfrm>
+          <a:prstGeom prst="rect">
+            <a:avLst/>
+          </a:prstGeom>
+        </p:spPr>
+      </p:pic>
     </p:spTree>
     <p:extLst>
       <p:ext uri="{BB962C8B-B14F-4D97-AF65-F5344CB8AC3E}">
         <p14:creationId xmlns:p14="http://schemas.microsoft.com/office/powerpoint/2010/main" val="3948436263"/>
-      </p:ext>
-    </p:extLst>
-  </p:cSld>
-  <p:clrMapOvr>
-    <a:masterClrMapping/>
-  </p:clrMapOvr>
-</p:sld>
-</file>
-
-<file path=ppt/slides/slide21.xml><?xml version="1.0" encoding="utf-8"?>
-<p:sld xmlns:a="http://schemas.openxmlformats.org/drawingml/2006/main" xmlns:r="http://schemas.openxmlformats.org/officeDocument/2006/relationships" xmlns:p="http://schemas.openxmlformats.org/presentationml/2006/main">
-  <p:cSld>
-    <p:spTree>
-      <p:nvGrpSpPr>
-        <p:cNvPr id="1" name=""/>
-        <p:cNvGrpSpPr/>
-        <p:nvPr/>
-      </p:nvGrpSpPr>
-      <p:grpSpPr>
-        <a:xfrm>
-          <a:off x="0" y="0"/>
-          <a:ext cx="0" cy="0"/>
-          <a:chOff x="0" y="0"/>
-          <a:chExt cx="0" cy="0"/>
-        </a:xfrm>
-      </p:grpSpPr>
-      <p:sp>
-        <p:nvSpPr>
-          <p:cNvPr id="3" name="Объект 2"/>
-          <p:cNvSpPr>
-            <a:spLocks noGrp="1"/>
-          </p:cNvSpPr>
-          <p:nvPr>
-            <p:ph idx="1"/>
-          </p:nvPr>
-        </p:nvSpPr>
-        <p:spPr>
-          <a:xfrm>
-            <a:off x="838200" y="1825624"/>
-            <a:ext cx="10515600" cy="4767200"/>
-          </a:xfrm>
-        </p:spPr>
-        <p:txBody>
-          <a:bodyPr>
-            <a:normAutofit/>
-          </a:bodyPr>
-          <a:lstStyle/>
-          <a:p>
-            <a:pPr marL="0" indent="0">
-              <a:buNone/>
-            </a:pPr>
-            <a:r>
-              <a:rPr lang="ru-RU" dirty="0">
-                <a:solidFill>
-                  <a:srgbClr val="003399"/>
-                </a:solidFill>
-                <a:latin typeface="+mj-lt"/>
-              </a:rPr>
-              <a:t>	Каждую зависимость можно подключить к конкретному этапу сборки проекта. Например, можно подключить зависимость так, чтобы она существовала в проекте только на фазе тестирования, самый яркий пример такой зависимости все тот же </a:t>
-            </a:r>
-            <a:r>
-              <a:rPr lang="en-US" b="1" dirty="0" err="1">
-                <a:solidFill>
-                  <a:srgbClr val="003399"/>
-                </a:solidFill>
-                <a:latin typeface="+mj-lt"/>
-              </a:rPr>
-              <a:t>org.junit.jupiter</a:t>
-            </a:r>
-            <a:r>
-              <a:rPr lang="ru-RU" b="1" dirty="0">
-                <a:solidFill>
-                  <a:srgbClr val="003399"/>
-                </a:solidFill>
-                <a:latin typeface="+mj-lt"/>
-              </a:rPr>
-              <a:t>:</a:t>
-            </a:r>
-            <a:r>
-              <a:rPr lang="en-US" b="1" dirty="0" err="1">
-                <a:solidFill>
-                  <a:srgbClr val="003399"/>
-                </a:solidFill>
-                <a:latin typeface="+mj-lt"/>
-              </a:rPr>
-              <a:t>junit-jupiter-api</a:t>
-            </a:r>
-            <a:r>
-              <a:rPr lang="ru-RU" b="1" dirty="0">
-                <a:solidFill>
-                  <a:srgbClr val="003399"/>
-                </a:solidFill>
-                <a:latin typeface="+mj-lt"/>
-              </a:rPr>
-              <a:t>:5</a:t>
-            </a:r>
-            <a:r>
-              <a:rPr lang="en-US" b="1" dirty="0">
-                <a:solidFill>
-                  <a:srgbClr val="003399"/>
-                </a:solidFill>
-                <a:latin typeface="+mj-lt"/>
-              </a:rPr>
-              <a:t>.9.2</a:t>
-            </a:r>
-            <a:r>
-              <a:rPr lang="ru-RU" dirty="0">
-                <a:solidFill>
-                  <a:srgbClr val="003399"/>
-                </a:solidFill>
-                <a:latin typeface="+mj-lt"/>
-              </a:rPr>
-              <a:t>. То есть, данная библиотека будет находится в составе проекта только на этапе тестирования, а после того, как цикл прошел фазу тестирования будет исключена из проекта</a:t>
-            </a:r>
-          </a:p>
-          <a:p>
-            <a:pPr marL="0" indent="0">
-              <a:buNone/>
-            </a:pPr>
-            <a:r>
-              <a:rPr lang="ru-RU" dirty="0">
-                <a:solidFill>
-                  <a:srgbClr val="003399"/>
-                </a:solidFill>
-                <a:latin typeface="+mj-lt"/>
-              </a:rPr>
-              <a:t>	В </a:t>
-            </a:r>
-            <a:r>
-              <a:rPr lang="en-US" dirty="0">
-                <a:solidFill>
-                  <a:srgbClr val="003399"/>
-                </a:solidFill>
-                <a:latin typeface="+mj-lt"/>
-              </a:rPr>
-              <a:t>Gradle </a:t>
-            </a:r>
-            <a:r>
-              <a:rPr lang="ru-RU" dirty="0">
-                <a:solidFill>
-                  <a:srgbClr val="003399"/>
-                </a:solidFill>
-                <a:latin typeface="+mj-lt"/>
-              </a:rPr>
-              <a:t>есть </a:t>
-            </a:r>
-            <a:r>
-              <a:rPr lang="en-US" dirty="0">
-                <a:solidFill>
-                  <a:srgbClr val="003399"/>
-                </a:solidFill>
-                <a:latin typeface="+mj-lt"/>
-              </a:rPr>
-              <a:t>8</a:t>
-            </a:r>
-            <a:r>
-              <a:rPr lang="ru-RU" dirty="0">
-                <a:solidFill>
-                  <a:srgbClr val="003399"/>
-                </a:solidFill>
-                <a:latin typeface="+mj-lt"/>
-              </a:rPr>
-              <a:t> типов конфигурации: </a:t>
-            </a:r>
-            <a:r>
-              <a:rPr lang="en-US" dirty="0" err="1">
-                <a:solidFill>
-                  <a:srgbClr val="003399"/>
-                </a:solidFill>
-                <a:latin typeface="+mj-lt"/>
-              </a:rPr>
-              <a:t>api</a:t>
-            </a:r>
-            <a:r>
-              <a:rPr lang="en-US" dirty="0">
-                <a:solidFill>
-                  <a:srgbClr val="003399"/>
-                </a:solidFill>
-                <a:latin typeface="+mj-lt"/>
-              </a:rPr>
-              <a:t>, implementation, </a:t>
-            </a:r>
-            <a:r>
-              <a:rPr lang="en-US" dirty="0" err="1">
-                <a:solidFill>
-                  <a:srgbClr val="003399"/>
-                </a:solidFill>
-                <a:latin typeface="+mj-lt"/>
-              </a:rPr>
-              <a:t>compileOnly</a:t>
-            </a:r>
-            <a:r>
-              <a:rPr lang="en-US" dirty="0">
-                <a:solidFill>
-                  <a:srgbClr val="003399"/>
-                </a:solidFill>
-                <a:latin typeface="+mj-lt"/>
-              </a:rPr>
-              <a:t>, </a:t>
-            </a:r>
-            <a:r>
-              <a:rPr lang="en-US" dirty="0" err="1">
-                <a:solidFill>
-                  <a:srgbClr val="003399"/>
-                </a:solidFill>
-                <a:latin typeface="+mj-lt"/>
-              </a:rPr>
-              <a:t>compileOnlyApi</a:t>
-            </a:r>
-            <a:r>
-              <a:rPr lang="en-US" dirty="0">
-                <a:solidFill>
-                  <a:srgbClr val="003399"/>
-                </a:solidFill>
-                <a:latin typeface="+mj-lt"/>
-              </a:rPr>
-              <a:t>, </a:t>
-            </a:r>
-            <a:r>
-              <a:rPr lang="en-US" dirty="0" err="1">
-                <a:solidFill>
-                  <a:srgbClr val="003399"/>
-                </a:solidFill>
-                <a:latin typeface="+mj-lt"/>
-              </a:rPr>
-              <a:t>runtimeOnly</a:t>
-            </a:r>
-            <a:r>
-              <a:rPr lang="en-US" dirty="0">
-                <a:solidFill>
-                  <a:srgbClr val="003399"/>
-                </a:solidFill>
-                <a:latin typeface="+mj-lt"/>
-              </a:rPr>
-              <a:t>, </a:t>
-            </a:r>
-            <a:r>
-              <a:rPr lang="en-US" dirty="0" err="1">
-                <a:solidFill>
-                  <a:srgbClr val="003399"/>
-                </a:solidFill>
-                <a:latin typeface="+mj-lt"/>
-              </a:rPr>
-              <a:t>testImplementation</a:t>
-            </a:r>
-            <a:r>
-              <a:rPr lang="en-US" dirty="0">
-                <a:solidFill>
-                  <a:srgbClr val="003399"/>
-                </a:solidFill>
-                <a:latin typeface="+mj-lt"/>
-              </a:rPr>
-              <a:t>, </a:t>
-            </a:r>
-            <a:r>
-              <a:rPr lang="en-US" dirty="0" err="1">
-                <a:solidFill>
-                  <a:srgbClr val="003399"/>
-                </a:solidFill>
-                <a:latin typeface="+mj-lt"/>
-              </a:rPr>
-              <a:t>testCompileOnly</a:t>
-            </a:r>
-            <a:r>
-              <a:rPr lang="en-US" dirty="0">
-                <a:solidFill>
-                  <a:srgbClr val="003399"/>
-                </a:solidFill>
-                <a:latin typeface="+mj-lt"/>
-              </a:rPr>
-              <a:t>, </a:t>
-            </a:r>
-            <a:r>
-              <a:rPr lang="en-US" dirty="0" err="1">
-                <a:solidFill>
-                  <a:srgbClr val="003399"/>
-                </a:solidFill>
-                <a:latin typeface="+mj-lt"/>
-              </a:rPr>
-              <a:t>testRuntimeOnly</a:t>
-            </a:r>
-            <a:endParaRPr lang="ru-RU" dirty="0">
-              <a:solidFill>
-                <a:srgbClr val="003399"/>
-              </a:solidFill>
-              <a:latin typeface="+mj-lt"/>
-            </a:endParaRPr>
-          </a:p>
-          <a:p>
-            <a:pPr marL="0" indent="0">
-              <a:buNone/>
-            </a:pPr>
-            <a:endParaRPr lang="ru-RU" sz="2200" dirty="0">
-              <a:solidFill>
-                <a:srgbClr val="003399"/>
-              </a:solidFill>
-              <a:latin typeface="+mj-lt"/>
-            </a:endParaRPr>
-          </a:p>
-        </p:txBody>
-      </p:sp>
-      <p:sp>
-        <p:nvSpPr>
-          <p:cNvPr id="4" name="Заголовок 1"/>
-          <p:cNvSpPr>
-            <a:spLocks noGrp="1"/>
-          </p:cNvSpPr>
-          <p:nvPr>
-            <p:ph type="title"/>
-          </p:nvPr>
-        </p:nvSpPr>
-        <p:spPr>
-          <a:xfrm>
-            <a:off x="838200" y="365125"/>
-            <a:ext cx="10515600" cy="1325563"/>
-          </a:xfrm>
-        </p:spPr>
-        <p:txBody>
-          <a:bodyPr/>
-          <a:lstStyle/>
-          <a:p>
-            <a:r>
-              <a:rPr lang="ru-RU" dirty="0">
-                <a:solidFill>
-                  <a:srgbClr val="003399"/>
-                </a:solidFill>
-              </a:rPr>
-              <a:t>Типы конфигураций зависимостей </a:t>
-            </a:r>
-            <a:r>
-              <a:rPr lang="en-US" dirty="0">
-                <a:solidFill>
-                  <a:srgbClr val="003399"/>
-                </a:solidFill>
-              </a:rPr>
-              <a:t>Gradle</a:t>
-            </a:r>
-            <a:endParaRPr lang="ru-RU" dirty="0">
-              <a:solidFill>
-                <a:srgbClr val="003399"/>
-              </a:solidFill>
-            </a:endParaRPr>
-          </a:p>
-        </p:txBody>
-      </p:sp>
-    </p:spTree>
-    <p:extLst>
-      <p:ext uri="{BB962C8B-B14F-4D97-AF65-F5344CB8AC3E}">
-        <p14:creationId xmlns:p14="http://schemas.microsoft.com/office/powerpoint/2010/main" val="2115364136"/>
       </p:ext>
     </p:extLst>
   </p:cSld>
@@ -7233,7 +7506,13 @@
       </p:grpSpPr>
       <p:sp>
         <p:nvSpPr>
-          <p:cNvPr id="3" name="Объект 2"/>
+          <p:cNvPr id="6" name="Объект 2">
+            <a:extLst>
+              <a:ext uri="{FF2B5EF4-FFF2-40B4-BE49-F238E27FC236}">
+                <a16:creationId xmlns:a16="http://schemas.microsoft.com/office/drawing/2014/main" id="{B4158206-10D1-915E-768D-821CAC641A75}"/>
+              </a:ext>
+            </a:extLst>
+          </p:cNvPr>
           <p:cNvSpPr>
             <a:spLocks noGrp="1"/>
           </p:cNvSpPr>
@@ -7243,8 +7522,8 @@
         </p:nvSpPr>
         <p:spPr>
           <a:xfrm>
-            <a:off x="838200" y="1825624"/>
-            <a:ext cx="10515600" cy="4703192"/>
+            <a:off x="360000" y="1584000"/>
+            <a:ext cx="11473200" cy="4767200"/>
           </a:xfrm>
         </p:spPr>
         <p:txBody>
@@ -7257,337 +7536,212 @@
               <a:buNone/>
             </a:pPr>
             <a:r>
-              <a:rPr lang="en-US" sz="2000" dirty="0" err="1">
-                <a:solidFill>
-                  <a:srgbClr val="003399"/>
-                </a:solidFill>
-                <a:latin typeface="+mj-lt"/>
-              </a:rPr>
-              <a:t>api</a:t>
-            </a:r>
-            <a:r>
-              <a:rPr lang="en-US" sz="2000" dirty="0">
-                <a:solidFill>
-                  <a:srgbClr val="003399"/>
-                </a:solidFill>
-                <a:latin typeface="+mj-lt"/>
-              </a:rPr>
-              <a:t> – </a:t>
-            </a:r>
-            <a:r>
-              <a:rPr lang="ru-RU" sz="2000" dirty="0">
-                <a:solidFill>
-                  <a:srgbClr val="003399"/>
-                </a:solidFill>
-                <a:latin typeface="+mj-lt"/>
-              </a:rPr>
-              <a:t>область видимости по умолчанию</a:t>
-            </a:r>
-            <a:endParaRPr lang="en-US" sz="2000" dirty="0">
+              <a:rPr lang="en" sz="2400" i="1" dirty="0">
+                <a:solidFill>
+                  <a:srgbClr val="003399"/>
+                </a:solidFill>
+                <a:effectLst/>
+              </a:rPr>
+              <a:t>dependencies </a:t>
+            </a:r>
+            <a:r>
+              <a:rPr lang="en" sz="2400" b="1" dirty="0">
+                <a:solidFill>
+                  <a:srgbClr val="003399"/>
+                </a:solidFill>
+                <a:effectLst/>
+              </a:rPr>
+              <a:t>{</a:t>
+            </a:r>
+            <a:br>
+              <a:rPr lang="en" sz="2400" b="1" dirty="0">
+                <a:solidFill>
+                  <a:srgbClr val="003399"/>
+                </a:solidFill>
+                <a:effectLst/>
+              </a:rPr>
+            </a:br>
+            <a:r>
+              <a:rPr lang="en" sz="2400" b="1" dirty="0">
+                <a:solidFill>
+                  <a:srgbClr val="003399"/>
+                </a:solidFill>
+                <a:effectLst/>
+              </a:rPr>
+              <a:t>    </a:t>
+            </a:r>
+            <a:r>
+              <a:rPr lang="en" sz="2400" i="1" dirty="0" err="1">
+                <a:solidFill>
+                  <a:srgbClr val="003399"/>
+                </a:solidFill>
+                <a:effectLst/>
+              </a:rPr>
+              <a:t>testImplementation</a:t>
+            </a:r>
+            <a:r>
+              <a:rPr lang="en" sz="2400" dirty="0">
+                <a:solidFill>
+                  <a:srgbClr val="003399"/>
+                </a:solidFill>
+                <a:effectLst/>
+              </a:rPr>
+              <a:t>(platform("org.junit:junit-bom:5.10.0"))</a:t>
+            </a:r>
+            <a:br>
+              <a:rPr lang="en" sz="2400" dirty="0">
+                <a:solidFill>
+                  <a:srgbClr val="003399"/>
+                </a:solidFill>
+                <a:effectLst/>
+              </a:rPr>
+            </a:br>
+            <a:r>
+              <a:rPr lang="en" sz="2400" dirty="0">
+                <a:solidFill>
+                  <a:srgbClr val="003399"/>
+                </a:solidFill>
+                <a:effectLst/>
+              </a:rPr>
+              <a:t>    </a:t>
+            </a:r>
+            <a:r>
+              <a:rPr lang="en" sz="2400" i="1" dirty="0" err="1">
+                <a:solidFill>
+                  <a:srgbClr val="003399"/>
+                </a:solidFill>
+                <a:effectLst/>
+              </a:rPr>
+              <a:t>testImplementation</a:t>
+            </a:r>
+            <a:r>
+              <a:rPr lang="en" sz="2400" dirty="0">
+                <a:solidFill>
+                  <a:srgbClr val="003399"/>
+                </a:solidFill>
+                <a:effectLst/>
+              </a:rPr>
+              <a:t>("</a:t>
+            </a:r>
+            <a:r>
+              <a:rPr lang="en" sz="2400" dirty="0" err="1">
+                <a:solidFill>
+                  <a:srgbClr val="003399"/>
+                </a:solidFill>
+                <a:effectLst/>
+              </a:rPr>
+              <a:t>org.junit.jupiter:junit-jupiter</a:t>
+            </a:r>
+            <a:r>
+              <a:rPr lang="en" sz="2400" dirty="0">
+                <a:solidFill>
+                  <a:srgbClr val="003399"/>
+                </a:solidFill>
+                <a:effectLst/>
+              </a:rPr>
+              <a:t>")</a:t>
+            </a:r>
+            <a:br>
+              <a:rPr lang="en" sz="2400" dirty="0">
+                <a:solidFill>
+                  <a:srgbClr val="003399"/>
+                </a:solidFill>
+                <a:effectLst/>
+              </a:rPr>
+            </a:br>
+            <a:r>
+              <a:rPr lang="en" sz="2400" dirty="0">
+                <a:solidFill>
+                  <a:srgbClr val="003399"/>
+                </a:solidFill>
+                <a:effectLst/>
+              </a:rPr>
+              <a:t>    </a:t>
+            </a:r>
+            <a:r>
+              <a:rPr lang="en" sz="2400" i="1" dirty="0" err="1">
+                <a:solidFill>
+                  <a:srgbClr val="003399"/>
+                </a:solidFill>
+                <a:effectLst/>
+              </a:rPr>
+              <a:t>compileOnly</a:t>
+            </a:r>
+            <a:r>
+              <a:rPr lang="en" sz="2400" dirty="0">
+                <a:solidFill>
+                  <a:srgbClr val="003399"/>
+                </a:solidFill>
+                <a:effectLst/>
+              </a:rPr>
+              <a:t>("org.projectlombok:lombok:1.18.36")</a:t>
+            </a:r>
+            <a:br>
+              <a:rPr lang="en" sz="2400" dirty="0">
+                <a:solidFill>
+                  <a:srgbClr val="003399"/>
+                </a:solidFill>
+                <a:effectLst/>
+              </a:rPr>
+            </a:br>
+            <a:r>
+              <a:rPr lang="en" sz="2400" b="1" dirty="0">
+                <a:solidFill>
+                  <a:srgbClr val="003399"/>
+                </a:solidFill>
+                <a:effectLst/>
+              </a:rPr>
+              <a:t>}</a:t>
+            </a:r>
+            <a:endParaRPr lang="en" sz="2400" dirty="0">
               <a:solidFill>
                 <a:srgbClr val="003399"/>
               </a:solidFill>
-              <a:latin typeface="+mj-lt"/>
+              <a:effectLst/>
             </a:endParaRPr>
           </a:p>
-          <a:p>
-            <a:pPr marL="0" indent="0">
-              <a:buNone/>
-            </a:pPr>
-            <a:r>
-              <a:rPr lang="en-US" sz="2000" dirty="0">
-                <a:solidFill>
-                  <a:srgbClr val="003399"/>
-                </a:solidFill>
-                <a:latin typeface="+mj-lt"/>
-              </a:rPr>
-              <a:t>implementation</a:t>
-            </a:r>
-            <a:r>
-              <a:rPr lang="ru-RU" sz="2000" dirty="0">
-                <a:solidFill>
-                  <a:srgbClr val="003399"/>
-                </a:solidFill>
-                <a:latin typeface="+mj-lt"/>
-              </a:rPr>
-              <a:t> –</a:t>
-            </a:r>
-            <a:r>
-              <a:rPr lang="en-US" sz="2000" dirty="0">
-                <a:solidFill>
-                  <a:srgbClr val="003399"/>
-                </a:solidFill>
-                <a:latin typeface="+mj-lt"/>
-              </a:rPr>
-              <a:t> </a:t>
-            </a:r>
-            <a:r>
-              <a:rPr lang="ru-RU" sz="2000" dirty="0">
-                <a:solidFill>
-                  <a:srgbClr val="003399"/>
-                </a:solidFill>
-                <a:latin typeface="+mj-lt"/>
-              </a:rPr>
-              <a:t>используется исключительно на этапе компиляции производственного исходного кода</a:t>
-            </a:r>
-            <a:endParaRPr lang="en-US" sz="2000" dirty="0">
-              <a:solidFill>
-                <a:srgbClr val="003399"/>
-              </a:solidFill>
-              <a:latin typeface="+mj-lt"/>
-            </a:endParaRPr>
-          </a:p>
-          <a:p>
-            <a:pPr marL="0" indent="0">
-              <a:buNone/>
-            </a:pPr>
-            <a:r>
-              <a:rPr lang="en-US" sz="2000" dirty="0" err="1">
-                <a:solidFill>
-                  <a:srgbClr val="003399"/>
-                </a:solidFill>
-                <a:latin typeface="+mj-lt"/>
-              </a:rPr>
-              <a:t>compileOnly</a:t>
-            </a:r>
-            <a:r>
-              <a:rPr lang="ru-RU" sz="2000" dirty="0">
-                <a:solidFill>
-                  <a:srgbClr val="003399"/>
-                </a:solidFill>
-                <a:latin typeface="+mj-lt"/>
-              </a:rPr>
-              <a:t> – используется исключительно на этапе компиляции исходного кода и аннотаций</a:t>
-            </a:r>
-          </a:p>
-          <a:p>
-            <a:pPr marL="0" indent="0">
-              <a:buNone/>
-            </a:pPr>
-            <a:r>
-              <a:rPr lang="en-US" sz="2000" dirty="0" err="1">
-                <a:solidFill>
-                  <a:srgbClr val="003399"/>
-                </a:solidFill>
-                <a:latin typeface="+mj-lt"/>
-              </a:rPr>
-              <a:t>compileOnlyApi</a:t>
-            </a:r>
-            <a:r>
-              <a:rPr lang="en-US" sz="2000" dirty="0">
-                <a:solidFill>
-                  <a:srgbClr val="003399"/>
-                </a:solidFill>
-                <a:latin typeface="+mj-lt"/>
-              </a:rPr>
-              <a:t> –</a:t>
-            </a:r>
-            <a:r>
-              <a:rPr lang="ru-RU" sz="2000" dirty="0">
-                <a:solidFill>
-                  <a:srgbClr val="003399"/>
-                </a:solidFill>
-                <a:latin typeface="+mj-lt"/>
-              </a:rPr>
-              <a:t> тоже, что и предыдущее, но сохраняет зависимости в пути к классам</a:t>
-            </a:r>
-          </a:p>
-          <a:p>
-            <a:pPr marL="0" indent="0">
-              <a:buNone/>
-            </a:pPr>
-            <a:r>
-              <a:rPr lang="en-US" sz="2000" dirty="0" err="1">
-                <a:solidFill>
-                  <a:srgbClr val="003399"/>
-                </a:solidFill>
-                <a:latin typeface="+mj-lt"/>
-              </a:rPr>
-              <a:t>runtimeOnly</a:t>
-            </a:r>
-            <a:r>
-              <a:rPr lang="en-US" sz="2000" dirty="0">
-                <a:solidFill>
-                  <a:srgbClr val="003399"/>
-                </a:solidFill>
-                <a:latin typeface="+mj-lt"/>
-              </a:rPr>
-              <a:t> – </a:t>
-            </a:r>
-            <a:r>
-              <a:rPr lang="ru-RU" sz="2000" dirty="0">
-                <a:solidFill>
-                  <a:srgbClr val="003399"/>
-                </a:solidFill>
-                <a:latin typeface="+mj-lt"/>
-              </a:rPr>
-              <a:t>используется только во время исполнения</a:t>
-            </a:r>
-          </a:p>
-          <a:p>
-            <a:pPr marL="0" indent="0">
-              <a:buNone/>
-            </a:pPr>
-            <a:r>
-              <a:rPr lang="en-US" sz="2000" dirty="0" err="1">
-                <a:solidFill>
-                  <a:srgbClr val="003399"/>
-                </a:solidFill>
-                <a:latin typeface="+mj-lt"/>
-              </a:rPr>
-              <a:t>testImplementation</a:t>
-            </a:r>
-            <a:r>
-              <a:rPr lang="en-US" sz="2000" dirty="0">
-                <a:solidFill>
-                  <a:srgbClr val="003399"/>
-                </a:solidFill>
-                <a:latin typeface="+mj-lt"/>
-              </a:rPr>
-              <a:t> –</a:t>
-            </a:r>
-            <a:r>
-              <a:rPr lang="ru-RU" sz="2000" dirty="0">
-                <a:solidFill>
-                  <a:srgbClr val="003399"/>
-                </a:solidFill>
-                <a:latin typeface="+mj-lt"/>
-              </a:rPr>
-              <a:t> используется для компиляции тестов</a:t>
-            </a:r>
-          </a:p>
-          <a:p>
-            <a:pPr marL="0" indent="0">
-              <a:buNone/>
-            </a:pPr>
-            <a:r>
-              <a:rPr lang="en-US" sz="2000" dirty="0" err="1">
-                <a:solidFill>
-                  <a:srgbClr val="003399"/>
-                </a:solidFill>
-                <a:latin typeface="+mj-lt"/>
-              </a:rPr>
-              <a:t>testCompileOnly</a:t>
-            </a:r>
-            <a:r>
-              <a:rPr lang="ru-RU" sz="2000" dirty="0">
-                <a:solidFill>
-                  <a:srgbClr val="003399"/>
-                </a:solidFill>
-                <a:latin typeface="+mj-lt"/>
-              </a:rPr>
-              <a:t> – используется только во время </a:t>
-            </a:r>
-            <a:endParaRPr lang="en-US" sz="2000" dirty="0">
-              <a:solidFill>
-                <a:srgbClr val="003399"/>
-              </a:solidFill>
-              <a:latin typeface="+mj-lt"/>
-            </a:endParaRPr>
-          </a:p>
-          <a:p>
-            <a:pPr marL="0" indent="0">
-              <a:buNone/>
-            </a:pPr>
-            <a:r>
-              <a:rPr lang="en-US" sz="2000" dirty="0" err="1">
-                <a:solidFill>
-                  <a:srgbClr val="003399"/>
-                </a:solidFill>
-                <a:latin typeface="+mj-lt"/>
-              </a:rPr>
-              <a:t>testRuntimeOnly</a:t>
-            </a:r>
-            <a:endParaRPr lang="en-US" sz="2000" dirty="0">
-              <a:solidFill>
-                <a:srgbClr val="003399"/>
-              </a:solidFill>
-              <a:latin typeface="+mj-lt"/>
-            </a:endParaRPr>
-          </a:p>
-          <a:p>
-            <a:pPr marL="0" indent="0">
-              <a:buNone/>
-            </a:pPr>
-            <a:endParaRPr lang="en-US" sz="2000" dirty="0">
-              <a:solidFill>
-                <a:srgbClr val="003399"/>
-              </a:solidFill>
-              <a:latin typeface="+mj-lt"/>
-            </a:endParaRPr>
-          </a:p>
-          <a:p>
-            <a:pPr marL="0" indent="0">
-              <a:buNone/>
-            </a:pPr>
-            <a:endParaRPr lang="ru-RU" sz="2000" dirty="0">
-              <a:solidFill>
-                <a:srgbClr val="003399"/>
-              </a:solidFill>
-              <a:latin typeface="+mj-lt"/>
-            </a:endParaRPr>
-          </a:p>
-          <a:p>
-            <a:pPr marL="0" indent="0">
-              <a:buNone/>
-            </a:pPr>
-            <a:endParaRPr lang="ru-RU" sz="2000" dirty="0">
-              <a:solidFill>
-                <a:srgbClr val="003399"/>
-              </a:solidFill>
-              <a:latin typeface="+mj-lt"/>
-            </a:endParaRPr>
-          </a:p>
-        </p:txBody>
-      </p:sp>
-      <p:sp>
-        <p:nvSpPr>
-          <p:cNvPr id="6" name="Заголовок 1"/>
-          <p:cNvSpPr>
-            <a:spLocks noGrp="1"/>
-          </p:cNvSpPr>
-          <p:nvPr>
-            <p:ph type="title"/>
-          </p:nvPr>
-        </p:nvSpPr>
+        </p:txBody>
+      </p:sp>
+      <p:pic>
+        <p:nvPicPr>
+          <p:cNvPr id="8" name="Рисунок 7" descr="Изображение выглядит как Графика, дизайн&#10;&#10;Контент, сгенерированный ИИ, может содержать ошибки.">
+            <a:extLst>
+              <a:ext uri="{FF2B5EF4-FFF2-40B4-BE49-F238E27FC236}">
+                <a16:creationId xmlns:a16="http://schemas.microsoft.com/office/drawing/2014/main" id="{D21F37FB-7157-249F-0227-586BAF8E8811}"/>
+              </a:ext>
+            </a:extLst>
+          </p:cNvPr>
+          <p:cNvPicPr>
+            <a:picLocks noChangeAspect="1"/>
+          </p:cNvPicPr>
+          <p:nvPr/>
+        </p:nvPicPr>
+        <p:blipFill>
+          <a:blip r:embed="rId2">
+            <a:extLst>
+              <a:ext uri="{28A0092B-C50C-407E-A947-70E740481C1C}">
+                <a14:useLocalDpi xmlns:a14="http://schemas.microsoft.com/office/drawing/2010/main" val="0"/>
+              </a:ext>
+            </a:extLst>
+          </a:blip>
+          <a:stretch>
+            <a:fillRect/>
+          </a:stretch>
+        </p:blipFill>
         <p:spPr>
           <a:xfrm>
-            <a:off x="838200" y="365125"/>
-            <a:ext cx="10515600" cy="1325563"/>
+            <a:off x="9435600" y="5778000"/>
+            <a:ext cx="2576469" cy="900000"/>
           </a:xfrm>
+          <a:prstGeom prst="rect">
+            <a:avLst/>
+          </a:prstGeom>
         </p:spPr>
-        <p:txBody>
-          <a:bodyPr/>
-          <a:lstStyle/>
-          <a:p>
-            <a:r>
-              <a:rPr lang="ru-RU" dirty="0">
-                <a:solidFill>
-                  <a:srgbClr val="003399"/>
-                </a:solidFill>
-              </a:rPr>
-              <a:t>Области видимости зависимостей </a:t>
-            </a:r>
-            <a:r>
-              <a:rPr lang="en-US" dirty="0">
-                <a:solidFill>
-                  <a:srgbClr val="003399"/>
-                </a:solidFill>
-              </a:rPr>
-              <a:t>Maven</a:t>
-            </a:r>
-            <a:endParaRPr lang="ru-RU" dirty="0">
-              <a:solidFill>
-                <a:srgbClr val="003399"/>
-              </a:solidFill>
-            </a:endParaRPr>
-          </a:p>
-        </p:txBody>
-      </p:sp>
+      </p:pic>
     </p:spTree>
     <p:extLst>
       <p:ext uri="{BB962C8B-B14F-4D97-AF65-F5344CB8AC3E}">
-        <p14:creationId xmlns:p14="http://schemas.microsoft.com/office/powerpoint/2010/main" val="2896478523"/>
+        <p14:creationId xmlns:p14="http://schemas.microsoft.com/office/powerpoint/2010/main" val="2370841711"/>
       </p:ext>
     </p:extLst>
   </p:cSld>
@@ -7616,108 +7770,351 @@
       </p:grpSpPr>
       <p:sp>
         <p:nvSpPr>
-          <p:cNvPr id="3" name="Объект 2"/>
-          <p:cNvSpPr>
-            <a:spLocks noGrp="1"/>
+          <p:cNvPr id="13" name="Объект 2">
+            <a:extLst>
+              <a:ext uri="{FF2B5EF4-FFF2-40B4-BE49-F238E27FC236}">
+                <a16:creationId xmlns:a16="http://schemas.microsoft.com/office/drawing/2014/main" id="{450E02D8-063E-5C0B-35D3-F7AA673E54A6}"/>
+              </a:ext>
+            </a:extLst>
+          </p:cNvPr>
+          <p:cNvSpPr txBox="1">
+            <a:spLocks/>
           </p:cNvSpPr>
-          <p:nvPr>
-            <p:ph idx="1"/>
-          </p:nvPr>
+          <p:nvPr/>
         </p:nvSpPr>
         <p:spPr>
           <a:xfrm>
-            <a:off x="838200" y="1825624"/>
-            <a:ext cx="10515600" cy="5919344"/>
+            <a:off x="360000" y="1584000"/>
+            <a:ext cx="11473200" cy="4767200"/>
           </a:xfrm>
+          <a:prstGeom prst="rect">
+            <a:avLst/>
+          </a:prstGeom>
         </p:spPr>
         <p:txBody>
-          <a:bodyPr>
+          <a:bodyPr vert="horz" lIns="91440" tIns="45720" rIns="91440" bIns="45720" rtlCol="0">
             <a:normAutofit/>
           </a:bodyPr>
-          <a:lstStyle/>
+          <a:lstStyle>
+            <a:lvl1pPr marL="228600" indent="-228600" algn="l" defTabSz="914400" rtl="0" eaLnBrk="1" latinLnBrk="0" hangingPunct="1">
+              <a:lnSpc>
+                <a:spcPct val="90000"/>
+              </a:lnSpc>
+              <a:spcBef>
+                <a:spcPts val="1000"/>
+              </a:spcBef>
+              <a:buFont typeface="Arial" panose="020B0604020202020204" pitchFamily="34" charset="0"/>
+              <a:buChar char="•"/>
+              <a:defRPr sz="2800" kern="1200">
+                <a:solidFill>
+                  <a:schemeClr val="tx1"/>
+                </a:solidFill>
+                <a:latin typeface="+mn-lt"/>
+                <a:ea typeface="+mn-ea"/>
+                <a:cs typeface="+mn-cs"/>
+              </a:defRPr>
+            </a:lvl1pPr>
+            <a:lvl2pPr marL="685800" indent="-228600" algn="l" defTabSz="914400" rtl="0" eaLnBrk="1" latinLnBrk="0" hangingPunct="1">
+              <a:lnSpc>
+                <a:spcPct val="90000"/>
+              </a:lnSpc>
+              <a:spcBef>
+                <a:spcPts val="500"/>
+              </a:spcBef>
+              <a:buFont typeface="Arial" panose="020B0604020202020204" pitchFamily="34" charset="0"/>
+              <a:buChar char="•"/>
+              <a:defRPr sz="2400" kern="1200">
+                <a:solidFill>
+                  <a:schemeClr val="tx1"/>
+                </a:solidFill>
+                <a:latin typeface="+mn-lt"/>
+                <a:ea typeface="+mn-ea"/>
+                <a:cs typeface="+mn-cs"/>
+              </a:defRPr>
+            </a:lvl2pPr>
+            <a:lvl3pPr marL="1143000" indent="-228600" algn="l" defTabSz="914400" rtl="0" eaLnBrk="1" latinLnBrk="0" hangingPunct="1">
+              <a:lnSpc>
+                <a:spcPct val="90000"/>
+              </a:lnSpc>
+              <a:spcBef>
+                <a:spcPts val="500"/>
+              </a:spcBef>
+              <a:buFont typeface="Arial" panose="020B0604020202020204" pitchFamily="34" charset="0"/>
+              <a:buChar char="•"/>
+              <a:defRPr sz="2000" kern="1200">
+                <a:solidFill>
+                  <a:schemeClr val="tx1"/>
+                </a:solidFill>
+                <a:latin typeface="+mn-lt"/>
+                <a:ea typeface="+mn-ea"/>
+                <a:cs typeface="+mn-cs"/>
+              </a:defRPr>
+            </a:lvl3pPr>
+            <a:lvl4pPr marL="1600200" indent="-228600" algn="l" defTabSz="914400" rtl="0" eaLnBrk="1" latinLnBrk="0" hangingPunct="1">
+              <a:lnSpc>
+                <a:spcPct val="90000"/>
+              </a:lnSpc>
+              <a:spcBef>
+                <a:spcPts val="500"/>
+              </a:spcBef>
+              <a:buFont typeface="Arial" panose="020B0604020202020204" pitchFamily="34" charset="0"/>
+              <a:buChar char="•"/>
+              <a:defRPr sz="1800" kern="1200">
+                <a:solidFill>
+                  <a:schemeClr val="tx1"/>
+                </a:solidFill>
+                <a:latin typeface="+mn-lt"/>
+                <a:ea typeface="+mn-ea"/>
+                <a:cs typeface="+mn-cs"/>
+              </a:defRPr>
+            </a:lvl4pPr>
+            <a:lvl5pPr marL="2057400" indent="-228600" algn="l" defTabSz="914400" rtl="0" eaLnBrk="1" latinLnBrk="0" hangingPunct="1">
+              <a:lnSpc>
+                <a:spcPct val="90000"/>
+              </a:lnSpc>
+              <a:spcBef>
+                <a:spcPts val="500"/>
+              </a:spcBef>
+              <a:buFont typeface="Arial" panose="020B0604020202020204" pitchFamily="34" charset="0"/>
+              <a:buChar char="•"/>
+              <a:defRPr sz="1800" kern="1200">
+                <a:solidFill>
+                  <a:schemeClr val="tx1"/>
+                </a:solidFill>
+                <a:latin typeface="+mn-lt"/>
+                <a:ea typeface="+mn-ea"/>
+                <a:cs typeface="+mn-cs"/>
+              </a:defRPr>
+            </a:lvl5pPr>
+            <a:lvl6pPr marL="2514600" indent="-228600" algn="l" defTabSz="914400" rtl="0" eaLnBrk="1" latinLnBrk="0" hangingPunct="1">
+              <a:lnSpc>
+                <a:spcPct val="90000"/>
+              </a:lnSpc>
+              <a:spcBef>
+                <a:spcPts val="500"/>
+              </a:spcBef>
+              <a:buFont typeface="Arial" panose="020B0604020202020204" pitchFamily="34" charset="0"/>
+              <a:buChar char="•"/>
+              <a:defRPr sz="1800" kern="1200">
+                <a:solidFill>
+                  <a:schemeClr val="tx1"/>
+                </a:solidFill>
+                <a:latin typeface="+mn-lt"/>
+                <a:ea typeface="+mn-ea"/>
+                <a:cs typeface="+mn-cs"/>
+              </a:defRPr>
+            </a:lvl6pPr>
+            <a:lvl7pPr marL="2971800" indent="-228600" algn="l" defTabSz="914400" rtl="0" eaLnBrk="1" latinLnBrk="0" hangingPunct="1">
+              <a:lnSpc>
+                <a:spcPct val="90000"/>
+              </a:lnSpc>
+              <a:spcBef>
+                <a:spcPts val="500"/>
+              </a:spcBef>
+              <a:buFont typeface="Arial" panose="020B0604020202020204" pitchFamily="34" charset="0"/>
+              <a:buChar char="•"/>
+              <a:defRPr sz="1800" kern="1200">
+                <a:solidFill>
+                  <a:schemeClr val="tx1"/>
+                </a:solidFill>
+                <a:latin typeface="+mn-lt"/>
+                <a:ea typeface="+mn-ea"/>
+                <a:cs typeface="+mn-cs"/>
+              </a:defRPr>
+            </a:lvl7pPr>
+            <a:lvl8pPr marL="3429000" indent="-228600" algn="l" defTabSz="914400" rtl="0" eaLnBrk="1" latinLnBrk="0" hangingPunct="1">
+              <a:lnSpc>
+                <a:spcPct val="90000"/>
+              </a:lnSpc>
+              <a:spcBef>
+                <a:spcPts val="500"/>
+              </a:spcBef>
+              <a:buFont typeface="Arial" panose="020B0604020202020204" pitchFamily="34" charset="0"/>
+              <a:buChar char="•"/>
+              <a:defRPr sz="1800" kern="1200">
+                <a:solidFill>
+                  <a:schemeClr val="tx1"/>
+                </a:solidFill>
+                <a:latin typeface="+mn-lt"/>
+                <a:ea typeface="+mn-ea"/>
+                <a:cs typeface="+mn-cs"/>
+              </a:defRPr>
+            </a:lvl8pPr>
+            <a:lvl9pPr marL="3886200" indent="-228600" algn="l" defTabSz="914400" rtl="0" eaLnBrk="1" latinLnBrk="0" hangingPunct="1">
+              <a:lnSpc>
+                <a:spcPct val="90000"/>
+              </a:lnSpc>
+              <a:spcBef>
+                <a:spcPts val="500"/>
+              </a:spcBef>
+              <a:buFont typeface="Arial" panose="020B0604020202020204" pitchFamily="34" charset="0"/>
+              <a:buChar char="•"/>
+              <a:defRPr sz="1800" kern="1200">
+                <a:solidFill>
+                  <a:schemeClr val="tx1"/>
+                </a:solidFill>
+                <a:latin typeface="+mn-lt"/>
+                <a:ea typeface="+mn-ea"/>
+                <a:cs typeface="+mn-cs"/>
+              </a:defRPr>
+            </a:lvl9pPr>
+          </a:lstStyle>
           <a:p>
             <a:pPr marL="0" indent="0">
               <a:buNone/>
             </a:pPr>
             <a:r>
-              <a:rPr lang="ru-RU" dirty="0">
-                <a:solidFill>
-                  <a:srgbClr val="003399"/>
-                </a:solidFill>
-                <a:latin typeface="+mj-lt"/>
-              </a:rPr>
-              <a:t>	</a:t>
-            </a:r>
-            <a:r>
-              <a:rPr lang="en-US" dirty="0">
-                <a:solidFill>
-                  <a:srgbClr val="003399"/>
-                </a:solidFill>
-                <a:latin typeface="+mj-lt"/>
-              </a:rPr>
-              <a:t>Maven </a:t>
-            </a:r>
-            <a:r>
-              <a:rPr lang="ru-RU" dirty="0">
-                <a:solidFill>
-                  <a:srgbClr val="003399"/>
-                </a:solidFill>
-                <a:latin typeface="+mj-lt"/>
-              </a:rPr>
-              <a:t>основан на концепции жизненного цикла сборки. Пользователю нужно указать одну из фаз жизненного цикла, а </a:t>
-            </a:r>
-            <a:r>
-              <a:rPr lang="en-US" dirty="0">
-                <a:solidFill>
-                  <a:srgbClr val="003399"/>
-                </a:solidFill>
-                <a:latin typeface="+mj-lt"/>
-              </a:rPr>
-              <a:t>Maven </a:t>
-            </a:r>
-            <a:r>
-              <a:rPr lang="ru-RU" dirty="0">
-                <a:solidFill>
-                  <a:srgbClr val="003399"/>
-                </a:solidFill>
-                <a:latin typeface="+mj-lt"/>
-              </a:rPr>
-              <a:t>на основе конфигурации </a:t>
-            </a:r>
-            <a:r>
-              <a:rPr lang="en-US" dirty="0">
-                <a:solidFill>
-                  <a:srgbClr val="003399"/>
-                </a:solidFill>
-                <a:latin typeface="+mj-lt"/>
-              </a:rPr>
-              <a:t>POM </a:t>
-            </a:r>
-            <a:r>
-              <a:rPr lang="ru-RU" dirty="0">
-                <a:solidFill>
-                  <a:srgbClr val="003399"/>
-                </a:solidFill>
-                <a:latin typeface="+mj-lt"/>
-              </a:rPr>
-              <a:t>сам сделает все, что нужно пользователю.</a:t>
-            </a:r>
-            <a:endParaRPr lang="en-US" dirty="0">
+              <a:rPr lang="en-US" sz="2400" dirty="0">
+                <a:solidFill>
+                  <a:srgbClr val="003399"/>
+                </a:solidFill>
+              </a:rPr>
+              <a:t>implementation</a:t>
+            </a:r>
+            <a:r>
+              <a:rPr lang="ru-RU" sz="2400" dirty="0">
+                <a:solidFill>
+                  <a:srgbClr val="003399"/>
+                </a:solidFill>
+              </a:rPr>
+              <a:t> –</a:t>
+            </a:r>
+            <a:r>
+              <a:rPr lang="en-US" sz="2400" dirty="0">
+                <a:solidFill>
+                  <a:srgbClr val="003399"/>
+                </a:solidFill>
+              </a:rPr>
+              <a:t> </a:t>
+            </a:r>
+            <a:r>
+              <a:rPr lang="ru-RU" sz="2400" dirty="0">
+                <a:solidFill>
+                  <a:srgbClr val="003399"/>
+                </a:solidFill>
+              </a:rPr>
+              <a:t>зависимости, необходимые, как для компиляции, так и для выполнения</a:t>
+            </a:r>
+            <a:endParaRPr lang="en-US" sz="2400" dirty="0">
               <a:solidFill>
                 <a:srgbClr val="003399"/>
               </a:solidFill>
-              <a:latin typeface="+mj-lt"/>
             </a:endParaRPr>
           </a:p>
           <a:p>
             <a:pPr marL="0" indent="0">
               <a:buNone/>
             </a:pPr>
-            <a:endParaRPr lang="ru-RU" dirty="0">
+            <a:r>
+              <a:rPr lang="en-US" sz="2400" dirty="0" err="1">
+                <a:solidFill>
+                  <a:srgbClr val="003399"/>
+                </a:solidFill>
+              </a:rPr>
+              <a:t>api</a:t>
+            </a:r>
+            <a:r>
+              <a:rPr lang="en-US" sz="2400" dirty="0">
+                <a:solidFill>
+                  <a:srgbClr val="003399"/>
+                </a:solidFill>
+              </a:rPr>
+              <a:t> – </a:t>
+            </a:r>
+            <a:r>
+              <a:rPr lang="ru-RU" sz="2400" dirty="0">
+                <a:solidFill>
+                  <a:srgbClr val="003399"/>
+                </a:solidFill>
+              </a:rPr>
+              <a:t>открытый </a:t>
+            </a:r>
+            <a:r>
+              <a:rPr lang="en-US" sz="2400" dirty="0">
+                <a:solidFill>
+                  <a:srgbClr val="003399"/>
+                </a:solidFill>
+              </a:rPr>
+              <a:t>“implementation”</a:t>
+            </a:r>
+          </a:p>
+          <a:p>
+            <a:pPr marL="0" indent="0">
+              <a:buNone/>
+            </a:pPr>
+            <a:r>
+              <a:rPr lang="en-US" sz="2400" dirty="0" err="1">
+                <a:solidFill>
+                  <a:srgbClr val="003399"/>
+                </a:solidFill>
+              </a:rPr>
+              <a:t>compileOnly</a:t>
+            </a:r>
+            <a:r>
+              <a:rPr lang="ru-RU" sz="2400" dirty="0">
+                <a:solidFill>
+                  <a:srgbClr val="003399"/>
+                </a:solidFill>
+              </a:rPr>
+              <a:t> – зависимости, необходимые только для компиляции</a:t>
+            </a:r>
+          </a:p>
+          <a:p>
+            <a:pPr marL="0" indent="0">
+              <a:buNone/>
+            </a:pPr>
+            <a:r>
+              <a:rPr lang="en-US" sz="2400" dirty="0" err="1">
+                <a:solidFill>
+                  <a:srgbClr val="003399"/>
+                </a:solidFill>
+              </a:rPr>
+              <a:t>compileOnlyApi</a:t>
+            </a:r>
+            <a:r>
+              <a:rPr lang="en-US" sz="2400" dirty="0">
+                <a:solidFill>
+                  <a:srgbClr val="003399"/>
+                </a:solidFill>
+              </a:rPr>
+              <a:t> –</a:t>
+            </a:r>
+            <a:r>
+              <a:rPr lang="ru-RU" sz="2400" dirty="0">
+                <a:solidFill>
+                  <a:srgbClr val="003399"/>
+                </a:solidFill>
+              </a:rPr>
+              <a:t> открытый</a:t>
+            </a:r>
+            <a:r>
+              <a:rPr lang="en-US" sz="2400" dirty="0">
+                <a:solidFill>
+                  <a:srgbClr val="003399"/>
+                </a:solidFill>
+              </a:rPr>
+              <a:t> “</a:t>
+            </a:r>
+            <a:r>
+              <a:rPr lang="en-US" sz="2400" dirty="0" err="1">
+                <a:solidFill>
+                  <a:srgbClr val="003399"/>
+                </a:solidFill>
+              </a:rPr>
+              <a:t>compileOnly</a:t>
+            </a:r>
+            <a:r>
+              <a:rPr lang="en-US" sz="2400" dirty="0">
+                <a:solidFill>
+                  <a:srgbClr val="003399"/>
+                </a:solidFill>
+              </a:rPr>
+              <a:t>”</a:t>
+            </a:r>
+            <a:endParaRPr lang="ru-RU" sz="2400" dirty="0">
               <a:solidFill>
                 <a:srgbClr val="003399"/>
               </a:solidFill>
-              <a:latin typeface="+mj-lt"/>
             </a:endParaRPr>
           </a:p>
           <a:p>
@@ -7725,31 +8122,28 @@
               <a:buNone/>
             </a:pPr>
             <a:r>
-              <a:rPr lang="ru-RU" dirty="0">
-                <a:solidFill>
-                  <a:srgbClr val="003399"/>
-                </a:solidFill>
-                <a:latin typeface="+mj-lt"/>
-              </a:rPr>
-              <a:t>Фазы </a:t>
-            </a:r>
-            <a:r>
-              <a:rPr lang="en-US" dirty="0">
-                <a:solidFill>
-                  <a:srgbClr val="003399"/>
-                </a:solidFill>
-                <a:latin typeface="+mj-lt"/>
-              </a:rPr>
-              <a:t>Maven </a:t>
-            </a:r>
-            <a:r>
-              <a:rPr lang="ru-RU" dirty="0">
-                <a:solidFill>
-                  <a:srgbClr val="003399"/>
-                </a:solidFill>
-                <a:latin typeface="+mj-lt"/>
-              </a:rPr>
-              <a:t>представляют из себя следующие команды:</a:t>
+              <a:rPr lang="en-US" sz="2400" dirty="0" err="1">
+                <a:solidFill>
+                  <a:srgbClr val="003399"/>
+                </a:solidFill>
+              </a:rPr>
+              <a:t>runtimeOnly</a:t>
+            </a:r>
+            <a:r>
+              <a:rPr lang="en-US" sz="2400" dirty="0">
+                <a:solidFill>
+                  <a:srgbClr val="003399"/>
+                </a:solidFill>
+              </a:rPr>
+              <a:t> – </a:t>
+            </a:r>
+            <a:r>
+              <a:rPr lang="ru-RU" sz="2400" dirty="0">
+                <a:solidFill>
+                  <a:srgbClr val="003399"/>
+                </a:solidFill>
+              </a:rPr>
+              <a:t>зависимости, необходимые только для выполнения</a:t>
             </a:r>
           </a:p>
           <a:p>
@@ -7757,33 +8151,33 @@
               <a:buNone/>
             </a:pPr>
             <a:r>
-              <a:rPr lang="ru-RU" dirty="0">
-                <a:solidFill>
-                  <a:srgbClr val="003399"/>
-                </a:solidFill>
-                <a:latin typeface="+mj-lt"/>
-              </a:rPr>
-              <a:t>	</a:t>
-            </a:r>
-            <a:r>
-              <a:rPr lang="en-US" dirty="0">
-                <a:solidFill>
-                  <a:srgbClr val="003399"/>
-                </a:solidFill>
-                <a:latin typeface="+mj-lt"/>
-              </a:rPr>
-              <a:t>clean, validate, compile, test, package, verify, install, site, deploy.</a:t>
-            </a:r>
-          </a:p>
-          <a:p>
-            <a:pPr marL="0" indent="0">
-              <a:buNone/>
-            </a:pPr>
-            <a:endParaRPr lang="en-US" dirty="0">
+              <a:rPr lang="en-US" sz="2400" dirty="0" err="1">
+                <a:solidFill>
+                  <a:srgbClr val="003399"/>
+                </a:solidFill>
+              </a:rPr>
+              <a:t>testImplementation</a:t>
+            </a:r>
+            <a:r>
+              <a:rPr lang="en-US" sz="2400" dirty="0">
+                <a:solidFill>
+                  <a:srgbClr val="003399"/>
+                </a:solidFill>
+              </a:rPr>
+              <a:t> –</a:t>
+            </a:r>
+            <a:r>
+              <a:rPr lang="ru-RU" sz="2400" dirty="0">
+                <a:solidFill>
+                  <a:srgbClr val="003399"/>
+                </a:solidFill>
+              </a:rPr>
+              <a:t> зависимости, необходимые для компиляции и выполнения тестов</a:t>
+            </a:r>
+            <a:endParaRPr lang="en-US" sz="2400" dirty="0">
               <a:solidFill>
                 <a:srgbClr val="003399"/>
               </a:solidFill>
-              <a:latin typeface="+mj-lt"/>
             </a:endParaRPr>
           </a:p>
           <a:p>
@@ -7791,65 +8185,101 @@
               <a:buNone/>
             </a:pPr>
             <a:r>
-              <a:rPr lang="ru-RU" dirty="0">
-                <a:solidFill>
-                  <a:srgbClr val="003399"/>
-                </a:solidFill>
-                <a:latin typeface="+mj-lt"/>
-              </a:rPr>
-              <a:t>Которые объединяются в три жизненных цикла</a:t>
-            </a:r>
-            <a:r>
-              <a:rPr lang="en-US" dirty="0">
-                <a:solidFill>
-                  <a:srgbClr val="003399"/>
-                </a:solidFill>
-                <a:latin typeface="+mj-lt"/>
-              </a:rPr>
-              <a:t> Maven:</a:t>
-            </a:r>
-          </a:p>
-          <a:p>
-            <a:pPr marL="0" indent="0">
-              <a:buNone/>
-            </a:pPr>
-            <a:r>
-              <a:rPr lang="en-US" dirty="0">
-                <a:solidFill>
-                  <a:srgbClr val="003399"/>
-                </a:solidFill>
-                <a:latin typeface="+mj-lt"/>
-              </a:rPr>
-              <a:t>	clean, default, site.</a:t>
-            </a:r>
-            <a:endParaRPr lang="ru-RU" dirty="0">
+              <a:rPr lang="en-US" sz="2400" dirty="0" err="1">
+                <a:solidFill>
+                  <a:srgbClr val="003399"/>
+                </a:solidFill>
+              </a:rPr>
+              <a:t>testCompileOnly</a:t>
+            </a:r>
+            <a:r>
+              <a:rPr lang="ru-RU" sz="2400" dirty="0">
+                <a:solidFill>
+                  <a:srgbClr val="003399"/>
+                </a:solidFill>
+              </a:rPr>
+              <a:t> – зависимости, необходимые только для компиляции тестов</a:t>
+            </a:r>
+            <a:endParaRPr lang="en-US" sz="2400" dirty="0">
               <a:solidFill>
                 <a:srgbClr val="003399"/>
               </a:solidFill>
-              <a:latin typeface="+mj-lt"/>
             </a:endParaRPr>
           </a:p>
-        </p:txBody>
-      </p:sp>
-      <p:sp>
-        <p:nvSpPr>
-          <p:cNvPr id="4" name="Заголовок 1"/>
-          <p:cNvSpPr>
-            <a:spLocks noGrp="1"/>
+          <a:p>
+            <a:pPr marL="0" indent="0">
+              <a:buNone/>
+            </a:pPr>
+            <a:r>
+              <a:rPr lang="en-US" sz="2400" dirty="0" err="1">
+                <a:solidFill>
+                  <a:srgbClr val="003399"/>
+                </a:solidFill>
+              </a:rPr>
+              <a:t>testRuntimeOnly</a:t>
+            </a:r>
+            <a:r>
+              <a:rPr lang="ru-RU" sz="2400" dirty="0">
+                <a:solidFill>
+                  <a:srgbClr val="003399"/>
+                </a:solidFill>
+              </a:rPr>
+              <a:t> – зависимости, необходимые только для выполнения тестов</a:t>
+            </a:r>
+            <a:endParaRPr lang="en-US" sz="2400" dirty="0">
+              <a:solidFill>
+                <a:srgbClr val="003399"/>
+              </a:solidFill>
+            </a:endParaRPr>
+          </a:p>
+        </p:txBody>
+      </p:sp>
+      <p:sp>
+        <p:nvSpPr>
+          <p:cNvPr id="10" name="Заголовок 1">
+            <a:extLst>
+              <a:ext uri="{FF2B5EF4-FFF2-40B4-BE49-F238E27FC236}">
+                <a16:creationId xmlns:a16="http://schemas.microsoft.com/office/drawing/2014/main" id="{3B15857D-890F-EB4B-6000-16E129E78CDF}"/>
+              </a:ext>
+            </a:extLst>
+          </p:cNvPr>
+          <p:cNvSpPr txBox="1">
+            <a:spLocks/>
           </p:cNvSpPr>
-          <p:nvPr>
-            <p:ph type="title"/>
-          </p:nvPr>
+          <p:nvPr/>
         </p:nvSpPr>
         <p:spPr>
           <a:xfrm>
-            <a:off x="838200" y="365125"/>
-            <a:ext cx="10515600" cy="1325563"/>
+            <a:off x="360001" y="180000"/>
+            <a:ext cx="11473200" cy="756000"/>
           </a:xfrm>
+          <a:prstGeom prst="rect">
+            <a:avLst/>
+          </a:prstGeom>
         </p:spPr>
         <p:txBody>
-          <a:bodyPr/>
-          <a:lstStyle/>
+          <a:bodyPr vert="horz" lIns="91440" tIns="45720" rIns="91440" bIns="45720" rtlCol="0" anchor="ctr">
+            <a:normAutofit/>
+          </a:bodyPr>
+          <a:lstStyle>
+            <a:lvl1pPr algn="l" defTabSz="914400" rtl="0" eaLnBrk="1" latinLnBrk="0" hangingPunct="1">
+              <a:lnSpc>
+                <a:spcPct val="90000"/>
+              </a:lnSpc>
+              <a:spcBef>
+                <a:spcPct val="0"/>
+              </a:spcBef>
+              <a:buNone/>
+              <a:defRPr sz="4400" kern="1200">
+                <a:solidFill>
+                  <a:schemeClr val="tx1"/>
+                </a:solidFill>
+                <a:latin typeface="+mj-lt"/>
+                <a:ea typeface="+mj-ea"/>
+                <a:cs typeface="+mj-cs"/>
+              </a:defRPr>
+            </a:lvl1pPr>
+          </a:lstStyle>
           <a:p>
             <a:r>
               <a:rPr lang="ru-RU" dirty="0">
@@ -7857,15 +8287,51 @@
                   <a:srgbClr val="003399"/>
                 </a:solidFill>
               </a:rPr>
-              <a:t>Жизненный цикл</a:t>
-            </a:r>
-          </a:p>
-        </p:txBody>
-      </p:sp>
+              <a:t>Области видимости зависимостей</a:t>
+            </a:r>
+          </a:p>
+        </p:txBody>
+      </p:sp>
+      <p:pic>
+        <p:nvPicPr>
+          <p:cNvPr id="16" name="Рисунок 15" descr="Изображение выглядит как Графика, дизайн&#10;&#10;Контент, сгенерированный ИИ, может содержать ошибки.">
+            <a:extLst>
+              <a:ext uri="{FF2B5EF4-FFF2-40B4-BE49-F238E27FC236}">
+                <a16:creationId xmlns:a16="http://schemas.microsoft.com/office/drawing/2014/main" id="{41EB45ED-3FDC-A44C-4033-2EA23583D872}"/>
+              </a:ext>
+            </a:extLst>
+          </p:cNvPr>
+          <p:cNvPicPr>
+            <a:picLocks noChangeAspect="1"/>
+          </p:cNvPicPr>
+          <p:nvPr/>
+        </p:nvPicPr>
+        <p:blipFill>
+          <a:blip r:embed="rId2">
+            <a:extLst>
+              <a:ext uri="{28A0092B-C50C-407E-A947-70E740481C1C}">
+                <a14:useLocalDpi xmlns:a14="http://schemas.microsoft.com/office/drawing/2010/main" val="0"/>
+              </a:ext>
+            </a:extLst>
+          </a:blip>
+          <a:stretch>
+            <a:fillRect/>
+          </a:stretch>
+        </p:blipFill>
+        <p:spPr>
+          <a:xfrm>
+            <a:off x="9435600" y="5778000"/>
+            <a:ext cx="2576469" cy="900000"/>
+          </a:xfrm>
+          <a:prstGeom prst="rect">
+            <a:avLst/>
+          </a:prstGeom>
+        </p:spPr>
+      </p:pic>
     </p:spTree>
     <p:extLst>
       <p:ext uri="{BB962C8B-B14F-4D97-AF65-F5344CB8AC3E}">
-        <p14:creationId xmlns:p14="http://schemas.microsoft.com/office/powerpoint/2010/main" val="2066015822"/>
+        <p14:creationId xmlns:p14="http://schemas.microsoft.com/office/powerpoint/2010/main" val="2896478523"/>
       </p:ext>
     </p:extLst>
   </p:cSld>
@@ -7894,172 +8360,393 @@
       </p:grpSpPr>
       <p:sp>
         <p:nvSpPr>
-          <p:cNvPr id="3" name="Объект 2"/>
-          <p:cNvSpPr>
-            <a:spLocks noGrp="1"/>
+          <p:cNvPr id="7" name="Объект 2">
+            <a:extLst>
+              <a:ext uri="{FF2B5EF4-FFF2-40B4-BE49-F238E27FC236}">
+                <a16:creationId xmlns:a16="http://schemas.microsoft.com/office/drawing/2014/main" id="{31FF674C-74FE-37E4-F5D9-7E776C9751BB}"/>
+              </a:ext>
+            </a:extLst>
+          </p:cNvPr>
+          <p:cNvSpPr txBox="1">
+            <a:spLocks/>
           </p:cNvSpPr>
-          <p:nvPr>
-            <p:ph idx="1"/>
-          </p:nvPr>
+          <p:nvPr/>
         </p:nvSpPr>
         <p:spPr>
           <a:xfrm>
-            <a:off x="838200" y="1825624"/>
-            <a:ext cx="10515600" cy="4703192"/>
+            <a:off x="360000" y="1584000"/>
+            <a:ext cx="11473200" cy="4767200"/>
           </a:xfrm>
+          <a:prstGeom prst="rect">
+            <a:avLst/>
+          </a:prstGeom>
         </p:spPr>
         <p:txBody>
-          <a:bodyPr>
+          <a:bodyPr vert="horz" lIns="91440" tIns="45720" rIns="91440" bIns="45720" rtlCol="0">
             <a:normAutofit/>
           </a:bodyPr>
-          <a:lstStyle/>
+          <a:lstStyle>
+            <a:lvl1pPr marL="228600" indent="-228600" algn="l" defTabSz="914400" rtl="0" eaLnBrk="1" latinLnBrk="0" hangingPunct="1">
+              <a:lnSpc>
+                <a:spcPct val="90000"/>
+              </a:lnSpc>
+              <a:spcBef>
+                <a:spcPts val="1000"/>
+              </a:spcBef>
+              <a:buFont typeface="Arial" panose="020B0604020202020204" pitchFamily="34" charset="0"/>
+              <a:buChar char="•"/>
+              <a:defRPr sz="2800" kern="1200">
+                <a:solidFill>
+                  <a:schemeClr val="tx1"/>
+                </a:solidFill>
+                <a:latin typeface="+mn-lt"/>
+                <a:ea typeface="+mn-ea"/>
+                <a:cs typeface="+mn-cs"/>
+              </a:defRPr>
+            </a:lvl1pPr>
+            <a:lvl2pPr marL="685800" indent="-228600" algn="l" defTabSz="914400" rtl="0" eaLnBrk="1" latinLnBrk="0" hangingPunct="1">
+              <a:lnSpc>
+                <a:spcPct val="90000"/>
+              </a:lnSpc>
+              <a:spcBef>
+                <a:spcPts val="500"/>
+              </a:spcBef>
+              <a:buFont typeface="Arial" panose="020B0604020202020204" pitchFamily="34" charset="0"/>
+              <a:buChar char="•"/>
+              <a:defRPr sz="2400" kern="1200">
+                <a:solidFill>
+                  <a:schemeClr val="tx1"/>
+                </a:solidFill>
+                <a:latin typeface="+mn-lt"/>
+                <a:ea typeface="+mn-ea"/>
+                <a:cs typeface="+mn-cs"/>
+              </a:defRPr>
+            </a:lvl2pPr>
+            <a:lvl3pPr marL="1143000" indent="-228600" algn="l" defTabSz="914400" rtl="0" eaLnBrk="1" latinLnBrk="0" hangingPunct="1">
+              <a:lnSpc>
+                <a:spcPct val="90000"/>
+              </a:lnSpc>
+              <a:spcBef>
+                <a:spcPts val="500"/>
+              </a:spcBef>
+              <a:buFont typeface="Arial" panose="020B0604020202020204" pitchFamily="34" charset="0"/>
+              <a:buChar char="•"/>
+              <a:defRPr sz="2000" kern="1200">
+                <a:solidFill>
+                  <a:schemeClr val="tx1"/>
+                </a:solidFill>
+                <a:latin typeface="+mn-lt"/>
+                <a:ea typeface="+mn-ea"/>
+                <a:cs typeface="+mn-cs"/>
+              </a:defRPr>
+            </a:lvl3pPr>
+            <a:lvl4pPr marL="1600200" indent="-228600" algn="l" defTabSz="914400" rtl="0" eaLnBrk="1" latinLnBrk="0" hangingPunct="1">
+              <a:lnSpc>
+                <a:spcPct val="90000"/>
+              </a:lnSpc>
+              <a:spcBef>
+                <a:spcPts val="500"/>
+              </a:spcBef>
+              <a:buFont typeface="Arial" panose="020B0604020202020204" pitchFamily="34" charset="0"/>
+              <a:buChar char="•"/>
+              <a:defRPr sz="1800" kern="1200">
+                <a:solidFill>
+                  <a:schemeClr val="tx1"/>
+                </a:solidFill>
+                <a:latin typeface="+mn-lt"/>
+                <a:ea typeface="+mn-ea"/>
+                <a:cs typeface="+mn-cs"/>
+              </a:defRPr>
+            </a:lvl4pPr>
+            <a:lvl5pPr marL="2057400" indent="-228600" algn="l" defTabSz="914400" rtl="0" eaLnBrk="1" latinLnBrk="0" hangingPunct="1">
+              <a:lnSpc>
+                <a:spcPct val="90000"/>
+              </a:lnSpc>
+              <a:spcBef>
+                <a:spcPts val="500"/>
+              </a:spcBef>
+              <a:buFont typeface="Arial" panose="020B0604020202020204" pitchFamily="34" charset="0"/>
+              <a:buChar char="•"/>
+              <a:defRPr sz="1800" kern="1200">
+                <a:solidFill>
+                  <a:schemeClr val="tx1"/>
+                </a:solidFill>
+                <a:latin typeface="+mn-lt"/>
+                <a:ea typeface="+mn-ea"/>
+                <a:cs typeface="+mn-cs"/>
+              </a:defRPr>
+            </a:lvl5pPr>
+            <a:lvl6pPr marL="2514600" indent="-228600" algn="l" defTabSz="914400" rtl="0" eaLnBrk="1" latinLnBrk="0" hangingPunct="1">
+              <a:lnSpc>
+                <a:spcPct val="90000"/>
+              </a:lnSpc>
+              <a:spcBef>
+                <a:spcPts val="500"/>
+              </a:spcBef>
+              <a:buFont typeface="Arial" panose="020B0604020202020204" pitchFamily="34" charset="0"/>
+              <a:buChar char="•"/>
+              <a:defRPr sz="1800" kern="1200">
+                <a:solidFill>
+                  <a:schemeClr val="tx1"/>
+                </a:solidFill>
+                <a:latin typeface="+mn-lt"/>
+                <a:ea typeface="+mn-ea"/>
+                <a:cs typeface="+mn-cs"/>
+              </a:defRPr>
+            </a:lvl6pPr>
+            <a:lvl7pPr marL="2971800" indent="-228600" algn="l" defTabSz="914400" rtl="0" eaLnBrk="1" latinLnBrk="0" hangingPunct="1">
+              <a:lnSpc>
+                <a:spcPct val="90000"/>
+              </a:lnSpc>
+              <a:spcBef>
+                <a:spcPts val="500"/>
+              </a:spcBef>
+              <a:buFont typeface="Arial" panose="020B0604020202020204" pitchFamily="34" charset="0"/>
+              <a:buChar char="•"/>
+              <a:defRPr sz="1800" kern="1200">
+                <a:solidFill>
+                  <a:schemeClr val="tx1"/>
+                </a:solidFill>
+                <a:latin typeface="+mn-lt"/>
+                <a:ea typeface="+mn-ea"/>
+                <a:cs typeface="+mn-cs"/>
+              </a:defRPr>
+            </a:lvl7pPr>
+            <a:lvl8pPr marL="3429000" indent="-228600" algn="l" defTabSz="914400" rtl="0" eaLnBrk="1" latinLnBrk="0" hangingPunct="1">
+              <a:lnSpc>
+                <a:spcPct val="90000"/>
+              </a:lnSpc>
+              <a:spcBef>
+                <a:spcPts val="500"/>
+              </a:spcBef>
+              <a:buFont typeface="Arial" panose="020B0604020202020204" pitchFamily="34" charset="0"/>
+              <a:buChar char="•"/>
+              <a:defRPr sz="1800" kern="1200">
+                <a:solidFill>
+                  <a:schemeClr val="tx1"/>
+                </a:solidFill>
+                <a:latin typeface="+mn-lt"/>
+                <a:ea typeface="+mn-ea"/>
+                <a:cs typeface="+mn-cs"/>
+              </a:defRPr>
+            </a:lvl8pPr>
+            <a:lvl9pPr marL="3886200" indent="-228600" algn="l" defTabSz="914400" rtl="0" eaLnBrk="1" latinLnBrk="0" hangingPunct="1">
+              <a:lnSpc>
+                <a:spcPct val="90000"/>
+              </a:lnSpc>
+              <a:spcBef>
+                <a:spcPts val="500"/>
+              </a:spcBef>
+              <a:buFont typeface="Arial" panose="020B0604020202020204" pitchFamily="34" charset="0"/>
+              <a:buChar char="•"/>
+              <a:defRPr sz="1800" kern="1200">
+                <a:solidFill>
+                  <a:schemeClr val="tx1"/>
+                </a:solidFill>
+                <a:latin typeface="+mn-lt"/>
+                <a:ea typeface="+mn-ea"/>
+                <a:cs typeface="+mn-cs"/>
+              </a:defRPr>
+            </a:lvl9pPr>
+          </a:lstStyle>
           <a:p>
             <a:pPr marL="0" indent="0">
               <a:buNone/>
             </a:pPr>
             <a:r>
-              <a:rPr lang="en-US" dirty="0">
-                <a:solidFill>
-                  <a:srgbClr val="003399"/>
-                </a:solidFill>
-                <a:latin typeface="+mj-lt"/>
-              </a:rPr>
-              <a:t>pre-clean – </a:t>
-            </a:r>
-            <a:r>
-              <a:rPr lang="ru-RU" dirty="0">
-                <a:solidFill>
-                  <a:srgbClr val="003399"/>
-                </a:solidFill>
-                <a:latin typeface="+mj-lt"/>
-              </a:rPr>
-              <a:t>выполнить процессы, необходимые до очистки проекта</a:t>
-            </a:r>
-          </a:p>
-          <a:p>
-            <a:pPr marL="0" indent="0">
-              <a:buNone/>
-            </a:pPr>
-            <a:endParaRPr lang="en-US" dirty="0">
+              <a:rPr lang="ru-RU" sz="2400" dirty="0" err="1">
+                <a:solidFill>
+                  <a:srgbClr val="003399"/>
+                </a:solidFill>
+              </a:rPr>
+              <a:t>Gradle</a:t>
+            </a:r>
+            <a:r>
+              <a:rPr lang="ru-RU" sz="2400" dirty="0">
+                <a:solidFill>
+                  <a:srgbClr val="003399"/>
+                </a:solidFill>
+              </a:rPr>
+              <a:t> не имеет собственных репозиториев и в качестве источника зависимостей использует </a:t>
+            </a:r>
+            <a:r>
+              <a:rPr lang="ru-RU" sz="2400" dirty="0" err="1">
+                <a:solidFill>
+                  <a:srgbClr val="003399"/>
+                </a:solidFill>
+              </a:rPr>
+              <a:t>Maven</a:t>
+            </a:r>
+            <a:r>
+              <a:rPr lang="ru-RU" sz="2400" dirty="0">
+                <a:solidFill>
+                  <a:srgbClr val="003399"/>
+                </a:solidFill>
+              </a:rPr>
+              <a:t> и </a:t>
+            </a:r>
+            <a:r>
+              <a:rPr lang="ru-RU" sz="2400" dirty="0" err="1">
+                <a:solidFill>
+                  <a:srgbClr val="003399"/>
+                </a:solidFill>
+              </a:rPr>
+              <a:t>Ivy</a:t>
+            </a:r>
+            <a:r>
+              <a:rPr lang="en-US" sz="2400" dirty="0">
+                <a:solidFill>
+                  <a:srgbClr val="003399"/>
+                </a:solidFill>
+              </a:rPr>
+              <a:t> </a:t>
+            </a:r>
+            <a:r>
+              <a:rPr lang="ru-RU" sz="2400" dirty="0">
+                <a:solidFill>
+                  <a:srgbClr val="003399"/>
+                </a:solidFill>
+              </a:rPr>
+              <a:t>репозитории. При этом интерфейс для работы с репозиториями не отличается на базовом уровне, более развёрнуто об отличиях параметров вы можете узнать по ссылкам </a:t>
+            </a:r>
+            <a:r>
+              <a:rPr lang="ru-RU" sz="2400" dirty="0" err="1">
+                <a:solidFill>
+                  <a:srgbClr val="003399"/>
+                </a:solidFill>
+              </a:rPr>
+              <a:t>IvyArtifactRepository</a:t>
+            </a:r>
+            <a:r>
+              <a:rPr lang="ru-RU" sz="2400" dirty="0">
+                <a:solidFill>
+                  <a:srgbClr val="003399"/>
+                </a:solidFill>
+              </a:rPr>
+              <a:t> и </a:t>
+            </a:r>
+            <a:r>
+              <a:rPr lang="ru-RU" sz="2400" dirty="0" err="1">
+                <a:solidFill>
+                  <a:srgbClr val="003399"/>
+                </a:solidFill>
+              </a:rPr>
+              <a:t>MavenArtifactRepository</a:t>
+            </a:r>
+            <a:r>
+              <a:rPr lang="ru-RU" sz="2400" dirty="0">
+                <a:solidFill>
+                  <a:srgbClr val="003399"/>
+                </a:solidFill>
+              </a:rPr>
+              <a:t>.</a:t>
+            </a:r>
+            <a:endParaRPr lang="en-US" sz="2400" dirty="0">
               <a:solidFill>
                 <a:srgbClr val="003399"/>
               </a:solidFill>
-              <a:latin typeface="+mj-lt"/>
             </a:endParaRPr>
           </a:p>
-          <a:p>
-            <a:pPr marL="0" indent="0">
-              <a:buNone/>
-            </a:pPr>
-            <a:r>
-              <a:rPr lang="en-US" dirty="0">
-                <a:solidFill>
-                  <a:srgbClr val="003399"/>
-                </a:solidFill>
-                <a:latin typeface="+mj-lt"/>
-              </a:rPr>
-              <a:t>clean</a:t>
-            </a:r>
-            <a:r>
-              <a:rPr lang="ru-RU" dirty="0">
-                <a:solidFill>
-                  <a:srgbClr val="003399"/>
-                </a:solidFill>
-                <a:latin typeface="+mj-lt"/>
-              </a:rPr>
-              <a:t> – удалить все файлы, предыдущей сборки</a:t>
-            </a:r>
-          </a:p>
-          <a:p>
-            <a:pPr marL="0" indent="0">
-              <a:buNone/>
-            </a:pPr>
-            <a:endParaRPr lang="en-US" dirty="0">
-              <a:solidFill>
-                <a:srgbClr val="003399"/>
-              </a:solidFill>
-              <a:latin typeface="+mj-lt"/>
-            </a:endParaRPr>
-          </a:p>
-          <a:p>
-            <a:pPr marL="0" indent="0">
-              <a:buNone/>
-            </a:pPr>
-            <a:r>
-              <a:rPr lang="en-US" dirty="0">
-                <a:solidFill>
-                  <a:srgbClr val="003399"/>
-                </a:solidFill>
-                <a:latin typeface="+mj-lt"/>
-              </a:rPr>
-              <a:t>post-clean</a:t>
-            </a:r>
-            <a:r>
-              <a:rPr lang="ru-RU" dirty="0">
-                <a:solidFill>
-                  <a:srgbClr val="003399"/>
-                </a:solidFill>
-                <a:latin typeface="+mj-lt"/>
-              </a:rPr>
-              <a:t> – выполнить процессы, необходимые для завершения очистки проекта</a:t>
-            </a:r>
-            <a:endParaRPr lang="en-US" dirty="0">
-              <a:solidFill>
-                <a:srgbClr val="003399"/>
-              </a:solidFill>
-              <a:latin typeface="+mj-lt"/>
-            </a:endParaRPr>
-          </a:p>
-          <a:p>
-            <a:pPr marL="0" indent="0">
-              <a:buNone/>
-            </a:pPr>
-            <a:endParaRPr lang="ru-RU" dirty="0">
-              <a:solidFill>
-                <a:srgbClr val="003399"/>
-              </a:solidFill>
-              <a:latin typeface="+mj-lt"/>
-            </a:endParaRPr>
-          </a:p>
-        </p:txBody>
-      </p:sp>
-      <p:sp>
-        <p:nvSpPr>
-          <p:cNvPr id="4" name="Заголовок 1"/>
-          <p:cNvSpPr>
-            <a:spLocks noGrp="1"/>
+        </p:txBody>
+      </p:sp>
+      <p:sp>
+        <p:nvSpPr>
+          <p:cNvPr id="4" name="Заголовок 1">
+            <a:extLst>
+              <a:ext uri="{FF2B5EF4-FFF2-40B4-BE49-F238E27FC236}">
+                <a16:creationId xmlns:a16="http://schemas.microsoft.com/office/drawing/2014/main" id="{EC63CD19-1301-807C-6298-F5962135EF2C}"/>
+              </a:ext>
+            </a:extLst>
+          </p:cNvPr>
+          <p:cNvSpPr txBox="1">
+            <a:spLocks/>
           </p:cNvSpPr>
-          <p:nvPr>
-            <p:ph type="title"/>
-          </p:nvPr>
+          <p:nvPr/>
         </p:nvSpPr>
         <p:spPr>
           <a:xfrm>
-            <a:off x="838200" y="365125"/>
-            <a:ext cx="10515600" cy="1325563"/>
+            <a:off x="360001" y="180000"/>
+            <a:ext cx="11473200" cy="756000"/>
           </a:xfrm>
+          <a:prstGeom prst="rect">
+            <a:avLst/>
+          </a:prstGeom>
         </p:spPr>
         <p:txBody>
-          <a:bodyPr>
+          <a:bodyPr vert="horz" lIns="91440" tIns="45720" rIns="91440" bIns="45720" rtlCol="0" anchor="ctr">
             <a:normAutofit/>
           </a:bodyPr>
-          <a:lstStyle/>
-          <a:p>
-            <a:r>
-              <a:rPr lang="ru-RU" sz="4000" dirty="0">
-                <a:solidFill>
-                  <a:srgbClr val="003399"/>
-                </a:solidFill>
-              </a:rPr>
-              <a:t>Жизненный цикл очистки</a:t>
-            </a:r>
-          </a:p>
-        </p:txBody>
-      </p:sp>
+          <a:lstStyle>
+            <a:lvl1pPr algn="l" defTabSz="914400" rtl="0" eaLnBrk="1" latinLnBrk="0" hangingPunct="1">
+              <a:lnSpc>
+                <a:spcPct val="90000"/>
+              </a:lnSpc>
+              <a:spcBef>
+                <a:spcPct val="0"/>
+              </a:spcBef>
+              <a:buNone/>
+              <a:defRPr sz="4400" kern="1200">
+                <a:solidFill>
+                  <a:schemeClr val="tx1"/>
+                </a:solidFill>
+                <a:latin typeface="+mj-lt"/>
+                <a:ea typeface="+mj-ea"/>
+                <a:cs typeface="+mj-cs"/>
+              </a:defRPr>
+            </a:lvl1pPr>
+          </a:lstStyle>
+          <a:p>
+            <a:r>
+              <a:rPr lang="ru-RU" dirty="0">
+                <a:solidFill>
+                  <a:srgbClr val="003399"/>
+                </a:solidFill>
+              </a:rPr>
+              <a:t>Репозитории</a:t>
+            </a:r>
+          </a:p>
+        </p:txBody>
+      </p:sp>
+      <p:pic>
+        <p:nvPicPr>
+          <p:cNvPr id="8" name="Рисунок 7" descr="Изображение выглядит как Графика, дизайн&#10;&#10;Контент, сгенерированный ИИ, может содержать ошибки.">
+            <a:extLst>
+              <a:ext uri="{FF2B5EF4-FFF2-40B4-BE49-F238E27FC236}">
+                <a16:creationId xmlns:a16="http://schemas.microsoft.com/office/drawing/2014/main" id="{61202DF8-6183-8267-0239-E2C16FAD235C}"/>
+              </a:ext>
+            </a:extLst>
+          </p:cNvPr>
+          <p:cNvPicPr>
+            <a:picLocks noChangeAspect="1"/>
+          </p:cNvPicPr>
+          <p:nvPr/>
+        </p:nvPicPr>
+        <p:blipFill>
+          <a:blip r:embed="rId2">
+            <a:extLst>
+              <a:ext uri="{28A0092B-C50C-407E-A947-70E740481C1C}">
+                <a14:useLocalDpi xmlns:a14="http://schemas.microsoft.com/office/drawing/2010/main" val="0"/>
+              </a:ext>
+            </a:extLst>
+          </a:blip>
+          <a:stretch>
+            <a:fillRect/>
+          </a:stretch>
+        </p:blipFill>
+        <p:spPr>
+          <a:xfrm>
+            <a:off x="9435600" y="5778000"/>
+            <a:ext cx="2576469" cy="900000"/>
+          </a:xfrm>
+          <a:prstGeom prst="rect">
+            <a:avLst/>
+          </a:prstGeom>
+        </p:spPr>
+      </p:pic>
     </p:spTree>
     <p:extLst>
       <p:ext uri="{BB962C8B-B14F-4D97-AF65-F5344CB8AC3E}">
-        <p14:creationId xmlns:p14="http://schemas.microsoft.com/office/powerpoint/2010/main" val="1191761672"/>
+        <p14:creationId xmlns:p14="http://schemas.microsoft.com/office/powerpoint/2010/main" val="2667624991"/>
       </p:ext>
     </p:extLst>
   </p:cSld>
@@ -8088,218 +8775,138 @@
       </p:grpSpPr>
       <p:sp>
         <p:nvSpPr>
-          <p:cNvPr id="3" name="Объект 2"/>
-          <p:cNvSpPr>
-            <a:spLocks noGrp="1"/>
+          <p:cNvPr id="3" name="Заголовок 1">
+            <a:extLst>
+              <a:ext uri="{FF2B5EF4-FFF2-40B4-BE49-F238E27FC236}">
+                <a16:creationId xmlns:a16="http://schemas.microsoft.com/office/drawing/2014/main" id="{35BDD962-5903-D3DF-1F3F-3A2AC9FFB967}"/>
+              </a:ext>
+            </a:extLst>
+          </p:cNvPr>
+          <p:cNvSpPr txBox="1">
+            <a:spLocks/>
           </p:cNvSpPr>
-          <p:nvPr>
-            <p:ph idx="1"/>
-          </p:nvPr>
+          <p:nvPr/>
         </p:nvSpPr>
         <p:spPr>
           <a:xfrm>
-            <a:off x="838200" y="1825624"/>
-            <a:ext cx="10515600" cy="4703192"/>
+            <a:off x="360001" y="180000"/>
+            <a:ext cx="11473200" cy="756000"/>
           </a:xfrm>
+          <a:prstGeom prst="rect">
+            <a:avLst/>
+          </a:prstGeom>
         </p:spPr>
         <p:txBody>
-          <a:bodyPr>
+          <a:bodyPr vert="horz" lIns="91440" tIns="45720" rIns="91440" bIns="45720" rtlCol="0" anchor="ctr">
             <a:normAutofit/>
           </a:bodyPr>
-          <a:lstStyle/>
-          <a:p>
-            <a:pPr marL="0" indent="0">
-              <a:buNone/>
-            </a:pPr>
-            <a:r>
-              <a:rPr lang="en-US" dirty="0">
-                <a:solidFill>
-                  <a:srgbClr val="003399"/>
-                </a:solidFill>
-                <a:latin typeface="+mj-lt"/>
-              </a:rPr>
-              <a:t>pre-site – </a:t>
-            </a:r>
-            <a:r>
-              <a:rPr lang="ru-RU" dirty="0">
-                <a:solidFill>
-                  <a:srgbClr val="003399"/>
-                </a:solidFill>
-                <a:latin typeface="+mj-lt"/>
-              </a:rPr>
-              <a:t>выполнить процессы, необходимые до создания сайта проекта</a:t>
-            </a:r>
-          </a:p>
-          <a:p>
-            <a:pPr marL="0" indent="0">
-              <a:buNone/>
-            </a:pPr>
-            <a:endParaRPr lang="en-US" dirty="0">
-              <a:solidFill>
-                <a:srgbClr val="003399"/>
-              </a:solidFill>
-              <a:latin typeface="+mj-lt"/>
-            </a:endParaRPr>
-          </a:p>
-          <a:p>
-            <a:pPr marL="0" indent="0">
-              <a:buNone/>
-            </a:pPr>
-            <a:r>
-              <a:rPr lang="en-US" dirty="0">
-                <a:solidFill>
-                  <a:srgbClr val="003399"/>
-                </a:solidFill>
-                <a:latin typeface="+mj-lt"/>
-              </a:rPr>
-              <a:t>site</a:t>
-            </a:r>
-            <a:r>
-              <a:rPr lang="ru-RU" dirty="0">
-                <a:solidFill>
-                  <a:srgbClr val="003399"/>
-                </a:solidFill>
-                <a:latin typeface="+mj-lt"/>
-              </a:rPr>
-              <a:t> – генерировать сайт проекта</a:t>
-            </a:r>
-          </a:p>
-          <a:p>
-            <a:pPr marL="0" indent="0">
-              <a:buNone/>
-            </a:pPr>
-            <a:endParaRPr lang="en-US" dirty="0">
-              <a:solidFill>
-                <a:srgbClr val="003399"/>
-              </a:solidFill>
-              <a:latin typeface="+mj-lt"/>
-            </a:endParaRPr>
-          </a:p>
-          <a:p>
-            <a:pPr marL="0" indent="0">
-              <a:buNone/>
-            </a:pPr>
-            <a:r>
-              <a:rPr lang="en-US" dirty="0">
-                <a:solidFill>
-                  <a:srgbClr val="003399"/>
-                </a:solidFill>
-                <a:latin typeface="+mj-lt"/>
-              </a:rPr>
-              <a:t>post-site</a:t>
-            </a:r>
-            <a:r>
-              <a:rPr lang="ru-RU" dirty="0">
-                <a:solidFill>
-                  <a:srgbClr val="003399"/>
-                </a:solidFill>
-                <a:latin typeface="+mj-lt"/>
-              </a:rPr>
-              <a:t> – выполнить процессы, необходимые для завершения создания сайта и подготовки к развертыванию сайта</a:t>
-            </a:r>
-            <a:endParaRPr lang="en-US" dirty="0">
-              <a:solidFill>
-                <a:srgbClr val="003399"/>
-              </a:solidFill>
-              <a:latin typeface="+mj-lt"/>
-            </a:endParaRPr>
-          </a:p>
-          <a:p>
-            <a:pPr marL="0" indent="0">
-              <a:buNone/>
-            </a:pPr>
-            <a:endParaRPr lang="en-US" dirty="0">
-              <a:solidFill>
-                <a:srgbClr val="003399"/>
-              </a:solidFill>
-              <a:latin typeface="+mj-lt"/>
-            </a:endParaRPr>
-          </a:p>
-          <a:p>
-            <a:pPr marL="0" indent="0">
-              <a:buNone/>
-            </a:pPr>
-            <a:r>
-              <a:rPr lang="en-US" dirty="0">
-                <a:solidFill>
-                  <a:srgbClr val="003399"/>
-                </a:solidFill>
-                <a:latin typeface="+mj-lt"/>
-              </a:rPr>
-              <a:t>site-deploy</a:t>
-            </a:r>
-            <a:r>
-              <a:rPr lang="ru-RU" dirty="0">
-                <a:solidFill>
-                  <a:srgbClr val="003399"/>
-                </a:solidFill>
-                <a:latin typeface="+mj-lt"/>
-              </a:rPr>
-              <a:t> – развернуть сайт на указанный веб-сервер</a:t>
-            </a:r>
-            <a:endParaRPr lang="en-US" dirty="0">
-              <a:solidFill>
-                <a:srgbClr val="003399"/>
-              </a:solidFill>
-              <a:latin typeface="+mj-lt"/>
-            </a:endParaRPr>
-          </a:p>
-          <a:p>
-            <a:pPr marL="0" indent="0">
-              <a:buNone/>
-            </a:pPr>
-            <a:endParaRPr lang="ru-RU" dirty="0">
-              <a:solidFill>
-                <a:srgbClr val="003399"/>
-              </a:solidFill>
-              <a:latin typeface="+mj-lt"/>
-            </a:endParaRPr>
-          </a:p>
-        </p:txBody>
-      </p:sp>
-      <p:sp>
-        <p:nvSpPr>
-          <p:cNvPr id="4" name="Заголовок 1"/>
-          <p:cNvSpPr>
-            <a:spLocks noGrp="1"/>
-          </p:cNvSpPr>
-          <p:nvPr>
-            <p:ph type="title"/>
-          </p:nvPr>
-        </p:nvSpPr>
+          <a:lstStyle>
+            <a:lvl1pPr algn="l" defTabSz="914400" rtl="0" eaLnBrk="1" latinLnBrk="0" hangingPunct="1">
+              <a:lnSpc>
+                <a:spcPct val="90000"/>
+              </a:lnSpc>
+              <a:spcBef>
+                <a:spcPct val="0"/>
+              </a:spcBef>
+              <a:buNone/>
+              <a:defRPr sz="4400" kern="1200">
+                <a:solidFill>
+                  <a:schemeClr val="tx1"/>
+                </a:solidFill>
+                <a:latin typeface="+mj-lt"/>
+                <a:ea typeface="+mj-ea"/>
+                <a:cs typeface="+mj-cs"/>
+              </a:defRPr>
+            </a:lvl1pPr>
+          </a:lstStyle>
+          <a:p>
+            <a:r>
+              <a:rPr lang="ru-RU" sz="4800" dirty="0">
+                <a:solidFill>
+                  <a:srgbClr val="003399"/>
+                </a:solidFill>
+              </a:rPr>
+              <a:t>Структура проекта</a:t>
+            </a:r>
+          </a:p>
+        </p:txBody>
+      </p:sp>
+      <p:pic>
+        <p:nvPicPr>
+          <p:cNvPr id="7" name="Рисунок 6" descr="Изображение выглядит как текст, снимок экрана, программное обеспечение&#10;&#10;Контент, сгенерированный ИИ, может содержать ошибки.">
+            <a:extLst>
+              <a:ext uri="{FF2B5EF4-FFF2-40B4-BE49-F238E27FC236}">
+                <a16:creationId xmlns:a16="http://schemas.microsoft.com/office/drawing/2014/main" id="{22E3A6FE-A13D-D0C9-443C-1C033EAE77E3}"/>
+              </a:ext>
+            </a:extLst>
+          </p:cNvPr>
+          <p:cNvPicPr>
+            <a:picLocks noChangeAspect="1"/>
+          </p:cNvPicPr>
+          <p:nvPr/>
+        </p:nvPicPr>
+        <p:blipFill>
+          <a:blip r:embed="rId2">
+            <a:extLst>
+              <a:ext uri="{28A0092B-C50C-407E-A947-70E740481C1C}">
+                <a14:useLocalDpi xmlns:a14="http://schemas.microsoft.com/office/drawing/2010/main" val="0"/>
+              </a:ext>
+            </a:extLst>
+          </a:blip>
+          <a:stretch>
+            <a:fillRect/>
+          </a:stretch>
+        </p:blipFill>
         <p:spPr>
           <a:xfrm>
-            <a:off x="838200" y="365125"/>
-            <a:ext cx="10515600" cy="1325563"/>
+            <a:off x="3243227" y="1296000"/>
+            <a:ext cx="5705546" cy="5382000"/>
           </a:xfrm>
+          <a:prstGeom prst="rect">
+            <a:avLst/>
+          </a:prstGeom>
         </p:spPr>
-        <p:txBody>
-          <a:bodyPr/>
-          <a:lstStyle/>
-          <a:p>
-            <a:r>
-              <a:rPr lang="ru-RU" sz="4000" dirty="0">
-                <a:solidFill>
-                  <a:srgbClr val="003399"/>
-                </a:solidFill>
-              </a:rPr>
-              <a:t>Жизненный</a:t>
-            </a:r>
-            <a:r>
-              <a:rPr lang="ru-RU" dirty="0">
-                <a:solidFill>
-                  <a:srgbClr val="003399"/>
-                </a:solidFill>
-              </a:rPr>
-              <a:t> цикл генерации сайта проекта</a:t>
-            </a:r>
-          </a:p>
-        </p:txBody>
-      </p:sp>
+      </p:pic>
+      <p:pic>
+        <p:nvPicPr>
+          <p:cNvPr id="8" name="Рисунок 7" descr="Изображение выглядит как Графика, дизайн&#10;&#10;Контент, сгенерированный ИИ, может содержать ошибки.">
+            <a:extLst>
+              <a:ext uri="{FF2B5EF4-FFF2-40B4-BE49-F238E27FC236}">
+                <a16:creationId xmlns:a16="http://schemas.microsoft.com/office/drawing/2014/main" id="{D4D596E3-0D43-EB63-26DF-A24779600D41}"/>
+              </a:ext>
+            </a:extLst>
+          </p:cNvPr>
+          <p:cNvPicPr>
+            <a:picLocks noChangeAspect="1"/>
+          </p:cNvPicPr>
+          <p:nvPr/>
+        </p:nvPicPr>
+        <p:blipFill>
+          <a:blip r:embed="rId3">
+            <a:extLst>
+              <a:ext uri="{28A0092B-C50C-407E-A947-70E740481C1C}">
+                <a14:useLocalDpi xmlns:a14="http://schemas.microsoft.com/office/drawing/2010/main" val="0"/>
+              </a:ext>
+            </a:extLst>
+          </a:blip>
+          <a:stretch>
+            <a:fillRect/>
+          </a:stretch>
+        </p:blipFill>
+        <p:spPr>
+          <a:xfrm>
+            <a:off x="9435600" y="5778000"/>
+            <a:ext cx="2576469" cy="900000"/>
+          </a:xfrm>
+          <a:prstGeom prst="rect">
+            <a:avLst/>
+          </a:prstGeom>
+        </p:spPr>
+      </p:pic>
     </p:spTree>
     <p:extLst>
       <p:ext uri="{BB962C8B-B14F-4D97-AF65-F5344CB8AC3E}">
-        <p14:creationId xmlns:p14="http://schemas.microsoft.com/office/powerpoint/2010/main" val="3343981259"/>
+        <p14:creationId xmlns:p14="http://schemas.microsoft.com/office/powerpoint/2010/main" val="3933631700"/>
       </p:ext>
     </p:extLst>
   </p:cSld>
@@ -8328,201 +8935,322 @@
       </p:grpSpPr>
       <p:sp>
         <p:nvSpPr>
-          <p:cNvPr id="3" name="Объект 2"/>
-          <p:cNvSpPr>
-            <a:spLocks noGrp="1"/>
+          <p:cNvPr id="4" name="Заголовок 1">
+            <a:extLst>
+              <a:ext uri="{FF2B5EF4-FFF2-40B4-BE49-F238E27FC236}">
+                <a16:creationId xmlns:a16="http://schemas.microsoft.com/office/drawing/2014/main" id="{4F8FC2FC-5A4A-0BCC-5CED-860CB0B829DF}"/>
+              </a:ext>
+            </a:extLst>
+          </p:cNvPr>
+          <p:cNvSpPr txBox="1">
+            <a:spLocks/>
           </p:cNvSpPr>
-          <p:nvPr>
-            <p:ph idx="1"/>
-          </p:nvPr>
+          <p:nvPr/>
         </p:nvSpPr>
         <p:spPr>
           <a:xfrm>
-            <a:off x="838200" y="1825624"/>
-            <a:ext cx="10515600" cy="4703192"/>
+            <a:off x="360001" y="180000"/>
+            <a:ext cx="11473200" cy="756000"/>
           </a:xfrm>
+          <a:prstGeom prst="rect">
+            <a:avLst/>
+          </a:prstGeom>
         </p:spPr>
         <p:txBody>
-          <a:bodyPr>
+          <a:bodyPr vert="horz" lIns="91440" tIns="45720" rIns="91440" bIns="45720" rtlCol="0" anchor="ctr">
             <a:normAutofit/>
           </a:bodyPr>
-          <a:lstStyle/>
-          <a:p>
-            <a:pPr marL="0" indent="0">
-              <a:buNone/>
-            </a:pPr>
-            <a:r>
-              <a:rPr lang="en-US" sz="2000" dirty="0">
-                <a:solidFill>
-                  <a:srgbClr val="003399"/>
-                </a:solidFill>
-                <a:latin typeface="+mj-lt"/>
-              </a:rPr>
-              <a:t>validate – </a:t>
-            </a:r>
-            <a:r>
-              <a:rPr lang="ru-RU" sz="2000" dirty="0">
-                <a:solidFill>
-                  <a:srgbClr val="003399"/>
-                </a:solidFill>
-                <a:latin typeface="+mj-lt"/>
-              </a:rPr>
-              <a:t>проверить доступность всей необходимой информации для сборки проекта</a:t>
-            </a:r>
-            <a:endParaRPr lang="en-US" sz="2000" dirty="0">
+          <a:lstStyle>
+            <a:lvl1pPr algn="l" defTabSz="914400" rtl="0" eaLnBrk="1" latinLnBrk="0" hangingPunct="1">
+              <a:lnSpc>
+                <a:spcPct val="90000"/>
+              </a:lnSpc>
+              <a:spcBef>
+                <a:spcPct val="0"/>
+              </a:spcBef>
+              <a:buNone/>
+              <a:defRPr sz="4400" kern="1200">
+                <a:solidFill>
+                  <a:schemeClr val="tx1"/>
+                </a:solidFill>
+                <a:latin typeface="+mj-lt"/>
+                <a:ea typeface="+mj-ea"/>
+                <a:cs typeface="+mj-cs"/>
+              </a:defRPr>
+            </a:lvl1pPr>
+          </a:lstStyle>
+          <a:p>
+            <a:r>
+              <a:rPr lang="en-US" sz="4800" dirty="0">
+                <a:solidFill>
+                  <a:srgbClr val="003399"/>
+                </a:solidFill>
+              </a:rPr>
+              <a:t>Wrapper</a:t>
+            </a:r>
+            <a:endParaRPr lang="ru-RU" sz="4800" dirty="0">
               <a:solidFill>
                 <a:srgbClr val="003399"/>
               </a:solidFill>
-              <a:latin typeface="+mj-lt"/>
             </a:endParaRPr>
           </a:p>
+        </p:txBody>
+      </p:sp>
+      <p:sp>
+        <p:nvSpPr>
+          <p:cNvPr id="9" name="Объект 2">
+            <a:extLst>
+              <a:ext uri="{FF2B5EF4-FFF2-40B4-BE49-F238E27FC236}">
+                <a16:creationId xmlns:a16="http://schemas.microsoft.com/office/drawing/2014/main" id="{C5FC51A8-3308-7FAA-DFDB-9204E9F1BCCF}"/>
+              </a:ext>
+            </a:extLst>
+          </p:cNvPr>
+          <p:cNvSpPr txBox="1">
+            <a:spLocks/>
+          </p:cNvSpPr>
+          <p:nvPr/>
+        </p:nvSpPr>
+        <p:spPr>
+          <a:xfrm>
+            <a:off x="360000" y="1584000"/>
+            <a:ext cx="11473200" cy="4767200"/>
+          </a:xfrm>
+          <a:prstGeom prst="rect">
+            <a:avLst/>
+          </a:prstGeom>
+        </p:spPr>
+        <p:txBody>
+          <a:bodyPr vert="horz" lIns="91440" tIns="45720" rIns="91440" bIns="45720" rtlCol="0">
+            <a:normAutofit/>
+          </a:bodyPr>
+          <a:lstStyle>
+            <a:lvl1pPr marL="228600" indent="-228600" algn="l" defTabSz="914400" rtl="0" eaLnBrk="1" latinLnBrk="0" hangingPunct="1">
+              <a:lnSpc>
+                <a:spcPct val="90000"/>
+              </a:lnSpc>
+              <a:spcBef>
+                <a:spcPts val="1000"/>
+              </a:spcBef>
+              <a:buFont typeface="Arial" panose="020B0604020202020204" pitchFamily="34" charset="0"/>
+              <a:buChar char="•"/>
+              <a:defRPr sz="2800" kern="1200">
+                <a:solidFill>
+                  <a:schemeClr val="tx1"/>
+                </a:solidFill>
+                <a:latin typeface="+mn-lt"/>
+                <a:ea typeface="+mn-ea"/>
+                <a:cs typeface="+mn-cs"/>
+              </a:defRPr>
+            </a:lvl1pPr>
+            <a:lvl2pPr marL="685800" indent="-228600" algn="l" defTabSz="914400" rtl="0" eaLnBrk="1" latinLnBrk="0" hangingPunct="1">
+              <a:lnSpc>
+                <a:spcPct val="90000"/>
+              </a:lnSpc>
+              <a:spcBef>
+                <a:spcPts val="500"/>
+              </a:spcBef>
+              <a:buFont typeface="Arial" panose="020B0604020202020204" pitchFamily="34" charset="0"/>
+              <a:buChar char="•"/>
+              <a:defRPr sz="2400" kern="1200">
+                <a:solidFill>
+                  <a:schemeClr val="tx1"/>
+                </a:solidFill>
+                <a:latin typeface="+mn-lt"/>
+                <a:ea typeface="+mn-ea"/>
+                <a:cs typeface="+mn-cs"/>
+              </a:defRPr>
+            </a:lvl2pPr>
+            <a:lvl3pPr marL="1143000" indent="-228600" algn="l" defTabSz="914400" rtl="0" eaLnBrk="1" latinLnBrk="0" hangingPunct="1">
+              <a:lnSpc>
+                <a:spcPct val="90000"/>
+              </a:lnSpc>
+              <a:spcBef>
+                <a:spcPts val="500"/>
+              </a:spcBef>
+              <a:buFont typeface="Arial" panose="020B0604020202020204" pitchFamily="34" charset="0"/>
+              <a:buChar char="•"/>
+              <a:defRPr sz="2000" kern="1200">
+                <a:solidFill>
+                  <a:schemeClr val="tx1"/>
+                </a:solidFill>
+                <a:latin typeface="+mn-lt"/>
+                <a:ea typeface="+mn-ea"/>
+                <a:cs typeface="+mn-cs"/>
+              </a:defRPr>
+            </a:lvl3pPr>
+            <a:lvl4pPr marL="1600200" indent="-228600" algn="l" defTabSz="914400" rtl="0" eaLnBrk="1" latinLnBrk="0" hangingPunct="1">
+              <a:lnSpc>
+                <a:spcPct val="90000"/>
+              </a:lnSpc>
+              <a:spcBef>
+                <a:spcPts val="500"/>
+              </a:spcBef>
+              <a:buFont typeface="Arial" panose="020B0604020202020204" pitchFamily="34" charset="0"/>
+              <a:buChar char="•"/>
+              <a:defRPr sz="1800" kern="1200">
+                <a:solidFill>
+                  <a:schemeClr val="tx1"/>
+                </a:solidFill>
+                <a:latin typeface="+mn-lt"/>
+                <a:ea typeface="+mn-ea"/>
+                <a:cs typeface="+mn-cs"/>
+              </a:defRPr>
+            </a:lvl4pPr>
+            <a:lvl5pPr marL="2057400" indent="-228600" algn="l" defTabSz="914400" rtl="0" eaLnBrk="1" latinLnBrk="0" hangingPunct="1">
+              <a:lnSpc>
+                <a:spcPct val="90000"/>
+              </a:lnSpc>
+              <a:spcBef>
+                <a:spcPts val="500"/>
+              </a:spcBef>
+              <a:buFont typeface="Arial" panose="020B0604020202020204" pitchFamily="34" charset="0"/>
+              <a:buChar char="•"/>
+              <a:defRPr sz="1800" kern="1200">
+                <a:solidFill>
+                  <a:schemeClr val="tx1"/>
+                </a:solidFill>
+                <a:latin typeface="+mn-lt"/>
+                <a:ea typeface="+mn-ea"/>
+                <a:cs typeface="+mn-cs"/>
+              </a:defRPr>
+            </a:lvl5pPr>
+            <a:lvl6pPr marL="2514600" indent="-228600" algn="l" defTabSz="914400" rtl="0" eaLnBrk="1" latinLnBrk="0" hangingPunct="1">
+              <a:lnSpc>
+                <a:spcPct val="90000"/>
+              </a:lnSpc>
+              <a:spcBef>
+                <a:spcPts val="500"/>
+              </a:spcBef>
+              <a:buFont typeface="Arial" panose="020B0604020202020204" pitchFamily="34" charset="0"/>
+              <a:buChar char="•"/>
+              <a:defRPr sz="1800" kern="1200">
+                <a:solidFill>
+                  <a:schemeClr val="tx1"/>
+                </a:solidFill>
+                <a:latin typeface="+mn-lt"/>
+                <a:ea typeface="+mn-ea"/>
+                <a:cs typeface="+mn-cs"/>
+              </a:defRPr>
+            </a:lvl6pPr>
+            <a:lvl7pPr marL="2971800" indent="-228600" algn="l" defTabSz="914400" rtl="0" eaLnBrk="1" latinLnBrk="0" hangingPunct="1">
+              <a:lnSpc>
+                <a:spcPct val="90000"/>
+              </a:lnSpc>
+              <a:spcBef>
+                <a:spcPts val="500"/>
+              </a:spcBef>
+              <a:buFont typeface="Arial" panose="020B0604020202020204" pitchFamily="34" charset="0"/>
+              <a:buChar char="•"/>
+              <a:defRPr sz="1800" kern="1200">
+                <a:solidFill>
+                  <a:schemeClr val="tx1"/>
+                </a:solidFill>
+                <a:latin typeface="+mn-lt"/>
+                <a:ea typeface="+mn-ea"/>
+                <a:cs typeface="+mn-cs"/>
+              </a:defRPr>
+            </a:lvl7pPr>
+            <a:lvl8pPr marL="3429000" indent="-228600" algn="l" defTabSz="914400" rtl="0" eaLnBrk="1" latinLnBrk="0" hangingPunct="1">
+              <a:lnSpc>
+                <a:spcPct val="90000"/>
+              </a:lnSpc>
+              <a:spcBef>
+                <a:spcPts val="500"/>
+              </a:spcBef>
+              <a:buFont typeface="Arial" panose="020B0604020202020204" pitchFamily="34" charset="0"/>
+              <a:buChar char="•"/>
+              <a:defRPr sz="1800" kern="1200">
+                <a:solidFill>
+                  <a:schemeClr val="tx1"/>
+                </a:solidFill>
+                <a:latin typeface="+mn-lt"/>
+                <a:ea typeface="+mn-ea"/>
+                <a:cs typeface="+mn-cs"/>
+              </a:defRPr>
+            </a:lvl8pPr>
+            <a:lvl9pPr marL="3886200" indent="-228600" algn="l" defTabSz="914400" rtl="0" eaLnBrk="1" latinLnBrk="0" hangingPunct="1">
+              <a:lnSpc>
+                <a:spcPct val="90000"/>
+              </a:lnSpc>
+              <a:spcBef>
+                <a:spcPts val="500"/>
+              </a:spcBef>
+              <a:buFont typeface="Arial" panose="020B0604020202020204" pitchFamily="34" charset="0"/>
+              <a:buChar char="•"/>
+              <a:defRPr sz="1800" kern="1200">
+                <a:solidFill>
+                  <a:schemeClr val="tx1"/>
+                </a:solidFill>
+                <a:latin typeface="+mn-lt"/>
+                <a:ea typeface="+mn-ea"/>
+                <a:cs typeface="+mn-cs"/>
+              </a:defRPr>
+            </a:lvl9pPr>
+          </a:lstStyle>
           <a:p>
             <a:pPr marL="0" indent="0">
               <a:buNone/>
             </a:pPr>
             <a:r>
-              <a:rPr lang="en-US" sz="2000" dirty="0">
-                <a:solidFill>
-                  <a:srgbClr val="003399"/>
-                </a:solidFill>
-                <a:latin typeface="+mj-lt"/>
-              </a:rPr>
-              <a:t>compile</a:t>
-            </a:r>
-            <a:r>
-              <a:rPr lang="ru-RU" sz="2000" dirty="0">
-                <a:solidFill>
-                  <a:srgbClr val="003399"/>
-                </a:solidFill>
-                <a:latin typeface="+mj-lt"/>
-              </a:rPr>
-              <a:t> – скомпилировать исходный код</a:t>
-            </a:r>
-            <a:endParaRPr lang="en-US" sz="2000" dirty="0">
+              <a:rPr lang="ru-RU" sz="2400" i="0" dirty="0">
+                <a:solidFill>
+                  <a:srgbClr val="003399"/>
+                </a:solidFill>
+                <a:effectLst/>
+              </a:rPr>
+              <a:t>Это скрипт, который запускает задачи </a:t>
+            </a:r>
+            <a:r>
+              <a:rPr lang="en" sz="2400" i="0" dirty="0">
+                <a:solidFill>
+                  <a:srgbClr val="003399"/>
+                </a:solidFill>
+                <a:effectLst/>
+              </a:rPr>
+              <a:t>Gradle </a:t>
+            </a:r>
+            <a:r>
+              <a:rPr lang="ru-RU" sz="2400" i="0" dirty="0">
+                <a:solidFill>
+                  <a:srgbClr val="003399"/>
+                </a:solidFill>
+                <a:effectLst/>
+              </a:rPr>
+              <a:t>с объявленной версией . Если объявленная версия не установлена, </a:t>
+            </a:r>
+            <a:r>
+              <a:rPr lang="en" sz="2400" i="0" dirty="0">
+                <a:solidFill>
+                  <a:srgbClr val="003399"/>
+                </a:solidFill>
+                <a:effectLst/>
+              </a:rPr>
+              <a:t>Wrapper </a:t>
+            </a:r>
+            <a:r>
+              <a:rPr lang="ru-RU" sz="2400" i="0" dirty="0">
+                <a:solidFill>
+                  <a:srgbClr val="003399"/>
+                </a:solidFill>
+                <a:effectLst/>
+              </a:rPr>
+              <a:t>устанавливает требуемую.</a:t>
+            </a:r>
+            <a:endParaRPr lang="en-US" sz="2400" i="0" dirty="0">
               <a:solidFill>
                 <a:srgbClr val="003399"/>
               </a:solidFill>
-              <a:latin typeface="+mj-lt"/>
+              <a:effectLst/>
             </a:endParaRPr>
           </a:p>
           <a:p>
             <a:pPr marL="0" indent="0">
               <a:buNone/>
             </a:pPr>
-            <a:r>
-              <a:rPr lang="en-US" sz="2000" dirty="0">
-                <a:solidFill>
-                  <a:srgbClr val="003399"/>
-                </a:solidFill>
-                <a:latin typeface="+mj-lt"/>
-              </a:rPr>
-              <a:t>test-compile</a:t>
-            </a:r>
-            <a:r>
-              <a:rPr lang="ru-RU" sz="2000" dirty="0">
-                <a:solidFill>
-                  <a:srgbClr val="003399"/>
-                </a:solidFill>
-                <a:latin typeface="+mj-lt"/>
-              </a:rPr>
-              <a:t> – скомпилировать исходный код тестов</a:t>
-            </a:r>
-          </a:p>
-          <a:p>
-            <a:pPr marL="0" indent="0">
-              <a:buNone/>
-            </a:pPr>
-            <a:r>
-              <a:rPr lang="en-US" sz="2000" dirty="0">
-                <a:solidFill>
-                  <a:srgbClr val="003399"/>
-                </a:solidFill>
-                <a:latin typeface="+mj-lt"/>
-              </a:rPr>
-              <a:t>test – </a:t>
-            </a:r>
-            <a:r>
-              <a:rPr lang="ru-RU" sz="2000" dirty="0">
-                <a:solidFill>
-                  <a:srgbClr val="003399"/>
-                </a:solidFill>
-                <a:latin typeface="+mj-lt"/>
-              </a:rPr>
-              <a:t>запустить </a:t>
-            </a:r>
-            <a:r>
-              <a:rPr lang="en-US" sz="2000" dirty="0">
-                <a:solidFill>
-                  <a:srgbClr val="003399"/>
-                </a:solidFill>
-                <a:latin typeface="+mj-lt"/>
-              </a:rPr>
-              <a:t>unit</a:t>
-            </a:r>
-            <a:r>
-              <a:rPr lang="ru-RU" sz="2000" dirty="0">
-                <a:solidFill>
-                  <a:srgbClr val="003399"/>
-                </a:solidFill>
-                <a:latin typeface="+mj-lt"/>
-              </a:rPr>
-              <a:t>-тесты</a:t>
-            </a:r>
-          </a:p>
-          <a:p>
-            <a:pPr marL="0" indent="0">
-              <a:buNone/>
-            </a:pPr>
-            <a:r>
-              <a:rPr lang="en-US" sz="2000" dirty="0">
-                <a:solidFill>
-                  <a:srgbClr val="003399"/>
-                </a:solidFill>
-                <a:latin typeface="+mj-lt"/>
-              </a:rPr>
-              <a:t>package – </a:t>
-            </a:r>
-            <a:r>
-              <a:rPr lang="ru-RU" sz="2000" dirty="0">
-                <a:solidFill>
-                  <a:srgbClr val="003399"/>
-                </a:solidFill>
-                <a:latin typeface="+mj-lt"/>
-              </a:rPr>
-              <a:t>упаковать скомпилированный исходный код в необходимый формат (</a:t>
-            </a:r>
-            <a:r>
-              <a:rPr lang="en-US" sz="2000" dirty="0">
-                <a:solidFill>
-                  <a:srgbClr val="003399"/>
-                </a:solidFill>
-                <a:latin typeface="+mj-lt"/>
-              </a:rPr>
-              <a:t>war, jar </a:t>
-            </a:r>
-            <a:r>
-              <a:rPr lang="ru-RU" sz="2000" dirty="0">
-                <a:solidFill>
-                  <a:srgbClr val="003399"/>
-                </a:solidFill>
-                <a:latin typeface="+mj-lt"/>
-              </a:rPr>
-              <a:t>и т.д.)</a:t>
-            </a:r>
-            <a:r>
-              <a:rPr lang="en-US" sz="2000" dirty="0">
-                <a:solidFill>
-                  <a:srgbClr val="003399"/>
-                </a:solidFill>
-                <a:latin typeface="+mj-lt"/>
-              </a:rPr>
-              <a:t> </a:t>
-            </a:r>
-            <a:endParaRPr lang="ru-RU" sz="2000" dirty="0">
+            <a:endParaRPr lang="en-US" sz="2400" dirty="0">
               <a:solidFill>
                 <a:srgbClr val="003399"/>
               </a:solidFill>
-              <a:latin typeface="+mj-lt"/>
             </a:endParaRPr>
           </a:p>
           <a:p>
@@ -8530,156 +9258,226 @@
               <a:buNone/>
             </a:pPr>
             <a:r>
-              <a:rPr lang="en-US" sz="2000" dirty="0">
-                <a:solidFill>
-                  <a:srgbClr val="003399"/>
-                </a:solidFill>
-                <a:latin typeface="+mj-lt"/>
-              </a:rPr>
-              <a:t>integration-test – </a:t>
-            </a:r>
-            <a:r>
-              <a:rPr lang="ru-RU" sz="2000" dirty="0">
-                <a:solidFill>
-                  <a:srgbClr val="003399"/>
-                </a:solidFill>
-                <a:latin typeface="+mj-lt"/>
-              </a:rPr>
-              <a:t>развернуть пакет для запуска интеграционных тестов</a:t>
+              <a:rPr lang="ru-RU" sz="2400" dirty="0">
+                <a:solidFill>
+                  <a:srgbClr val="003399"/>
+                </a:solidFill>
+              </a:rPr>
+              <a:t>Преимущества</a:t>
+            </a:r>
+          </a:p>
+          <a:p>
+            <a:pPr algn="l">
+              <a:spcAft>
+                <a:spcPts val="750"/>
+              </a:spcAft>
+              <a:buFont typeface="Системный шрифт, обычный"/>
+              <a:buChar char="−"/>
+            </a:pPr>
+            <a:r>
+              <a:rPr lang="ru-RU" sz="2400" i="0" dirty="0">
+                <a:solidFill>
+                  <a:srgbClr val="003399"/>
+                </a:solidFill>
+                <a:effectLst/>
+              </a:rPr>
+              <a:t>создание проектов с помощью </a:t>
+            </a:r>
+            <a:r>
+              <a:rPr lang="en" sz="2400" i="0" dirty="0">
+                <a:solidFill>
+                  <a:srgbClr val="003399"/>
+                </a:solidFill>
+                <a:effectLst/>
+              </a:rPr>
+              <a:t>Wrapper </a:t>
+            </a:r>
+            <a:r>
+              <a:rPr lang="ru-RU" sz="2400" dirty="0">
+                <a:solidFill>
+                  <a:srgbClr val="003399"/>
+                </a:solidFill>
+              </a:rPr>
+              <a:t>локально позволяет вам предварительно не устанавливать </a:t>
+            </a:r>
+            <a:r>
+              <a:rPr lang="en-US" sz="2400" dirty="0">
+                <a:solidFill>
+                  <a:srgbClr val="003399"/>
+                </a:solidFill>
+              </a:rPr>
+              <a:t>Gradle</a:t>
+            </a:r>
+            <a:endParaRPr lang="en" sz="2400" i="0" dirty="0">
+              <a:solidFill>
+                <a:srgbClr val="003399"/>
+              </a:solidFill>
+              <a:effectLst/>
+            </a:endParaRPr>
+          </a:p>
+          <a:p>
+            <a:pPr algn="l">
+              <a:spcAft>
+                <a:spcPts val="750"/>
+              </a:spcAft>
+              <a:buFont typeface="Системный шрифт, обычный"/>
+              <a:buChar char="−"/>
+            </a:pPr>
+            <a:r>
+              <a:rPr lang="ru-RU" sz="2400" i="0" dirty="0">
+                <a:solidFill>
+                  <a:srgbClr val="003399"/>
+                </a:solidFill>
+                <a:effectLst/>
+              </a:rPr>
+              <a:t>у каждого участника команды и на конвейерах </a:t>
+            </a:r>
+            <a:r>
+              <a:rPr lang="en-US" sz="2400" i="0" dirty="0">
+                <a:solidFill>
+                  <a:srgbClr val="003399"/>
+                </a:solidFill>
+                <a:effectLst/>
+              </a:rPr>
+              <a:t>CI</a:t>
+            </a:r>
+            <a:r>
+              <a:rPr lang="ru-RU" sz="2400" i="0" dirty="0">
+                <a:solidFill>
+                  <a:srgbClr val="003399"/>
+                </a:solidFill>
+                <a:effectLst/>
+              </a:rPr>
+              <a:t> проект собирается под одной и той же верси</a:t>
+            </a:r>
+            <a:r>
+              <a:rPr lang="ru-RU" sz="2400" dirty="0">
+                <a:solidFill>
+                  <a:srgbClr val="003399"/>
+                </a:solidFill>
+              </a:rPr>
+              <a:t>ей </a:t>
+            </a:r>
+            <a:r>
+              <a:rPr lang="en-US" sz="2400" dirty="0">
+                <a:solidFill>
+                  <a:srgbClr val="003399"/>
+                </a:solidFill>
+              </a:rPr>
+              <a:t>Gradle</a:t>
+            </a:r>
+            <a:endParaRPr lang="en" sz="2400" i="0" dirty="0">
+              <a:solidFill>
+                <a:srgbClr val="003399"/>
+              </a:solidFill>
+              <a:effectLst/>
+            </a:endParaRPr>
+          </a:p>
+          <a:p>
+            <a:pPr algn="l">
+              <a:spcAft>
+                <a:spcPts val="750"/>
+              </a:spcAft>
+              <a:buFont typeface="Системный шрифт, обычный"/>
+              <a:buChar char="−"/>
+            </a:pPr>
+            <a:r>
+              <a:rPr lang="ru-RU" sz="2400" dirty="0">
+                <a:solidFill>
+                  <a:srgbClr val="003399"/>
+                </a:solidFill>
+              </a:rPr>
+              <a:t>л</a:t>
+            </a:r>
+            <a:r>
+              <a:rPr lang="ru-RU" sz="2400" i="0" dirty="0">
+                <a:solidFill>
+                  <a:srgbClr val="003399"/>
+                </a:solidFill>
+                <a:effectLst/>
+              </a:rPr>
+              <a:t>егкое обновление до новой версии </a:t>
+            </a:r>
+            <a:r>
+              <a:rPr lang="en" sz="2400" i="0" dirty="0">
+                <a:solidFill>
+                  <a:srgbClr val="003399"/>
+                </a:solidFill>
+                <a:effectLst/>
+              </a:rPr>
+              <a:t>Gradle </a:t>
+            </a:r>
+            <a:r>
+              <a:rPr lang="ru-RU" sz="2400" i="0" dirty="0">
+                <a:solidFill>
+                  <a:srgbClr val="003399"/>
+                </a:solidFill>
+                <a:effectLst/>
+              </a:rPr>
+              <a:t>путем изменения настроек </a:t>
+            </a:r>
+            <a:r>
+              <a:rPr lang="en" sz="2400" i="0" dirty="0">
+                <a:solidFill>
+                  <a:srgbClr val="003399"/>
+                </a:solidFill>
+                <a:effectLst/>
+              </a:rPr>
+              <a:t>Wrapper</a:t>
             </a:r>
           </a:p>
           <a:p>
             <a:pPr marL="0" indent="0">
               <a:buNone/>
             </a:pPr>
-            <a:r>
-              <a:rPr lang="en-US" sz="2000" dirty="0">
-                <a:solidFill>
-                  <a:srgbClr val="003399"/>
-                </a:solidFill>
-                <a:latin typeface="+mj-lt"/>
-              </a:rPr>
-              <a:t>verify – </a:t>
-            </a:r>
-            <a:r>
-              <a:rPr lang="ru-RU" sz="2000" dirty="0">
-                <a:solidFill>
-                  <a:srgbClr val="003399"/>
-                </a:solidFill>
-                <a:latin typeface="+mj-lt"/>
-              </a:rPr>
-              <a:t>проверить собранный пакет на работоспособность</a:t>
-            </a:r>
-          </a:p>
-          <a:p>
-            <a:pPr marL="0" indent="0">
-              <a:buNone/>
-            </a:pPr>
-            <a:r>
-              <a:rPr lang="en-US" sz="2000" dirty="0">
-                <a:solidFill>
-                  <a:srgbClr val="003399"/>
-                </a:solidFill>
-                <a:latin typeface="+mj-lt"/>
-              </a:rPr>
-              <a:t>install – </a:t>
-            </a:r>
-            <a:r>
-              <a:rPr lang="ru-RU" sz="2000" dirty="0">
-                <a:solidFill>
-                  <a:srgbClr val="003399"/>
-                </a:solidFill>
-                <a:latin typeface="+mj-lt"/>
-              </a:rPr>
-              <a:t>установить проект в локальный репозиторий </a:t>
-            </a:r>
-          </a:p>
-          <a:p>
-            <a:pPr marL="0" indent="0">
-              <a:buNone/>
-            </a:pPr>
-            <a:r>
-              <a:rPr lang="en-US" sz="2000" dirty="0">
-                <a:solidFill>
-                  <a:srgbClr val="003399"/>
-                </a:solidFill>
-                <a:latin typeface="+mj-lt"/>
-              </a:rPr>
-              <a:t>deploy – </a:t>
-            </a:r>
-            <a:r>
-              <a:rPr lang="ru-RU" sz="2000" dirty="0">
-                <a:solidFill>
-                  <a:srgbClr val="003399"/>
-                </a:solidFill>
-                <a:latin typeface="+mj-lt"/>
-              </a:rPr>
-              <a:t>копировать полностью проверенный пакет в удаленный репозиторий (откуда потом может быть доставлен до </a:t>
-            </a:r>
-            <a:r>
-              <a:rPr lang="en-US" sz="2000" dirty="0">
-                <a:solidFill>
-                  <a:srgbClr val="003399"/>
-                </a:solidFill>
-                <a:latin typeface="+mj-lt"/>
-              </a:rPr>
-              <a:t>web-</a:t>
-            </a:r>
-            <a:r>
-              <a:rPr lang="ru-RU" sz="2000" dirty="0">
-                <a:solidFill>
-                  <a:srgbClr val="003399"/>
-                </a:solidFill>
-                <a:latin typeface="+mj-lt"/>
-              </a:rPr>
-              <a:t>сервера и развернут там)</a:t>
-            </a:r>
-          </a:p>
-        </p:txBody>
-      </p:sp>
-      <p:sp>
-        <p:nvSpPr>
-          <p:cNvPr id="4" name="Заголовок 1"/>
-          <p:cNvSpPr>
-            <a:spLocks noGrp="1"/>
-          </p:cNvSpPr>
-          <p:nvPr>
-            <p:ph type="title"/>
-          </p:nvPr>
-        </p:nvSpPr>
+            <a:endParaRPr lang="en-US" sz="2400" dirty="0">
+              <a:solidFill>
+                <a:srgbClr val="003399"/>
+              </a:solidFill>
+            </a:endParaRPr>
+          </a:p>
+        </p:txBody>
+      </p:sp>
+      <p:pic>
+        <p:nvPicPr>
+          <p:cNvPr id="10" name="Рисунок 9" descr="Изображение выглядит как Графика, дизайн&#10;&#10;Контент, сгенерированный ИИ, может содержать ошибки.">
+            <a:extLst>
+              <a:ext uri="{FF2B5EF4-FFF2-40B4-BE49-F238E27FC236}">
+                <a16:creationId xmlns:a16="http://schemas.microsoft.com/office/drawing/2014/main" id="{A4A3739F-F486-8DB6-E785-D4101ED7B162}"/>
+              </a:ext>
+            </a:extLst>
+          </p:cNvPr>
+          <p:cNvPicPr>
+            <a:picLocks noChangeAspect="1"/>
+          </p:cNvPicPr>
+          <p:nvPr/>
+        </p:nvPicPr>
+        <p:blipFill>
+          <a:blip r:embed="rId2">
+            <a:extLst>
+              <a:ext uri="{28A0092B-C50C-407E-A947-70E740481C1C}">
+                <a14:useLocalDpi xmlns:a14="http://schemas.microsoft.com/office/drawing/2010/main" val="0"/>
+              </a:ext>
+            </a:extLst>
+          </a:blip>
+          <a:stretch>
+            <a:fillRect/>
+          </a:stretch>
+        </p:blipFill>
         <p:spPr>
           <a:xfrm>
-            <a:off x="838200" y="365125"/>
-            <a:ext cx="10515600" cy="1325563"/>
+            <a:off x="9435600" y="5778000"/>
+            <a:ext cx="2576469" cy="900000"/>
           </a:xfrm>
+          <a:prstGeom prst="rect">
+            <a:avLst/>
+          </a:prstGeom>
         </p:spPr>
-        <p:txBody>
-          <a:bodyPr/>
-          <a:lstStyle/>
-          <a:p>
-            <a:r>
-              <a:rPr lang="ru-RU" sz="4000" dirty="0">
-                <a:solidFill>
-                  <a:srgbClr val="003399"/>
-                </a:solidFill>
-              </a:rPr>
-              <a:t>Жизненный</a:t>
-            </a:r>
-            <a:r>
-              <a:rPr lang="ru-RU" dirty="0">
-                <a:solidFill>
-                  <a:srgbClr val="003399"/>
-                </a:solidFill>
-              </a:rPr>
-              <a:t> цикл по умолчанию</a:t>
-            </a:r>
-          </a:p>
-        </p:txBody>
-      </p:sp>
+      </p:pic>
     </p:spTree>
     <p:extLst>
       <p:ext uri="{BB962C8B-B14F-4D97-AF65-F5344CB8AC3E}">
-        <p14:creationId xmlns:p14="http://schemas.microsoft.com/office/powerpoint/2010/main" val="65236914"/>
+        <p14:creationId xmlns:p14="http://schemas.microsoft.com/office/powerpoint/2010/main" val="30268978"/>
       </p:ext>
     </p:extLst>
   </p:cSld>
@@ -8708,329 +9506,66 @@
       </p:grpSpPr>
       <p:sp>
         <p:nvSpPr>
-          <p:cNvPr id="3" name="Объект 2"/>
-          <p:cNvSpPr>
-            <a:spLocks noGrp="1"/>
+          <p:cNvPr id="3" name="Заголовок 1">
+            <a:extLst>
+              <a:ext uri="{FF2B5EF4-FFF2-40B4-BE49-F238E27FC236}">
+                <a16:creationId xmlns:a16="http://schemas.microsoft.com/office/drawing/2014/main" id="{A58000F5-7B41-5FF5-B7CD-71E0F27CC5B7}"/>
+              </a:ext>
+            </a:extLst>
+          </p:cNvPr>
+          <p:cNvSpPr txBox="1">
+            <a:spLocks/>
           </p:cNvSpPr>
-          <p:nvPr>
-            <p:ph idx="1"/>
-          </p:nvPr>
+          <p:nvPr/>
         </p:nvSpPr>
         <p:spPr>
           <a:xfrm>
-            <a:off x="838200" y="1825624"/>
-            <a:ext cx="10515600" cy="4703192"/>
+            <a:off x="360001" y="180000"/>
+            <a:ext cx="11473200" cy="756000"/>
           </a:xfrm>
+          <a:prstGeom prst="rect">
+            <a:avLst/>
+          </a:prstGeom>
         </p:spPr>
         <p:txBody>
-          <a:bodyPr>
+          <a:bodyPr vert="horz" lIns="91440" tIns="45720" rIns="91440" bIns="45720" rtlCol="0" anchor="ctr">
             <a:normAutofit/>
           </a:bodyPr>
-          <a:lstStyle/>
-          <a:p>
-            <a:pPr marL="0" indent="0">
-              <a:buNone/>
-            </a:pPr>
-            <a:r>
-              <a:rPr lang="en-US" sz="2000" dirty="0">
-                <a:solidFill>
-                  <a:srgbClr val="003399"/>
-                </a:solidFill>
-                <a:latin typeface="+mj-lt"/>
-              </a:rPr>
-              <a:t>	</a:t>
-            </a:r>
+          <a:lstStyle>
+            <a:lvl1pPr algn="l" defTabSz="914400" rtl="0" eaLnBrk="1" latinLnBrk="0" hangingPunct="1">
+              <a:lnSpc>
+                <a:spcPct val="90000"/>
+              </a:lnSpc>
+              <a:spcBef>
+                <a:spcPct val="0"/>
+              </a:spcBef>
+              <a:buNone/>
+              <a:defRPr sz="4400" kern="1200">
+                <a:solidFill>
+                  <a:schemeClr val="tx1"/>
+                </a:solidFill>
+                <a:latin typeface="+mj-lt"/>
+                <a:ea typeface="+mj-ea"/>
+                <a:cs typeface="+mj-cs"/>
+              </a:defRPr>
+            </a:lvl1pPr>
+          </a:lstStyle>
+          <a:p>
             <a:r>
               <a:rPr lang="ru-RU" dirty="0">
                 <a:solidFill>
                   <a:srgbClr val="003399"/>
                 </a:solidFill>
-                <a:latin typeface="+mj-lt"/>
-              </a:rPr>
-              <a:t>На самом деле, когда мы даем команду на выполнение какой-то фазы, выполняется не сама фаза, а конкретные цели, которые в ней заложены. То есть, исполняемыми «методами являются именно цели».</a:t>
-            </a:r>
-          </a:p>
-          <a:p>
-            <a:pPr marL="0" indent="0">
-              <a:buNone/>
-            </a:pPr>
-            <a:r>
-              <a:rPr lang="ru-RU" sz="2000" dirty="0">
-                <a:solidFill>
-                  <a:srgbClr val="003399"/>
-                </a:solidFill>
-                <a:latin typeface="+mj-lt"/>
-              </a:rPr>
-              <a:t>	</a:t>
-            </a:r>
-            <a:r>
-              <a:rPr lang="ru-RU" dirty="0">
-                <a:solidFill>
-                  <a:srgbClr val="003399"/>
-                </a:solidFill>
-                <a:latin typeface="+mj-lt"/>
-              </a:rPr>
-              <a:t>Например, есть фаза </a:t>
+              </a:rPr>
+              <a:t>Настройки </a:t>
             </a:r>
             <a:r>
               <a:rPr lang="en-US" dirty="0">
                 <a:solidFill>
                   <a:srgbClr val="003399"/>
                 </a:solidFill>
-                <a:latin typeface="+mj-lt"/>
-              </a:rPr>
-              <a:t>Maven site</a:t>
-            </a:r>
-            <a:r>
-              <a:rPr lang="ru-RU" dirty="0">
-                <a:solidFill>
-                  <a:srgbClr val="003399"/>
-                </a:solidFill>
-                <a:latin typeface="+mj-lt"/>
-              </a:rPr>
-              <a:t>, мы можем ее вызвать командой</a:t>
-            </a:r>
-            <a:r>
-              <a:rPr lang="en-US" dirty="0">
-                <a:solidFill>
-                  <a:srgbClr val="003399"/>
-                </a:solidFill>
-                <a:latin typeface="+mj-lt"/>
-              </a:rPr>
-              <a:t> </a:t>
-            </a:r>
-            <a:r>
-              <a:rPr lang="en-US" b="1" dirty="0" err="1">
-                <a:solidFill>
-                  <a:srgbClr val="003399"/>
-                </a:solidFill>
-                <a:latin typeface="+mj-lt"/>
-              </a:rPr>
-              <a:t>mvn</a:t>
-            </a:r>
-            <a:r>
-              <a:rPr lang="en-US" b="1" dirty="0">
-                <a:solidFill>
-                  <a:srgbClr val="003399"/>
-                </a:solidFill>
-                <a:latin typeface="+mj-lt"/>
-              </a:rPr>
-              <a:t> site</a:t>
-            </a:r>
-            <a:r>
-              <a:rPr lang="ru-RU" dirty="0">
-                <a:solidFill>
-                  <a:srgbClr val="003399"/>
-                </a:solidFill>
-                <a:latin typeface="+mj-lt"/>
-              </a:rPr>
-              <a:t>,</a:t>
-            </a:r>
-            <a:r>
-              <a:rPr lang="ru-RU" b="1" dirty="0">
-                <a:solidFill>
-                  <a:srgbClr val="003399"/>
-                </a:solidFill>
-                <a:latin typeface="+mj-lt"/>
-              </a:rPr>
-              <a:t> </a:t>
-            </a:r>
-            <a:r>
-              <a:rPr lang="ru-RU" dirty="0">
-                <a:solidFill>
-                  <a:srgbClr val="003399"/>
-                </a:solidFill>
-                <a:latin typeface="+mj-lt"/>
-              </a:rPr>
-              <a:t>но на самом деле выполняется цель этой фазы, которая выглядит так </a:t>
-            </a:r>
-            <a:r>
-              <a:rPr lang="en-US" b="1" dirty="0" err="1">
-                <a:solidFill>
-                  <a:srgbClr val="003399"/>
-                </a:solidFill>
-                <a:latin typeface="+mj-lt"/>
-              </a:rPr>
-              <a:t>mvn</a:t>
-            </a:r>
-            <a:r>
-              <a:rPr lang="en-US" b="1" dirty="0">
-                <a:solidFill>
-                  <a:srgbClr val="003399"/>
-                </a:solidFill>
-                <a:latin typeface="+mj-lt"/>
-              </a:rPr>
-              <a:t> </a:t>
-            </a:r>
-            <a:r>
-              <a:rPr lang="en-US" b="1" dirty="0" err="1">
-                <a:solidFill>
-                  <a:srgbClr val="003399"/>
-                </a:solidFill>
-                <a:latin typeface="+mj-lt"/>
-              </a:rPr>
-              <a:t>site:site</a:t>
-            </a:r>
-            <a:endParaRPr lang="en-US" b="1" dirty="0">
-              <a:solidFill>
-                <a:srgbClr val="003399"/>
-              </a:solidFill>
-              <a:latin typeface="+mj-lt"/>
-            </a:endParaRPr>
-          </a:p>
-          <a:p>
-            <a:pPr marL="0" indent="0">
-              <a:buNone/>
-            </a:pPr>
-            <a:r>
-              <a:rPr lang="en-US" sz="2000" b="1" dirty="0">
-                <a:solidFill>
-                  <a:srgbClr val="003399"/>
-                </a:solidFill>
-                <a:latin typeface="+mj-lt"/>
-              </a:rPr>
-              <a:t>	</a:t>
-            </a:r>
-            <a:r>
-              <a:rPr lang="ru-RU" dirty="0">
-                <a:solidFill>
-                  <a:srgbClr val="003399"/>
-                </a:solidFill>
-                <a:latin typeface="+mj-lt"/>
-              </a:rPr>
-              <a:t>Давайте подведем итог: сами фазы – это обертка, для выполнения команд используются цели. А посмотреть, какие цели закреплены за каждой фазой мы можем командой </a:t>
-            </a:r>
-            <a:br>
-              <a:rPr lang="ru-RU" dirty="0">
-                <a:solidFill>
-                  <a:srgbClr val="003399"/>
-                </a:solidFill>
-                <a:latin typeface="+mj-lt"/>
-              </a:rPr>
-            </a:br>
-            <a:r>
-              <a:rPr lang="ru-RU" dirty="0">
-                <a:solidFill>
-                  <a:srgbClr val="003399"/>
-                </a:solidFill>
-                <a:latin typeface="+mj-lt"/>
-              </a:rPr>
-              <a:t>	</a:t>
-            </a:r>
-            <a:r>
-              <a:rPr lang="en-US" b="1" dirty="0" err="1">
-                <a:solidFill>
-                  <a:srgbClr val="003399"/>
-                </a:solidFill>
-                <a:latin typeface="+mj-lt"/>
-              </a:rPr>
-              <a:t>mvn</a:t>
-            </a:r>
-            <a:r>
-              <a:rPr lang="en-US" b="1" dirty="0">
-                <a:solidFill>
-                  <a:srgbClr val="003399"/>
-                </a:solidFill>
-                <a:latin typeface="+mj-lt"/>
-              </a:rPr>
-              <a:t> </a:t>
-            </a:r>
-            <a:r>
-              <a:rPr lang="en-US" b="1" dirty="0" err="1">
-                <a:solidFill>
-                  <a:srgbClr val="003399"/>
-                </a:solidFill>
-                <a:latin typeface="+mj-lt"/>
-              </a:rPr>
-              <a:t>help:describe</a:t>
-            </a:r>
-            <a:r>
-              <a:rPr lang="en-US" b="1" dirty="0">
-                <a:solidFill>
-                  <a:srgbClr val="003399"/>
-                </a:solidFill>
-                <a:latin typeface="+mj-lt"/>
-              </a:rPr>
-              <a:t> -</a:t>
-            </a:r>
-            <a:r>
-              <a:rPr lang="en-US" b="1" dirty="0" err="1">
-                <a:solidFill>
-                  <a:srgbClr val="003399"/>
-                </a:solidFill>
-                <a:latin typeface="+mj-lt"/>
-              </a:rPr>
-              <a:t>Dcmd</a:t>
-            </a:r>
-            <a:r>
-              <a:rPr lang="en-US" b="1" dirty="0">
-                <a:solidFill>
-                  <a:srgbClr val="003399"/>
-                </a:solidFill>
-                <a:latin typeface="+mj-lt"/>
-              </a:rPr>
-              <a:t>=PHASENAME</a:t>
-            </a:r>
-          </a:p>
-          <a:p>
-            <a:pPr marL="0" indent="0">
-              <a:buNone/>
-            </a:pPr>
-            <a:endParaRPr lang="ru-RU" sz="2000" dirty="0">
-              <a:solidFill>
-                <a:srgbClr val="003399"/>
-              </a:solidFill>
-              <a:latin typeface="+mj-lt"/>
-            </a:endParaRPr>
-          </a:p>
-          <a:p>
-            <a:pPr marL="0" indent="0">
-              <a:buNone/>
-            </a:pPr>
-            <a:endParaRPr lang="ru-RU" sz="2000" dirty="0">
-              <a:solidFill>
-                <a:srgbClr val="003399"/>
-              </a:solidFill>
-              <a:latin typeface="+mj-lt"/>
-            </a:endParaRPr>
-          </a:p>
-        </p:txBody>
-      </p:sp>
-      <p:sp>
-        <p:nvSpPr>
-          <p:cNvPr id="6" name="Заголовок 1"/>
-          <p:cNvSpPr>
-            <a:spLocks noGrp="1"/>
-          </p:cNvSpPr>
-          <p:nvPr>
-            <p:ph type="title"/>
-          </p:nvPr>
-        </p:nvSpPr>
-        <p:spPr>
-          <a:xfrm>
-            <a:off x="838200" y="365125"/>
-            <a:ext cx="10515600" cy="1325563"/>
-          </a:xfrm>
-        </p:spPr>
-        <p:txBody>
-          <a:bodyPr/>
-          <a:lstStyle/>
-          <a:p>
-            <a:r>
-              <a:rPr lang="ru-RU" dirty="0">
-                <a:solidFill>
-                  <a:srgbClr val="003399"/>
-                </a:solidFill>
-              </a:rPr>
-              <a:t>Цели </a:t>
-            </a:r>
-            <a:r>
-              <a:rPr lang="en-US" dirty="0">
-                <a:solidFill>
-                  <a:srgbClr val="003399"/>
-                </a:solidFill>
-              </a:rPr>
-              <a:t>Maven</a:t>
+              </a:rPr>
+              <a:t>wrapper</a:t>
             </a:r>
             <a:endParaRPr lang="ru-RU" dirty="0">
               <a:solidFill>
@@ -9040,10 +9575,82 @@
           </a:p>
         </p:txBody>
       </p:sp>
+      <p:pic>
+        <p:nvPicPr>
+          <p:cNvPr id="8" name="Рисунок 7" descr="Изображение выглядит как текст, программное обеспечение, Мультимедийное программное обеспечение, снимок экрана&#10;&#10;Контент, сгенерированный ИИ, может содержать ошибки.">
+            <a:extLst>
+              <a:ext uri="{FF2B5EF4-FFF2-40B4-BE49-F238E27FC236}">
+                <a16:creationId xmlns:a16="http://schemas.microsoft.com/office/drawing/2014/main" id="{09E26180-6785-68E9-3E21-4527A55CF14E}"/>
+              </a:ext>
+            </a:extLst>
+          </p:cNvPr>
+          <p:cNvPicPr>
+            <a:picLocks noChangeAspect="1"/>
+          </p:cNvPicPr>
+          <p:nvPr/>
+        </p:nvPicPr>
+        <p:blipFill>
+          <a:blip r:embed="rId2">
+            <a:extLst>
+              <a:ext uri="{28A0092B-C50C-407E-A947-70E740481C1C}">
+                <a14:useLocalDpi xmlns:a14="http://schemas.microsoft.com/office/drawing/2010/main" val="0"/>
+              </a:ext>
+            </a:extLst>
+          </a:blip>
+          <a:stretch>
+            <a:fillRect/>
+          </a:stretch>
+        </p:blipFill>
+        <p:spPr>
+          <a:xfrm>
+            <a:off x="360001" y="2513482"/>
+            <a:ext cx="11473200" cy="1831036"/>
+          </a:xfrm>
+          <a:prstGeom prst="rect">
+            <a:avLst/>
+          </a:prstGeom>
+        </p:spPr>
+      </p:pic>
+      <p:pic>
+        <p:nvPicPr>
+          <p:cNvPr id="9" name="Рисунок 8" descr="Изображение выглядит как Графика, дизайн&#10;&#10;Контент, сгенерированный ИИ, может содержать ошибки.">
+            <a:extLst>
+              <a:ext uri="{FF2B5EF4-FFF2-40B4-BE49-F238E27FC236}">
+                <a16:creationId xmlns:a16="http://schemas.microsoft.com/office/drawing/2014/main" id="{CE42D3F4-F1C6-C933-7C0F-F1B9006D983B}"/>
+              </a:ext>
+            </a:extLst>
+          </p:cNvPr>
+          <p:cNvPicPr>
+            <a:picLocks noChangeAspect="1"/>
+          </p:cNvPicPr>
+          <p:nvPr/>
+        </p:nvPicPr>
+        <p:blipFill>
+          <a:blip r:embed="rId3">
+            <a:extLst>
+              <a:ext uri="{28A0092B-C50C-407E-A947-70E740481C1C}">
+                <a14:useLocalDpi xmlns:a14="http://schemas.microsoft.com/office/drawing/2010/main" val="0"/>
+              </a:ext>
+            </a:extLst>
+          </a:blip>
+          <a:stretch>
+            <a:fillRect/>
+          </a:stretch>
+        </p:blipFill>
+        <p:spPr>
+          <a:xfrm>
+            <a:off x="9435600" y="5778000"/>
+            <a:ext cx="2576469" cy="900000"/>
+          </a:xfrm>
+          <a:prstGeom prst="rect">
+            <a:avLst/>
+          </a:prstGeom>
+        </p:spPr>
+      </p:pic>
     </p:spTree>
     <p:extLst>
       <p:ext uri="{BB962C8B-B14F-4D97-AF65-F5344CB8AC3E}">
-        <p14:creationId xmlns:p14="http://schemas.microsoft.com/office/powerpoint/2010/main" val="2295882218"/>
+        <p14:creationId xmlns:p14="http://schemas.microsoft.com/office/powerpoint/2010/main" val="1876180441"/>
       </p:ext>
     </p:extLst>
   </p:cSld>
@@ -9070,196 +9677,98 @@
           <a:chExt cx="0" cy="0"/>
         </a:xfrm>
       </p:grpSpPr>
-      <p:sp>
-        <p:nvSpPr>
-          <p:cNvPr id="3" name="Объект 2"/>
-          <p:cNvSpPr>
-            <a:spLocks noGrp="1"/>
-          </p:cNvSpPr>
-          <p:nvPr>
-            <p:ph idx="1"/>
-          </p:nvPr>
-        </p:nvSpPr>
+      <p:pic>
+        <p:nvPicPr>
+          <p:cNvPr id="6" name="Рисунок 5" descr="Изображение выглядит как текст, снимок экрана, Шрифт&#10;&#10;Контент, сгенерированный ИИ, может содержать ошибки.">
+            <a:extLst>
+              <a:ext uri="{FF2B5EF4-FFF2-40B4-BE49-F238E27FC236}">
+                <a16:creationId xmlns:a16="http://schemas.microsoft.com/office/drawing/2014/main" id="{D038B54D-DA66-1D7C-280D-055036B896CD}"/>
+              </a:ext>
+            </a:extLst>
+          </p:cNvPr>
+          <p:cNvPicPr>
+            <a:picLocks noChangeAspect="1"/>
+          </p:cNvPicPr>
+          <p:nvPr/>
+        </p:nvPicPr>
+        <p:blipFill>
+          <a:blip r:embed="rId2">
+            <a:extLst>
+              <a:ext uri="{28A0092B-C50C-407E-A947-70E740481C1C}">
+                <a14:useLocalDpi xmlns:a14="http://schemas.microsoft.com/office/drawing/2010/main" val="0"/>
+              </a:ext>
+            </a:extLst>
+          </a:blip>
+          <a:stretch>
+            <a:fillRect/>
+          </a:stretch>
+        </p:blipFill>
         <p:spPr>
           <a:xfrm>
-            <a:off x="838200" y="1825624"/>
-            <a:ext cx="10515600" cy="4703192"/>
+            <a:off x="3155669" y="1296000"/>
+            <a:ext cx="5880661" cy="5382000"/>
           </a:xfrm>
+          <a:prstGeom prst="rect">
+            <a:avLst/>
+          </a:prstGeom>
         </p:spPr>
-        <p:txBody>
-          <a:bodyPr>
+      </p:pic>
+      <p:sp>
+        <p:nvSpPr>
+          <p:cNvPr id="7" name="Заголовок 1">
+            <a:extLst>
+              <a:ext uri="{FF2B5EF4-FFF2-40B4-BE49-F238E27FC236}">
+                <a16:creationId xmlns:a16="http://schemas.microsoft.com/office/drawing/2014/main" id="{2640AD0F-C318-E89E-ED16-17FE1EE2A18B}"/>
+              </a:ext>
+            </a:extLst>
+          </p:cNvPr>
+          <p:cNvSpPr txBox="1">
+            <a:spLocks/>
+          </p:cNvSpPr>
+          <p:nvPr/>
+        </p:nvSpPr>
+        <p:spPr>
+          <a:xfrm>
+            <a:off x="360001" y="180000"/>
+            <a:ext cx="11473200" cy="756000"/>
+          </a:xfrm>
+          <a:prstGeom prst="rect">
+            <a:avLst/>
+          </a:prstGeom>
+        </p:spPr>
+        <p:txBody>
+          <a:bodyPr vert="horz" lIns="91440" tIns="45720" rIns="91440" bIns="45720" rtlCol="0" anchor="ctr">
             <a:normAutofit/>
           </a:bodyPr>
-          <a:lstStyle/>
-          <a:p>
-            <a:pPr marL="0" indent="0">
-              <a:buNone/>
-            </a:pPr>
-            <a:r>
-              <a:rPr lang="ru-RU" dirty="0">
-                <a:solidFill>
-                  <a:srgbClr val="003399"/>
-                </a:solidFill>
-                <a:latin typeface="+mj-lt"/>
-              </a:rPr>
-              <a:t>	</a:t>
-            </a:r>
-            <a:r>
-              <a:rPr lang="ru-RU" sz="2400" dirty="0">
-                <a:solidFill>
-                  <a:srgbClr val="003399"/>
-                </a:solidFill>
-                <a:latin typeface="+mj-lt"/>
-              </a:rPr>
-              <a:t>Плагины </a:t>
-            </a:r>
-            <a:r>
-              <a:rPr lang="en-US" sz="2400" dirty="0">
-                <a:solidFill>
-                  <a:srgbClr val="003399"/>
-                </a:solidFill>
-                <a:latin typeface="+mj-lt"/>
-              </a:rPr>
-              <a:t>Maven </a:t>
-            </a:r>
-            <a:r>
-              <a:rPr lang="ru-RU" sz="2400" dirty="0">
-                <a:solidFill>
-                  <a:srgbClr val="003399"/>
-                </a:solidFill>
-                <a:latin typeface="+mj-lt"/>
-              </a:rPr>
-              <a:t>– это вторая после зависимостей сущность данного инструмента. Если зависимость выступает статической библиотекой, которая просто присутствует или отсутствует в проекте, то плагин – это, грубо говоря, метод, который совершает какие-то действия</a:t>
-            </a:r>
-          </a:p>
-          <a:p>
-            <a:pPr marL="0" indent="0">
-              <a:buNone/>
-            </a:pPr>
-            <a:r>
-              <a:rPr lang="ru-RU" sz="2400" dirty="0">
-                <a:solidFill>
-                  <a:srgbClr val="003399"/>
-                </a:solidFill>
-                <a:latin typeface="+mj-lt"/>
-              </a:rPr>
-              <a:t>	На самом деле, фазы – это и есть плагины, просто вшитые в </a:t>
-            </a:r>
-            <a:r>
-              <a:rPr lang="en-US" sz="2400" dirty="0">
-                <a:solidFill>
-                  <a:srgbClr val="003399"/>
-                </a:solidFill>
-                <a:latin typeface="+mj-lt"/>
-              </a:rPr>
-              <a:t>Maven </a:t>
-            </a:r>
-            <a:r>
-              <a:rPr lang="ru-RU" sz="2400" dirty="0">
-                <a:solidFill>
-                  <a:srgbClr val="003399"/>
-                </a:solidFill>
-                <a:latin typeface="+mj-lt"/>
-              </a:rPr>
-              <a:t>по умолчанию. Также есть еще множество различных плагинов для различных целей. А еще вы можете написать собственный плагин, нужный именно вам</a:t>
-            </a:r>
-            <a:endParaRPr lang="en-US" sz="2400" dirty="0">
-              <a:solidFill>
-                <a:srgbClr val="003399"/>
-              </a:solidFill>
-              <a:latin typeface="+mj-lt"/>
-            </a:endParaRPr>
-          </a:p>
-          <a:p>
-            <a:pPr marL="0" indent="0">
-              <a:buNone/>
-            </a:pPr>
-            <a:r>
-              <a:rPr lang="en-US" sz="2400" dirty="0">
-                <a:solidFill>
-                  <a:srgbClr val="003399"/>
-                </a:solidFill>
-                <a:latin typeface="+mj-lt"/>
-              </a:rPr>
-              <a:t>	</a:t>
-            </a:r>
-            <a:r>
-              <a:rPr lang="ru-RU" sz="2400" dirty="0">
-                <a:solidFill>
-                  <a:srgbClr val="003399"/>
-                </a:solidFill>
-                <a:latin typeface="+mj-lt"/>
-              </a:rPr>
-              <a:t>А, если быть совсем точными, то плагины – это группа целей, так как мы уже знаем, что именно за выполнение команд отвечают цели</a:t>
-            </a:r>
-            <a:endParaRPr lang="en-US" sz="2400" dirty="0">
-              <a:solidFill>
-                <a:srgbClr val="003399"/>
-              </a:solidFill>
-              <a:latin typeface="+mj-lt"/>
-            </a:endParaRPr>
-          </a:p>
-          <a:p>
-            <a:pPr marL="0" indent="0">
-              <a:buNone/>
-            </a:pPr>
-            <a:endParaRPr lang="ru-RU" sz="2000" dirty="0">
-              <a:solidFill>
-                <a:srgbClr val="003399"/>
-              </a:solidFill>
-              <a:latin typeface="+mj-lt"/>
-            </a:endParaRPr>
-          </a:p>
-          <a:p>
-            <a:pPr marL="0" indent="0">
-              <a:buNone/>
-            </a:pPr>
-            <a:endParaRPr lang="ru-RU" sz="2000" dirty="0">
-              <a:solidFill>
-                <a:srgbClr val="003399"/>
-              </a:solidFill>
-              <a:latin typeface="+mj-lt"/>
-            </a:endParaRPr>
-          </a:p>
-        </p:txBody>
-      </p:sp>
-      <p:sp>
-        <p:nvSpPr>
-          <p:cNvPr id="6" name="Заголовок 1"/>
-          <p:cNvSpPr>
-            <a:spLocks noGrp="1"/>
-          </p:cNvSpPr>
-          <p:nvPr>
-            <p:ph type="title"/>
-          </p:nvPr>
-        </p:nvSpPr>
-        <p:spPr>
-          <a:xfrm>
-            <a:off x="838200" y="365125"/>
-            <a:ext cx="10515600" cy="1325563"/>
-          </a:xfrm>
-        </p:spPr>
-        <p:txBody>
-          <a:bodyPr/>
-          <a:lstStyle/>
-          <a:p>
-            <a:r>
-              <a:rPr lang="ru-RU" dirty="0">
-                <a:solidFill>
-                  <a:srgbClr val="003399"/>
-                </a:solidFill>
-              </a:rPr>
-              <a:t>Плагины </a:t>
-            </a:r>
-            <a:r>
-              <a:rPr lang="en-US" dirty="0">
-                <a:solidFill>
-                  <a:srgbClr val="003399"/>
-                </a:solidFill>
-              </a:rPr>
-              <a:t>Maven</a:t>
-            </a:r>
-            <a:endParaRPr lang="ru-RU" dirty="0">
+          <a:lstStyle>
+            <a:lvl1pPr algn="l" defTabSz="914400" rtl="0" eaLnBrk="1" latinLnBrk="0" hangingPunct="1">
+              <a:lnSpc>
+                <a:spcPct val="90000"/>
+              </a:lnSpc>
+              <a:spcBef>
+                <a:spcPct val="0"/>
+              </a:spcBef>
+              <a:buNone/>
+              <a:defRPr sz="4400" kern="1200">
+                <a:solidFill>
+                  <a:schemeClr val="tx1"/>
+                </a:solidFill>
+                <a:latin typeface="+mj-lt"/>
+                <a:ea typeface="+mj-ea"/>
+                <a:cs typeface="+mj-cs"/>
+              </a:defRPr>
+            </a:lvl1pPr>
+          </a:lstStyle>
+          <a:p>
+            <a:r>
+              <a:rPr lang="en-US" sz="4800" dirty="0" err="1">
+                <a:solidFill>
+                  <a:srgbClr val="003399"/>
+                </a:solidFill>
+              </a:rPr>
+              <a:t>build.gradle</a:t>
+            </a:r>
+            <a:endParaRPr lang="ru-RU" sz="4800" dirty="0">
               <a:solidFill>
                 <a:srgbClr val="003399"/>
               </a:solidFill>
@@ -9267,10 +9776,46 @@
           </a:p>
         </p:txBody>
       </p:sp>
+      <p:pic>
+        <p:nvPicPr>
+          <p:cNvPr id="8" name="Рисунок 7" descr="Изображение выглядит как Графика, дизайн&#10;&#10;Контент, сгенерированный ИИ, может содержать ошибки.">
+            <a:extLst>
+              <a:ext uri="{FF2B5EF4-FFF2-40B4-BE49-F238E27FC236}">
+                <a16:creationId xmlns:a16="http://schemas.microsoft.com/office/drawing/2014/main" id="{9D5A6E3A-2025-17DB-7807-768070114639}"/>
+              </a:ext>
+            </a:extLst>
+          </p:cNvPr>
+          <p:cNvPicPr>
+            <a:picLocks noChangeAspect="1"/>
+          </p:cNvPicPr>
+          <p:nvPr/>
+        </p:nvPicPr>
+        <p:blipFill>
+          <a:blip r:embed="rId3">
+            <a:extLst>
+              <a:ext uri="{28A0092B-C50C-407E-A947-70E740481C1C}">
+                <a14:useLocalDpi xmlns:a14="http://schemas.microsoft.com/office/drawing/2010/main" val="0"/>
+              </a:ext>
+            </a:extLst>
+          </a:blip>
+          <a:stretch>
+            <a:fillRect/>
+          </a:stretch>
+        </p:blipFill>
+        <p:spPr>
+          <a:xfrm>
+            <a:off x="9435600" y="5778000"/>
+            <a:ext cx="2576469" cy="900000"/>
+          </a:xfrm>
+          <a:prstGeom prst="rect">
+            <a:avLst/>
+          </a:prstGeom>
+        </p:spPr>
+      </p:pic>
     </p:spTree>
     <p:extLst>
       <p:ext uri="{BB962C8B-B14F-4D97-AF65-F5344CB8AC3E}">
-        <p14:creationId xmlns:p14="http://schemas.microsoft.com/office/powerpoint/2010/main" val="3522171972"/>
+        <p14:creationId xmlns:p14="http://schemas.microsoft.com/office/powerpoint/2010/main" val="1856497402"/>
       </p:ext>
     </p:extLst>
   </p:cSld>
@@ -9299,7 +9844,236 @@
       </p:grpSpPr>
       <p:sp>
         <p:nvSpPr>
-          <p:cNvPr id="3" name="Объект 2"/>
+          <p:cNvPr id="8" name="Объект 2">
+            <a:extLst>
+              <a:ext uri="{FF2B5EF4-FFF2-40B4-BE49-F238E27FC236}">
+                <a16:creationId xmlns:a16="http://schemas.microsoft.com/office/drawing/2014/main" id="{7FE574C2-E55A-E771-F0F8-4EAC7B1D900A}"/>
+              </a:ext>
+            </a:extLst>
+          </p:cNvPr>
+          <p:cNvSpPr txBox="1">
+            <a:spLocks/>
+          </p:cNvSpPr>
+          <p:nvPr/>
+        </p:nvSpPr>
+        <p:spPr>
+          <a:xfrm>
+            <a:off x="360000" y="180000"/>
+            <a:ext cx="11473200" cy="756000"/>
+          </a:xfrm>
+          <a:prstGeom prst="rect">
+            <a:avLst/>
+          </a:prstGeom>
+        </p:spPr>
+        <p:txBody>
+          <a:bodyPr vert="horz" lIns="91440" tIns="45720" rIns="91440" bIns="45720" numCol="2" rtlCol="0">
+            <a:normAutofit/>
+          </a:bodyPr>
+          <a:lstStyle>
+            <a:lvl1pPr marL="228600" indent="-228600" algn="l" defTabSz="914400" rtl="0" eaLnBrk="1" latinLnBrk="0" hangingPunct="1">
+              <a:lnSpc>
+                <a:spcPct val="90000"/>
+              </a:lnSpc>
+              <a:spcBef>
+                <a:spcPts val="1000"/>
+              </a:spcBef>
+              <a:buFont typeface="Arial" panose="020B0604020202020204" pitchFamily="34" charset="0"/>
+              <a:buChar char="•"/>
+              <a:defRPr sz="2800" kern="1200">
+                <a:solidFill>
+                  <a:schemeClr val="tx1"/>
+                </a:solidFill>
+                <a:latin typeface="+mn-lt"/>
+                <a:ea typeface="+mn-ea"/>
+                <a:cs typeface="+mn-cs"/>
+              </a:defRPr>
+            </a:lvl1pPr>
+            <a:lvl2pPr marL="685800" indent="-228600" algn="l" defTabSz="914400" rtl="0" eaLnBrk="1" latinLnBrk="0" hangingPunct="1">
+              <a:lnSpc>
+                <a:spcPct val="90000"/>
+              </a:lnSpc>
+              <a:spcBef>
+                <a:spcPts val="500"/>
+              </a:spcBef>
+              <a:buFont typeface="Arial" panose="020B0604020202020204" pitchFamily="34" charset="0"/>
+              <a:buChar char="•"/>
+              <a:defRPr sz="2400" kern="1200">
+                <a:solidFill>
+                  <a:schemeClr val="tx1"/>
+                </a:solidFill>
+                <a:latin typeface="+mn-lt"/>
+                <a:ea typeface="+mn-ea"/>
+                <a:cs typeface="+mn-cs"/>
+              </a:defRPr>
+            </a:lvl2pPr>
+            <a:lvl3pPr marL="1143000" indent="-228600" algn="l" defTabSz="914400" rtl="0" eaLnBrk="1" latinLnBrk="0" hangingPunct="1">
+              <a:lnSpc>
+                <a:spcPct val="90000"/>
+              </a:lnSpc>
+              <a:spcBef>
+                <a:spcPts val="500"/>
+              </a:spcBef>
+              <a:buFont typeface="Arial" panose="020B0604020202020204" pitchFamily="34" charset="0"/>
+              <a:buChar char="•"/>
+              <a:defRPr sz="2000" kern="1200">
+                <a:solidFill>
+                  <a:schemeClr val="tx1"/>
+                </a:solidFill>
+                <a:latin typeface="+mn-lt"/>
+                <a:ea typeface="+mn-ea"/>
+                <a:cs typeface="+mn-cs"/>
+              </a:defRPr>
+            </a:lvl3pPr>
+            <a:lvl4pPr marL="1600200" indent="-228600" algn="l" defTabSz="914400" rtl="0" eaLnBrk="1" latinLnBrk="0" hangingPunct="1">
+              <a:lnSpc>
+                <a:spcPct val="90000"/>
+              </a:lnSpc>
+              <a:spcBef>
+                <a:spcPts val="500"/>
+              </a:spcBef>
+              <a:buFont typeface="Arial" panose="020B0604020202020204" pitchFamily="34" charset="0"/>
+              <a:buChar char="•"/>
+              <a:defRPr sz="1800" kern="1200">
+                <a:solidFill>
+                  <a:schemeClr val="tx1"/>
+                </a:solidFill>
+                <a:latin typeface="+mn-lt"/>
+                <a:ea typeface="+mn-ea"/>
+                <a:cs typeface="+mn-cs"/>
+              </a:defRPr>
+            </a:lvl4pPr>
+            <a:lvl5pPr marL="2057400" indent="-228600" algn="l" defTabSz="914400" rtl="0" eaLnBrk="1" latinLnBrk="0" hangingPunct="1">
+              <a:lnSpc>
+                <a:spcPct val="90000"/>
+              </a:lnSpc>
+              <a:spcBef>
+                <a:spcPts val="500"/>
+              </a:spcBef>
+              <a:buFont typeface="Arial" panose="020B0604020202020204" pitchFamily="34" charset="0"/>
+              <a:buChar char="•"/>
+              <a:defRPr sz="1800" kern="1200">
+                <a:solidFill>
+                  <a:schemeClr val="tx1"/>
+                </a:solidFill>
+                <a:latin typeface="+mn-lt"/>
+                <a:ea typeface="+mn-ea"/>
+                <a:cs typeface="+mn-cs"/>
+              </a:defRPr>
+            </a:lvl5pPr>
+            <a:lvl6pPr marL="2514600" indent="-228600" algn="l" defTabSz="914400" rtl="0" eaLnBrk="1" latinLnBrk="0" hangingPunct="1">
+              <a:lnSpc>
+                <a:spcPct val="90000"/>
+              </a:lnSpc>
+              <a:spcBef>
+                <a:spcPts val="500"/>
+              </a:spcBef>
+              <a:buFont typeface="Arial" panose="020B0604020202020204" pitchFamily="34" charset="0"/>
+              <a:buChar char="•"/>
+              <a:defRPr sz="1800" kern="1200">
+                <a:solidFill>
+                  <a:schemeClr val="tx1"/>
+                </a:solidFill>
+                <a:latin typeface="+mn-lt"/>
+                <a:ea typeface="+mn-ea"/>
+                <a:cs typeface="+mn-cs"/>
+              </a:defRPr>
+            </a:lvl6pPr>
+            <a:lvl7pPr marL="2971800" indent="-228600" algn="l" defTabSz="914400" rtl="0" eaLnBrk="1" latinLnBrk="0" hangingPunct="1">
+              <a:lnSpc>
+                <a:spcPct val="90000"/>
+              </a:lnSpc>
+              <a:spcBef>
+                <a:spcPts val="500"/>
+              </a:spcBef>
+              <a:buFont typeface="Arial" panose="020B0604020202020204" pitchFamily="34" charset="0"/>
+              <a:buChar char="•"/>
+              <a:defRPr sz="1800" kern="1200">
+                <a:solidFill>
+                  <a:schemeClr val="tx1"/>
+                </a:solidFill>
+                <a:latin typeface="+mn-lt"/>
+                <a:ea typeface="+mn-ea"/>
+                <a:cs typeface="+mn-cs"/>
+              </a:defRPr>
+            </a:lvl7pPr>
+            <a:lvl8pPr marL="3429000" indent="-228600" algn="l" defTabSz="914400" rtl="0" eaLnBrk="1" latinLnBrk="0" hangingPunct="1">
+              <a:lnSpc>
+                <a:spcPct val="90000"/>
+              </a:lnSpc>
+              <a:spcBef>
+                <a:spcPts val="500"/>
+              </a:spcBef>
+              <a:buFont typeface="Arial" panose="020B0604020202020204" pitchFamily="34" charset="0"/>
+              <a:buChar char="•"/>
+              <a:defRPr sz="1800" kern="1200">
+                <a:solidFill>
+                  <a:schemeClr val="tx1"/>
+                </a:solidFill>
+                <a:latin typeface="+mn-lt"/>
+                <a:ea typeface="+mn-ea"/>
+                <a:cs typeface="+mn-cs"/>
+              </a:defRPr>
+            </a:lvl8pPr>
+            <a:lvl9pPr marL="3886200" indent="-228600" algn="l" defTabSz="914400" rtl="0" eaLnBrk="1" latinLnBrk="0" hangingPunct="1">
+              <a:lnSpc>
+                <a:spcPct val="90000"/>
+              </a:lnSpc>
+              <a:spcBef>
+                <a:spcPts val="500"/>
+              </a:spcBef>
+              <a:buFont typeface="Arial" panose="020B0604020202020204" pitchFamily="34" charset="0"/>
+              <a:buChar char="•"/>
+              <a:defRPr sz="1800" kern="1200">
+                <a:solidFill>
+                  <a:schemeClr val="tx1"/>
+                </a:solidFill>
+                <a:latin typeface="+mn-lt"/>
+                <a:ea typeface="+mn-ea"/>
+                <a:cs typeface="+mn-cs"/>
+              </a:defRPr>
+            </a:lvl9pPr>
+          </a:lstStyle>
+          <a:p>
+            <a:pPr marL="0" indent="0">
+              <a:buFont typeface="Arial" panose="020B0604020202020204" pitchFamily="34" charset="0"/>
+              <a:buNone/>
+            </a:pPr>
+            <a:r>
+              <a:rPr lang="en-US" sz="4800" dirty="0">
+                <a:solidFill>
+                  <a:srgbClr val="003399"/>
+                </a:solidFill>
+                <a:latin typeface="+mj-lt"/>
+              </a:rPr>
+              <a:t>Gradle</a:t>
+            </a:r>
+          </a:p>
+          <a:p>
+            <a:pPr marL="0" indent="0">
+              <a:buFont typeface="Arial" panose="020B0604020202020204" pitchFamily="34" charset="0"/>
+              <a:buNone/>
+            </a:pPr>
+            <a:r>
+              <a:rPr lang="en-US" sz="4800" dirty="0">
+                <a:solidFill>
+                  <a:srgbClr val="003399"/>
+                </a:solidFill>
+                <a:latin typeface="+mj-lt"/>
+              </a:rPr>
+              <a:t>Maven</a:t>
+            </a:r>
+          </a:p>
+        </p:txBody>
+      </p:sp>
+      <p:sp>
+        <p:nvSpPr>
+          <p:cNvPr id="11" name="Объект 2">
+            <a:extLst>
+              <a:ext uri="{FF2B5EF4-FFF2-40B4-BE49-F238E27FC236}">
+                <a16:creationId xmlns:a16="http://schemas.microsoft.com/office/drawing/2014/main" id="{860356E7-40E3-1CFA-4062-217C1D3547C0}"/>
+              </a:ext>
+            </a:extLst>
+          </p:cNvPr>
           <p:cNvSpPr>
             <a:spLocks noGrp="1"/>
           </p:cNvSpPr>
@@ -9309,502 +10083,368 @@
         </p:nvSpPr>
         <p:spPr>
           <a:xfrm>
-            <a:off x="838200" y="1825624"/>
-            <a:ext cx="10515600" cy="4703192"/>
+            <a:off x="360000" y="1584000"/>
+            <a:ext cx="11473200" cy="4914000"/>
           </a:xfrm>
         </p:spPr>
         <p:txBody>
-          <a:bodyPr>
+          <a:bodyPr numCol="2">
             <a:normAutofit/>
           </a:bodyPr>
           <a:lstStyle/>
           <a:p>
-            <a:pPr marL="0" indent="0">
-              <a:buNone/>
+            <a:pPr>
+              <a:lnSpc>
+                <a:spcPct val="80000"/>
+              </a:lnSpc>
+              <a:spcBef>
+                <a:spcPts val="0"/>
+              </a:spcBef>
+              <a:buSzPct val="100000"/>
+              <a:buFont typeface="Системный шрифт, обычный"/>
+              <a:buChar char="−"/>
             </a:pPr>
             <a:r>
-              <a:rPr lang="ru-RU" dirty="0">
-                <a:solidFill>
-                  <a:srgbClr val="003399"/>
-                </a:solidFill>
-                <a:latin typeface="+mj-lt"/>
-              </a:rPr>
-              <a:t>	Рассмотрим подробно данный плагин</a:t>
-            </a:r>
-          </a:p>
-          <a:p>
-            <a:pPr marL="0" indent="0">
-              <a:buNone/>
-            </a:pPr>
-            <a:r>
-              <a:rPr lang="ru-RU" dirty="0">
-                <a:solidFill>
-                  <a:srgbClr val="003399"/>
-                </a:solidFill>
-                <a:latin typeface="+mj-lt"/>
-              </a:rPr>
-              <a:t>	</a:t>
-            </a:r>
-          </a:p>
-          <a:p>
-            <a:pPr marL="0" indent="0">
-              <a:buNone/>
-            </a:pPr>
-            <a:r>
-              <a:rPr lang="ru-RU" dirty="0">
-                <a:solidFill>
-                  <a:srgbClr val="003399"/>
-                </a:solidFill>
-                <a:latin typeface="+mj-lt"/>
-              </a:rPr>
-              <a:t>	</a:t>
-            </a:r>
-            <a:r>
-              <a:rPr lang="en-US" b="1" dirty="0" err="1">
-                <a:solidFill>
-                  <a:srgbClr val="003399"/>
-                </a:solidFill>
-                <a:latin typeface="+mj-lt"/>
-              </a:rPr>
-              <a:t>org.apache.maven.plugins</a:t>
-            </a:r>
-            <a:r>
-              <a:rPr lang="ru-RU" b="1" dirty="0">
-                <a:solidFill>
-                  <a:srgbClr val="003399"/>
-                </a:solidFill>
-                <a:latin typeface="+mj-lt"/>
-              </a:rPr>
-              <a:t>:</a:t>
-            </a:r>
-            <a:r>
-              <a:rPr lang="en-US" b="1" dirty="0">
-                <a:solidFill>
-                  <a:srgbClr val="003399"/>
-                </a:solidFill>
-                <a:latin typeface="+mj-lt"/>
-              </a:rPr>
-              <a:t>maven-jar-plugin</a:t>
-            </a:r>
-            <a:r>
-              <a:rPr lang="ru-RU" b="1" dirty="0">
-                <a:solidFill>
-                  <a:srgbClr val="003399"/>
-                </a:solidFill>
-                <a:latin typeface="+mj-lt"/>
-              </a:rPr>
-              <a:t>:2</a:t>
-            </a:r>
-            <a:r>
-              <a:rPr lang="en-US" b="1" dirty="0">
-                <a:solidFill>
-                  <a:srgbClr val="003399"/>
-                </a:solidFill>
-                <a:latin typeface="+mj-lt"/>
-              </a:rPr>
-              <a:t>.</a:t>
-            </a:r>
-            <a:r>
-              <a:rPr lang="ru-RU" b="1" dirty="0">
-                <a:solidFill>
-                  <a:srgbClr val="003399"/>
-                </a:solidFill>
-                <a:latin typeface="+mj-lt"/>
-              </a:rPr>
-              <a:t>6</a:t>
-            </a:r>
-          </a:p>
-          <a:p>
-            <a:pPr marL="0" indent="0">
-              <a:buNone/>
-            </a:pPr>
-            <a:endParaRPr lang="ru-RU" b="1" dirty="0">
-              <a:solidFill>
-                <a:srgbClr val="003399"/>
-              </a:solidFill>
-              <a:latin typeface="+mj-lt"/>
-            </a:endParaRPr>
-          </a:p>
-          <a:p>
-            <a:pPr marL="0" indent="0">
-              <a:buNone/>
-            </a:pPr>
-            <a:endParaRPr lang="ru-RU" b="1" dirty="0">
-              <a:solidFill>
-                <a:srgbClr val="003399"/>
-              </a:solidFill>
-              <a:latin typeface="+mj-lt"/>
-            </a:endParaRPr>
-          </a:p>
-          <a:p>
-            <a:pPr marL="0" indent="0">
-              <a:buNone/>
-            </a:pPr>
-            <a:r>
-              <a:rPr lang="ru-RU" b="1" dirty="0">
-                <a:solidFill>
-                  <a:srgbClr val="003399"/>
-                </a:solidFill>
-                <a:latin typeface="+mj-lt"/>
-              </a:rPr>
-              <a:t>	</a:t>
-            </a:r>
-            <a:r>
-              <a:rPr lang="ru-RU" dirty="0">
-                <a:solidFill>
-                  <a:srgbClr val="003399"/>
-                </a:solidFill>
-                <a:latin typeface="+mj-lt"/>
-              </a:rPr>
-              <a:t>Данный плагин отвечает за генерацию документации в формате </a:t>
-            </a:r>
-            <a:r>
-              <a:rPr lang="en-US" dirty="0" err="1">
-                <a:solidFill>
-                  <a:srgbClr val="003399"/>
-                </a:solidFill>
-                <a:latin typeface="+mj-lt"/>
-              </a:rPr>
-              <a:t>JavaDoc</a:t>
-            </a:r>
-            <a:r>
-              <a:rPr lang="en-US" dirty="0">
-                <a:solidFill>
-                  <a:srgbClr val="003399"/>
-                </a:solidFill>
-                <a:latin typeface="+mj-lt"/>
-              </a:rPr>
-              <a:t> </a:t>
-            </a:r>
-            <a:r>
-              <a:rPr lang="ru-RU" dirty="0">
-                <a:solidFill>
-                  <a:srgbClr val="003399"/>
-                </a:solidFill>
-                <a:latin typeface="+mj-lt"/>
-              </a:rPr>
-              <a:t>из исходного кода вашего проекта</a:t>
-            </a:r>
-            <a:endParaRPr lang="ru-RU" b="1" dirty="0">
-              <a:solidFill>
-                <a:srgbClr val="003399"/>
-              </a:solidFill>
-              <a:latin typeface="+mj-lt"/>
-            </a:endParaRPr>
-          </a:p>
-          <a:p>
-            <a:pPr marL="0" indent="0">
-              <a:buNone/>
-            </a:pPr>
-            <a:r>
-              <a:rPr lang="ru-RU" dirty="0">
-                <a:solidFill>
-                  <a:srgbClr val="003399"/>
-                </a:solidFill>
-                <a:latin typeface="+mj-lt"/>
-              </a:rPr>
-              <a:t>	</a:t>
-            </a:r>
-            <a:endParaRPr lang="en-US" dirty="0">
-              <a:solidFill>
-                <a:srgbClr val="003399"/>
-              </a:solidFill>
-              <a:latin typeface="+mj-lt"/>
-            </a:endParaRPr>
-          </a:p>
-          <a:p>
-            <a:pPr marL="0" indent="0">
-              <a:buNone/>
-            </a:pPr>
-            <a:endParaRPr lang="ru-RU" sz="2000" dirty="0">
-              <a:solidFill>
-                <a:srgbClr val="003399"/>
-              </a:solidFill>
-              <a:latin typeface="+mj-lt"/>
-            </a:endParaRPr>
-          </a:p>
-          <a:p>
-            <a:pPr marL="0" indent="0">
-              <a:buNone/>
-            </a:pPr>
-            <a:endParaRPr lang="ru-RU" sz="2000" dirty="0">
-              <a:solidFill>
-                <a:srgbClr val="003399"/>
-              </a:solidFill>
-              <a:latin typeface="+mj-lt"/>
-            </a:endParaRPr>
-          </a:p>
-        </p:txBody>
-      </p:sp>
-      <p:sp>
-        <p:nvSpPr>
-          <p:cNvPr id="6" name="Заголовок 1"/>
-          <p:cNvSpPr>
-            <a:spLocks noGrp="1"/>
-          </p:cNvSpPr>
-          <p:nvPr>
-            <p:ph type="title"/>
-          </p:nvPr>
-        </p:nvSpPr>
-        <p:spPr>
-          <a:xfrm>
-            <a:off x="838200" y="365125"/>
-            <a:ext cx="10515600" cy="1325563"/>
-          </a:xfrm>
-        </p:spPr>
-        <p:txBody>
-          <a:bodyPr/>
-          <a:lstStyle/>
-          <a:p>
-            <a:r>
-              <a:rPr lang="en-US" dirty="0">
-                <a:solidFill>
-                  <a:srgbClr val="003399"/>
-                </a:solidFill>
-              </a:rPr>
-              <a:t>maven-</a:t>
-            </a:r>
-            <a:r>
-              <a:rPr lang="en-US" dirty="0" err="1">
-                <a:solidFill>
-                  <a:srgbClr val="003399"/>
-                </a:solidFill>
-              </a:rPr>
-              <a:t>javadoc</a:t>
-            </a:r>
-            <a:r>
-              <a:rPr lang="en-US" dirty="0">
-                <a:solidFill>
-                  <a:srgbClr val="003399"/>
-                </a:solidFill>
-              </a:rPr>
-              <a:t>-plugin</a:t>
-            </a:r>
-            <a:endParaRPr lang="ru-RU" dirty="0">
+              <a:rPr lang="ru-RU" sz="2400" dirty="0">
+                <a:solidFill>
+                  <a:srgbClr val="003399"/>
+                </a:solidFill>
+              </a:rPr>
+              <a:t>производительность, </a:t>
+            </a:r>
+            <a:br>
+              <a:rPr lang="ru-RU" sz="2400" dirty="0">
+                <a:solidFill>
+                  <a:srgbClr val="003399"/>
+                </a:solidFill>
+              </a:rPr>
+            </a:br>
+            <a:r>
+              <a:rPr lang="ru-RU" sz="2400" dirty="0">
+                <a:solidFill>
+                  <a:srgbClr val="003399"/>
+                </a:solidFill>
+              </a:rPr>
+              <a:t>(инкрементальные сборки, кэш)</a:t>
+            </a:r>
+            <a:endParaRPr lang="en-US" sz="2400" dirty="0">
               <a:solidFill>
                 <a:srgbClr val="003399"/>
               </a:solidFill>
             </a:endParaRPr>
           </a:p>
-        </p:txBody>
-      </p:sp>
-      <p:sp>
-        <p:nvSpPr>
-          <p:cNvPr id="4" name="TextBox 3"/>
-          <p:cNvSpPr txBox="1"/>
-          <p:nvPr/>
-        </p:nvSpPr>
-        <p:spPr>
-          <a:xfrm flipH="1">
-            <a:off x="2299716" y="4003286"/>
-            <a:ext cx="923545" cy="369332"/>
-          </a:xfrm>
-          <a:prstGeom prst="rect">
-            <a:avLst/>
-          </a:prstGeom>
-          <a:noFill/>
-        </p:spPr>
-        <p:txBody>
-          <a:bodyPr wrap="square" rtlCol="0">
-            <a:spAutoFit/>
-          </a:bodyPr>
-          <a:lstStyle/>
-          <a:p>
-            <a:r>
-              <a:rPr lang="en-US" dirty="0">
-                <a:solidFill>
-                  <a:srgbClr val="003399"/>
-                </a:solidFill>
-              </a:rPr>
-              <a:t>groupId</a:t>
-            </a:r>
-            <a:endParaRPr lang="ru-RU" dirty="0">
+          <a:p>
+            <a:pPr>
+              <a:lnSpc>
+                <a:spcPct val="80000"/>
+              </a:lnSpc>
+              <a:spcBef>
+                <a:spcPts val="0"/>
+              </a:spcBef>
+              <a:buSzPct val="100000"/>
+              <a:buFont typeface="Системный шрифт, обычный"/>
+              <a:buChar char="−"/>
+            </a:pPr>
+            <a:endParaRPr lang="en-US" sz="2400" dirty="0">
               <a:solidFill>
                 <a:srgbClr val="003399"/>
               </a:solidFill>
             </a:endParaRPr>
           </a:p>
-        </p:txBody>
-      </p:sp>
-      <p:sp>
-        <p:nvSpPr>
-          <p:cNvPr id="5" name="TextBox 4"/>
-          <p:cNvSpPr txBox="1"/>
-          <p:nvPr/>
-        </p:nvSpPr>
-        <p:spPr>
-          <a:xfrm flipH="1">
-            <a:off x="5798056" y="4003286"/>
-            <a:ext cx="1127001" cy="369332"/>
-          </a:xfrm>
-          <a:prstGeom prst="rect">
-            <a:avLst/>
-          </a:prstGeom>
-          <a:noFill/>
-        </p:spPr>
-        <p:txBody>
-          <a:bodyPr wrap="square" rtlCol="0">
-            <a:spAutoFit/>
-          </a:bodyPr>
-          <a:lstStyle/>
-          <a:p>
-            <a:r>
-              <a:rPr lang="en-US" dirty="0">
-                <a:solidFill>
-                  <a:srgbClr val="003399"/>
-                </a:solidFill>
-              </a:rPr>
-              <a:t>artifactId</a:t>
-            </a:r>
-            <a:endParaRPr lang="ru-RU" dirty="0">
+          <a:p>
+            <a:pPr>
+              <a:lnSpc>
+                <a:spcPct val="80000"/>
+              </a:lnSpc>
+              <a:spcBef>
+                <a:spcPts val="0"/>
+              </a:spcBef>
+              <a:buSzPct val="100000"/>
+              <a:buFont typeface="Системный шрифт, обычный"/>
+              <a:buChar char="−"/>
+            </a:pPr>
+            <a:r>
+              <a:rPr lang="ru-RU" sz="2400" dirty="0">
+                <a:solidFill>
+                  <a:srgbClr val="003399"/>
+                </a:solidFill>
+              </a:rPr>
+              <a:t>гибкость</a:t>
+            </a:r>
+            <a:endParaRPr lang="en-US" sz="2400" dirty="0">
               <a:solidFill>
                 <a:srgbClr val="003399"/>
               </a:solidFill>
             </a:endParaRPr>
           </a:p>
-        </p:txBody>
-      </p:sp>
-      <p:sp>
-        <p:nvSpPr>
-          <p:cNvPr id="7" name="TextBox 6"/>
-          <p:cNvSpPr txBox="1"/>
-          <p:nvPr/>
-        </p:nvSpPr>
-        <p:spPr>
-          <a:xfrm flipH="1">
-            <a:off x="8677656" y="4003286"/>
-            <a:ext cx="923545" cy="369332"/>
-          </a:xfrm>
-          <a:prstGeom prst="rect">
-            <a:avLst/>
-          </a:prstGeom>
-          <a:noFill/>
-        </p:spPr>
-        <p:txBody>
-          <a:bodyPr wrap="square" rtlCol="0">
-            <a:spAutoFit/>
-          </a:bodyPr>
-          <a:lstStyle/>
-          <a:p>
-            <a:r>
-              <a:rPr lang="en-US" dirty="0">
-                <a:solidFill>
-                  <a:srgbClr val="003399"/>
-                </a:solidFill>
-              </a:rPr>
-              <a:t>version</a:t>
-            </a:r>
-            <a:endParaRPr lang="ru-RU" dirty="0">
+          <a:p>
+            <a:pPr>
+              <a:lnSpc>
+                <a:spcPct val="80000"/>
+              </a:lnSpc>
+              <a:spcBef>
+                <a:spcPts val="0"/>
+              </a:spcBef>
+              <a:buSzPct val="100000"/>
+              <a:buFont typeface="Системный шрифт, обычный"/>
+              <a:buChar char="−"/>
+            </a:pPr>
+            <a:endParaRPr lang="en-US" sz="2400" dirty="0">
               <a:solidFill>
                 <a:srgbClr val="003399"/>
               </a:solidFill>
             </a:endParaRPr>
           </a:p>
-        </p:txBody>
-      </p:sp>
-      <p:cxnSp>
-        <p:nvCxnSpPr>
-          <p:cNvPr id="8" name="Прямая со стрелкой 7"/>
-          <p:cNvCxnSpPr/>
-          <p:nvPr/>
-        </p:nvCxnSpPr>
-        <p:spPr>
-          <a:xfrm flipV="1">
-            <a:off x="2896745" y="3630168"/>
-            <a:ext cx="146304" cy="363974"/>
-          </a:xfrm>
-          <a:prstGeom prst="straightConnector1">
-            <a:avLst/>
-          </a:prstGeom>
-          <a:ln>
-            <a:tailEnd type="triangle"/>
-          </a:ln>
-        </p:spPr>
-        <p:style>
-          <a:lnRef idx="1">
-            <a:schemeClr val="accent1"/>
-          </a:lnRef>
-          <a:fillRef idx="0">
-            <a:schemeClr val="accent1"/>
-          </a:fillRef>
-          <a:effectRef idx="0">
-            <a:schemeClr val="accent1"/>
-          </a:effectRef>
-          <a:fontRef idx="minor">
-            <a:schemeClr val="tx1"/>
-          </a:fontRef>
-        </p:style>
-      </p:cxnSp>
-      <p:cxnSp>
-        <p:nvCxnSpPr>
-          <p:cNvPr id="9" name="Прямая со стрелкой 8"/>
-          <p:cNvCxnSpPr/>
-          <p:nvPr/>
-        </p:nvCxnSpPr>
-        <p:spPr>
-          <a:xfrm flipV="1">
-            <a:off x="6141722" y="3686363"/>
-            <a:ext cx="146304" cy="363974"/>
-          </a:xfrm>
-          <a:prstGeom prst="straightConnector1">
-            <a:avLst/>
-          </a:prstGeom>
-          <a:ln>
-            <a:tailEnd type="triangle"/>
-          </a:ln>
-        </p:spPr>
-        <p:style>
-          <a:lnRef idx="1">
-            <a:schemeClr val="accent1"/>
-          </a:lnRef>
-          <a:fillRef idx="0">
-            <a:schemeClr val="accent1"/>
-          </a:fillRef>
-          <a:effectRef idx="0">
-            <a:schemeClr val="accent1"/>
-          </a:effectRef>
-          <a:fontRef idx="minor">
-            <a:schemeClr val="tx1"/>
-          </a:fontRef>
-        </p:style>
-      </p:cxnSp>
-      <p:cxnSp>
-        <p:nvCxnSpPr>
-          <p:cNvPr id="10" name="Прямая со стрелкой 9"/>
-          <p:cNvCxnSpPr/>
-          <p:nvPr/>
-        </p:nvCxnSpPr>
-        <p:spPr>
-          <a:xfrm flipH="1" flipV="1">
-            <a:off x="8804149" y="3639312"/>
-            <a:ext cx="156967" cy="395716"/>
-          </a:xfrm>
-          <a:prstGeom prst="straightConnector1">
-            <a:avLst/>
-          </a:prstGeom>
-          <a:ln>
-            <a:tailEnd type="triangle"/>
-          </a:ln>
-        </p:spPr>
-        <p:style>
-          <a:lnRef idx="1">
-            <a:schemeClr val="accent1"/>
-          </a:lnRef>
-          <a:fillRef idx="0">
-            <a:schemeClr val="accent1"/>
-          </a:fillRef>
-          <a:effectRef idx="0">
-            <a:schemeClr val="accent1"/>
-          </a:effectRef>
-          <a:fontRef idx="minor">
-            <a:schemeClr val="tx1"/>
-          </a:fontRef>
-        </p:style>
-      </p:cxnSp>
+          <a:p>
+            <a:pPr>
+              <a:lnSpc>
+                <a:spcPct val="80000"/>
+              </a:lnSpc>
+              <a:spcBef>
+                <a:spcPts val="0"/>
+              </a:spcBef>
+              <a:buSzPct val="100000"/>
+              <a:buFont typeface="Системный шрифт, обычный"/>
+              <a:buChar char="−"/>
+            </a:pPr>
+            <a:r>
+              <a:rPr lang="ru-RU" sz="2400" dirty="0">
+                <a:solidFill>
+                  <a:srgbClr val="003399"/>
+                </a:solidFill>
+              </a:rPr>
+              <a:t>более глубокое управление зависимостями</a:t>
+            </a:r>
+          </a:p>
+          <a:p>
+            <a:pPr>
+              <a:lnSpc>
+                <a:spcPct val="80000"/>
+              </a:lnSpc>
+              <a:spcBef>
+                <a:spcPts val="0"/>
+              </a:spcBef>
+              <a:buSzPct val="100000"/>
+              <a:buFont typeface="Системный шрифт, обычный"/>
+              <a:buChar char="−"/>
+            </a:pPr>
+            <a:endParaRPr lang="ru-RU" sz="2400" dirty="0">
+              <a:solidFill>
+                <a:srgbClr val="003399"/>
+              </a:solidFill>
+            </a:endParaRPr>
+          </a:p>
+          <a:p>
+            <a:pPr>
+              <a:lnSpc>
+                <a:spcPct val="80000"/>
+              </a:lnSpc>
+              <a:spcBef>
+                <a:spcPts val="0"/>
+              </a:spcBef>
+              <a:buSzPct val="100000"/>
+              <a:buFont typeface="Системный шрифт, обычный"/>
+              <a:buChar char="−"/>
+            </a:pPr>
+            <a:r>
+              <a:rPr lang="ru-RU" sz="2400" dirty="0">
+                <a:solidFill>
+                  <a:srgbClr val="003399"/>
+                </a:solidFill>
+              </a:rPr>
+              <a:t>поддержка нескольких языков программирования</a:t>
+            </a:r>
+          </a:p>
+          <a:p>
+            <a:pPr>
+              <a:lnSpc>
+                <a:spcPct val="80000"/>
+              </a:lnSpc>
+              <a:spcBef>
+                <a:spcPts val="0"/>
+              </a:spcBef>
+              <a:buSzPct val="100000"/>
+              <a:buFont typeface="Системный шрифт, обычный"/>
+              <a:buChar char="−"/>
+            </a:pPr>
+            <a:endParaRPr lang="ru-RU" sz="2400" dirty="0">
+              <a:solidFill>
+                <a:srgbClr val="003399"/>
+              </a:solidFill>
+            </a:endParaRPr>
+          </a:p>
+          <a:p>
+            <a:pPr>
+              <a:lnSpc>
+                <a:spcPct val="80000"/>
+              </a:lnSpc>
+              <a:spcBef>
+                <a:spcPts val="0"/>
+              </a:spcBef>
+              <a:buSzPct val="100000"/>
+              <a:buFont typeface="Системный шрифт, обычный"/>
+              <a:buChar char="−"/>
+            </a:pPr>
+            <a:r>
+              <a:rPr lang="ru-RU" sz="2400" dirty="0">
+                <a:solidFill>
+                  <a:srgbClr val="003399"/>
+                </a:solidFill>
+              </a:rPr>
+              <a:t>доменно-специфический язык программирования: </a:t>
+            </a:r>
+            <a:r>
+              <a:rPr lang="en-US" sz="2400" dirty="0">
+                <a:solidFill>
+                  <a:srgbClr val="003399"/>
+                </a:solidFill>
+              </a:rPr>
+              <a:t>DSL</a:t>
+            </a:r>
+            <a:endParaRPr lang="ru-RU" sz="2400" dirty="0">
+              <a:solidFill>
+                <a:srgbClr val="003399"/>
+              </a:solidFill>
+            </a:endParaRPr>
+          </a:p>
+          <a:p>
+            <a:pPr>
+              <a:lnSpc>
+                <a:spcPct val="80000"/>
+              </a:lnSpc>
+              <a:spcBef>
+                <a:spcPts val="0"/>
+              </a:spcBef>
+              <a:buSzPct val="100000"/>
+              <a:buFont typeface="Системный шрифт, обычный"/>
+              <a:buChar char="−"/>
+            </a:pPr>
+            <a:endParaRPr lang="ru-RU" sz="2400" dirty="0">
+              <a:solidFill>
+                <a:srgbClr val="003399"/>
+              </a:solidFill>
+            </a:endParaRPr>
+          </a:p>
+          <a:p>
+            <a:pPr>
+              <a:lnSpc>
+                <a:spcPct val="80000"/>
+              </a:lnSpc>
+              <a:spcBef>
+                <a:spcPts val="0"/>
+              </a:spcBef>
+              <a:buSzPct val="100000"/>
+              <a:buFont typeface="Системный шрифт, обычный"/>
+              <a:buChar char="−"/>
+            </a:pPr>
+            <a:endParaRPr lang="ru-RU" sz="2400" dirty="0">
+              <a:solidFill>
+                <a:srgbClr val="003399"/>
+              </a:solidFill>
+            </a:endParaRPr>
+          </a:p>
+          <a:p>
+            <a:pPr>
+              <a:lnSpc>
+                <a:spcPct val="80000"/>
+              </a:lnSpc>
+              <a:spcBef>
+                <a:spcPts val="0"/>
+              </a:spcBef>
+              <a:buSzPct val="100000"/>
+              <a:buFont typeface="Системный шрифт, обычный"/>
+              <a:buChar char="−"/>
+            </a:pPr>
+            <a:endParaRPr lang="ru-RU" sz="2400" dirty="0">
+              <a:solidFill>
+                <a:srgbClr val="003399"/>
+              </a:solidFill>
+            </a:endParaRPr>
+          </a:p>
+          <a:p>
+            <a:pPr>
+              <a:lnSpc>
+                <a:spcPct val="80000"/>
+              </a:lnSpc>
+              <a:spcBef>
+                <a:spcPts val="0"/>
+              </a:spcBef>
+              <a:buSzPct val="100000"/>
+              <a:buFont typeface="Системный шрифт, обычный"/>
+              <a:buChar char="−"/>
+            </a:pPr>
+            <a:r>
+              <a:rPr lang="ru-RU" sz="2400" dirty="0">
+                <a:solidFill>
+                  <a:srgbClr val="003399"/>
+                </a:solidFill>
+              </a:rPr>
+              <a:t>проще в освоении</a:t>
+            </a:r>
+          </a:p>
+          <a:p>
+            <a:pPr>
+              <a:lnSpc>
+                <a:spcPct val="80000"/>
+              </a:lnSpc>
+              <a:spcBef>
+                <a:spcPts val="0"/>
+              </a:spcBef>
+              <a:buSzPct val="100000"/>
+              <a:buFont typeface="Системный шрифт, обычный"/>
+              <a:buChar char="−"/>
+            </a:pPr>
+            <a:endParaRPr lang="ru-RU" sz="2400" dirty="0">
+              <a:solidFill>
+                <a:srgbClr val="003399"/>
+              </a:solidFill>
+            </a:endParaRPr>
+          </a:p>
+          <a:p>
+            <a:pPr>
+              <a:lnSpc>
+                <a:spcPct val="80000"/>
+              </a:lnSpc>
+              <a:spcBef>
+                <a:spcPts val="0"/>
+              </a:spcBef>
+              <a:buSzPct val="100000"/>
+              <a:buFont typeface="Системный шрифт, обычный"/>
+              <a:buChar char="−"/>
+            </a:pPr>
+            <a:r>
+              <a:rPr lang="ru-RU" sz="2400" dirty="0">
+                <a:solidFill>
+                  <a:srgbClr val="003399"/>
+                </a:solidFill>
+              </a:rPr>
+              <a:t>набор поведений и настроек по умолчанию</a:t>
+            </a:r>
+          </a:p>
+          <a:p>
+            <a:pPr>
+              <a:lnSpc>
+                <a:spcPct val="80000"/>
+              </a:lnSpc>
+              <a:spcBef>
+                <a:spcPts val="0"/>
+              </a:spcBef>
+              <a:buSzPct val="100000"/>
+              <a:buFont typeface="Системный шрифт, обычный"/>
+              <a:buChar char="−"/>
+            </a:pPr>
+            <a:endParaRPr lang="ru-RU" sz="2400" dirty="0">
+              <a:solidFill>
+                <a:srgbClr val="003399"/>
+              </a:solidFill>
+            </a:endParaRPr>
+          </a:p>
+        </p:txBody>
+      </p:sp>
     </p:spTree>
     <p:extLst>
       <p:ext uri="{BB962C8B-B14F-4D97-AF65-F5344CB8AC3E}">
-        <p14:creationId xmlns:p14="http://schemas.microsoft.com/office/powerpoint/2010/main" val="2374163260"/>
+        <p14:creationId xmlns:p14="http://schemas.microsoft.com/office/powerpoint/2010/main" val="3175960242"/>
       </p:ext>
     </p:extLst>
   </p:cSld>
@@ -10099,135 +10739,10 @@
       </p:grpSpPr>
       <p:sp>
         <p:nvSpPr>
-          <p:cNvPr id="3" name="Объект 2"/>
-          <p:cNvSpPr>
-            <a:spLocks noGrp="1"/>
-          </p:cNvSpPr>
-          <p:nvPr>
-            <p:ph idx="1"/>
-          </p:nvPr>
-        </p:nvSpPr>
-        <p:spPr>
-          <a:xfrm>
-            <a:off x="838200" y="1825624"/>
-            <a:ext cx="10515600" cy="4703192"/>
-          </a:xfrm>
-        </p:spPr>
-        <p:txBody>
-          <a:bodyPr>
-            <a:normAutofit/>
-          </a:bodyPr>
-          <a:lstStyle/>
-          <a:p>
-            <a:pPr marL="0" indent="0">
-              <a:buNone/>
-            </a:pPr>
-            <a:r>
-              <a:rPr lang="en-US" dirty="0">
-                <a:solidFill>
-                  <a:srgbClr val="003399"/>
-                </a:solidFill>
-                <a:latin typeface="+mj-lt"/>
-              </a:rPr>
-              <a:t>https://drive.google.com/file/d/14maqANo6l4DXARTZiRsMBTkMHkR4ZndK/view?usp=sharing</a:t>
-            </a:r>
-          </a:p>
-          <a:p>
-            <a:pPr marL="0" indent="0">
-              <a:buNone/>
-            </a:pPr>
-            <a:endParaRPr lang="ru-RU" sz="2000" dirty="0">
-              <a:solidFill>
-                <a:srgbClr val="003399"/>
-              </a:solidFill>
-              <a:latin typeface="+mj-lt"/>
-            </a:endParaRPr>
-          </a:p>
-          <a:p>
-            <a:pPr marL="0" indent="0">
-              <a:buNone/>
-            </a:pPr>
-            <a:endParaRPr lang="ru-RU" sz="2000" dirty="0">
-              <a:solidFill>
-                <a:srgbClr val="003399"/>
-              </a:solidFill>
-              <a:latin typeface="+mj-lt"/>
-            </a:endParaRPr>
-          </a:p>
-        </p:txBody>
-      </p:sp>
-      <p:sp>
-        <p:nvSpPr>
-          <p:cNvPr id="6" name="Заголовок 1"/>
-          <p:cNvSpPr>
-            <a:spLocks noGrp="1"/>
-          </p:cNvSpPr>
-          <p:nvPr>
-            <p:ph type="title"/>
-          </p:nvPr>
-        </p:nvSpPr>
-        <p:spPr>
-          <a:xfrm>
-            <a:off x="838200" y="365125"/>
-            <a:ext cx="10515600" cy="1325563"/>
-          </a:xfrm>
-        </p:spPr>
-        <p:txBody>
-          <a:bodyPr/>
-          <a:lstStyle/>
-          <a:p>
-            <a:r>
-              <a:rPr lang="en-US" dirty="0">
-                <a:solidFill>
-                  <a:srgbClr val="003399"/>
-                </a:solidFill>
-              </a:rPr>
-              <a:t>POM</a:t>
-            </a:r>
-            <a:endParaRPr lang="ru-RU" dirty="0">
-              <a:solidFill>
-                <a:srgbClr val="003399"/>
-              </a:solidFill>
-            </a:endParaRPr>
-          </a:p>
-        </p:txBody>
-      </p:sp>
-    </p:spTree>
-    <p:extLst>
-      <p:ext uri="{BB962C8B-B14F-4D97-AF65-F5344CB8AC3E}">
-        <p14:creationId xmlns:p14="http://schemas.microsoft.com/office/powerpoint/2010/main" val="3087071523"/>
-      </p:ext>
-    </p:extLst>
-  </p:cSld>
-  <p:clrMapOvr>
-    <a:masterClrMapping/>
-  </p:clrMapOvr>
-</p:sld>
-</file>
-
-<file path=ppt/slides/slide31.xml><?xml version="1.0" encoding="utf-8"?>
-<p:sld xmlns:a="http://schemas.openxmlformats.org/drawingml/2006/main" xmlns:r="http://schemas.openxmlformats.org/officeDocument/2006/relationships" xmlns:p="http://schemas.openxmlformats.org/presentationml/2006/main">
-  <p:cSld>
-    <p:spTree>
-      <p:nvGrpSpPr>
-        <p:cNvPr id="1" name=""/>
-        <p:cNvGrpSpPr/>
-        <p:nvPr/>
-      </p:nvGrpSpPr>
-      <p:grpSpPr>
-        <a:xfrm>
-          <a:off x="0" y="0"/>
-          <a:ext cx="0" cy="0"/>
-          <a:chOff x="0" y="0"/>
-          <a:chExt cx="0" cy="0"/>
-        </a:xfrm>
-      </p:grpSpPr>
-      <p:sp>
-        <p:nvSpPr>
           <p:cNvPr id="2" name="Title 1">
             <a:extLst>
               <a:ext uri="{FF2B5EF4-FFF2-40B4-BE49-F238E27FC236}">
-                <a16:creationId xmlns:a16="http://schemas.microsoft.com/office/drawing/2014/main" id="{3771D9DA-E78C-48EE-B034-6095DC34451D}"/>
+                <a16:creationId xmlns:a16="http://schemas.microsoft.com/office/drawing/2014/main" id="{03B4D63F-9715-4A1C-ADD2-572E01409FA7}"/>
               </a:ext>
             </a:extLst>
           </p:cNvPr>
@@ -10244,12 +10759,8 @@
           <a:lstStyle/>
           <a:p>
             <a:r>
-              <a:rPr lang="en-US" dirty="0">
-                <a:solidFill>
-                  <a:srgbClr val="003399"/>
-                </a:solidFill>
-              </a:rPr>
-              <a:t>Gradle</a:t>
+              <a:rPr lang="en-US" dirty="0"/>
+              <a:t>See also</a:t>
             </a:r>
           </a:p>
         </p:txBody>
@@ -10259,7 +10770,7 @@
           <p:cNvPr id="3" name="Content Placeholder 2">
             <a:extLst>
               <a:ext uri="{FF2B5EF4-FFF2-40B4-BE49-F238E27FC236}">
-                <a16:creationId xmlns:a16="http://schemas.microsoft.com/office/drawing/2014/main" id="{7AEE3BF9-61C3-4148-B09C-237193E76348}"/>
+                <a16:creationId xmlns:a16="http://schemas.microsoft.com/office/drawing/2014/main" id="{2911AEB6-84A5-47E4-811B-0C25D0CA5441}"/>
               </a:ext>
             </a:extLst>
           </p:cNvPr>
@@ -10279,1868 +10790,53 @@
               <a:buNone/>
             </a:pPr>
             <a:r>
-              <a:rPr lang="ru-RU" dirty="0" err="1">
-                <a:solidFill>
-                  <a:srgbClr val="003399"/>
-                </a:solidFill>
-                <a:latin typeface="+mj-lt"/>
-              </a:rPr>
-              <a:t>Gradle</a:t>
-            </a:r>
-            <a:r>
-              <a:rPr lang="ru-RU" dirty="0">
-                <a:solidFill>
-                  <a:srgbClr val="003399"/>
-                </a:solidFill>
-                <a:latin typeface="+mj-lt"/>
-              </a:rPr>
-              <a:t> был впервые выпущен в 2008 году. Основываясь на концепциях </a:t>
-            </a:r>
-            <a:r>
-              <a:rPr lang="ru-RU" dirty="0" err="1">
-                <a:solidFill>
-                  <a:srgbClr val="003399"/>
-                </a:solidFill>
-                <a:latin typeface="+mj-lt"/>
-              </a:rPr>
-              <a:t>Maven</a:t>
-            </a:r>
-            <a:r>
-              <a:rPr lang="ru-RU" dirty="0">
-                <a:solidFill>
-                  <a:srgbClr val="003399"/>
-                </a:solidFill>
-                <a:latin typeface="+mj-lt"/>
-              </a:rPr>
-              <a:t>, он был представлен как преемник </a:t>
-            </a:r>
-            <a:r>
-              <a:rPr lang="ru-RU" dirty="0" err="1">
-                <a:solidFill>
-                  <a:srgbClr val="003399"/>
-                </a:solidFill>
-                <a:latin typeface="+mj-lt"/>
-              </a:rPr>
-              <a:t>Maven</a:t>
-            </a:r>
-            <a:r>
-              <a:rPr lang="ru-RU" dirty="0">
-                <a:solidFill>
-                  <a:srgbClr val="003399"/>
-                </a:solidFill>
-                <a:latin typeface="+mj-lt"/>
-              </a:rPr>
-              <a:t>. Вместо того, чтобы использовать конфигурацию проекта </a:t>
-            </a:r>
-            <a:r>
-              <a:rPr lang="ru-RU" dirty="0" err="1">
-                <a:solidFill>
-                  <a:srgbClr val="003399"/>
-                </a:solidFill>
-                <a:latin typeface="+mj-lt"/>
-              </a:rPr>
-              <a:t>Maven</a:t>
-            </a:r>
-            <a:r>
-              <a:rPr lang="ru-RU" dirty="0">
-                <a:solidFill>
-                  <a:srgbClr val="003399"/>
-                </a:solidFill>
-                <a:latin typeface="+mj-lt"/>
-              </a:rPr>
-              <a:t> на основе XML, он представил предметно-ориентированный язык (DSL</a:t>
+              <a:rPr lang="ru-RU" dirty="0"/>
+              <a:t>Доклад Евгения Борисова – </a:t>
+            </a:r>
+            <a:r>
+              <a:rPr lang="en-US" dirty="0"/>
+              <a:t>Power of Gradle</a:t>
+            </a:r>
+            <a:r>
+              <a:rPr lang="ru-RU" dirty="0"/>
+              <a:t> (2013-ый год </a:t>
             </a:r>
             <a:r>
               <a:rPr lang="en-US" dirty="0">
-                <a:solidFill>
-                  <a:srgbClr val="003399"/>
-                </a:solidFill>
-                <a:latin typeface="+mj-lt"/>
-              </a:rPr>
-              <a:t>*</a:t>
-            </a:r>
-            <a:r>
-              <a:rPr lang="ru-RU" dirty="0">
-                <a:solidFill>
-                  <a:srgbClr val="003399"/>
-                </a:solidFill>
-                <a:latin typeface="+mj-lt"/>
-              </a:rPr>
-              <a:t>) на основе языков программирования </a:t>
-            </a:r>
-            <a:r>
-              <a:rPr lang="ru-RU" dirty="0" err="1">
-                <a:solidFill>
-                  <a:srgbClr val="003399"/>
-                </a:solidFill>
-                <a:latin typeface="+mj-lt"/>
-              </a:rPr>
-              <a:t>Groovy</a:t>
-            </a:r>
-            <a:endParaRPr lang="en-US" dirty="0">
-              <a:solidFill>
-                <a:srgbClr val="003399"/>
-              </a:solidFill>
-              <a:latin typeface="+mj-lt"/>
-            </a:endParaRPr>
+                <a:sym typeface="Wingdings" panose="05000000000000000000" pitchFamily="2" charset="2"/>
+              </a:rPr>
+              <a:t></a:t>
+            </a:r>
+            <a:r>
+              <a:rPr lang="ru-RU" dirty="0"/>
+              <a:t>)</a:t>
+            </a:r>
+            <a:endParaRPr lang="en-US" dirty="0"/>
           </a:p>
           <a:p>
             <a:pPr marL="0" indent="0">
               <a:buNone/>
             </a:pPr>
-            <a:endParaRPr lang="en-US" dirty="0">
-              <a:solidFill>
-                <a:srgbClr val="003399"/>
-              </a:solidFill>
-              <a:latin typeface="+mj-lt"/>
-            </a:endParaRPr>
+            <a:r>
+              <a:rPr lang="en-US" dirty="0">
+                <a:hlinkClick r:id="rId2"/>
+              </a:rPr>
+              <a:t>https://github.com/mihailaleksseev/conferenceAbstracts/blob/main/%2B%2B%202013%20Gradle%20%7C%20%D0%95%D0%B2%D0%B3%D0%B5%D0%BD%D0%B8%D0%B8%CC%86%20%D0%91%D0%BE%D1%80%D0%B8%D1%81%D0%BE%D0%B2%20%E2%80%94%20Power%20of%20Gradle.pdf</a:t>
+            </a:r>
+            <a:endParaRPr lang="en-US" dirty="0"/>
           </a:p>
           <a:p>
             <a:pPr marL="0" indent="0">
               <a:buNone/>
             </a:pPr>
-            <a:r>
-              <a:rPr lang="en-US" dirty="0">
-                <a:solidFill>
-                  <a:srgbClr val="003399"/>
-                </a:solidFill>
-                <a:latin typeface="+mj-lt"/>
-              </a:rPr>
-              <a:t>* Domain Specific Language</a:t>
-            </a:r>
+            <a:endParaRPr lang="en-US" dirty="0"/>
           </a:p>
         </p:txBody>
       </p:sp>
     </p:spTree>
     <p:extLst>
       <p:ext uri="{BB962C8B-B14F-4D97-AF65-F5344CB8AC3E}">
-        <p14:creationId xmlns:p14="http://schemas.microsoft.com/office/powerpoint/2010/main" val="739156347"/>
-      </p:ext>
-    </p:extLst>
-  </p:cSld>
-  <p:clrMapOvr>
-    <a:masterClrMapping/>
-  </p:clrMapOvr>
-</p:sld>
-</file>
-
-<file path=ppt/slides/slide32.xml><?xml version="1.0" encoding="utf-8"?>
-<p:sld xmlns:a="http://schemas.openxmlformats.org/drawingml/2006/main" xmlns:r="http://schemas.openxmlformats.org/officeDocument/2006/relationships" xmlns:p="http://schemas.openxmlformats.org/presentationml/2006/main">
-  <p:cSld>
-    <p:spTree>
-      <p:nvGrpSpPr>
-        <p:cNvPr id="1" name=""/>
-        <p:cNvGrpSpPr/>
-        <p:nvPr/>
-      </p:nvGrpSpPr>
-      <p:grpSpPr>
-        <a:xfrm>
-          <a:off x="0" y="0"/>
-          <a:ext cx="0" cy="0"/>
-          <a:chOff x="0" y="0"/>
-          <a:chExt cx="0" cy="0"/>
-        </a:xfrm>
-      </p:grpSpPr>
-      <p:sp>
-        <p:nvSpPr>
-          <p:cNvPr id="2" name="Title 1">
-            <a:extLst>
-              <a:ext uri="{FF2B5EF4-FFF2-40B4-BE49-F238E27FC236}">
-                <a16:creationId xmlns:a16="http://schemas.microsoft.com/office/drawing/2014/main" id="{3771D9DA-E78C-48EE-B034-6095DC34451D}"/>
-              </a:ext>
-            </a:extLst>
-          </p:cNvPr>
-          <p:cNvSpPr>
-            <a:spLocks noGrp="1"/>
-          </p:cNvSpPr>
-          <p:nvPr>
-            <p:ph type="title"/>
-          </p:nvPr>
-        </p:nvSpPr>
-        <p:spPr/>
-        <p:txBody>
-          <a:bodyPr/>
-          <a:lstStyle/>
-          <a:p>
-            <a:r>
-              <a:rPr lang="en-US" dirty="0">
-                <a:solidFill>
-                  <a:srgbClr val="003399"/>
-                </a:solidFill>
-              </a:rPr>
-              <a:t>Gradle</a:t>
-            </a:r>
-          </a:p>
-        </p:txBody>
-      </p:sp>
-      <p:sp>
-        <p:nvSpPr>
-          <p:cNvPr id="3" name="Content Placeholder 2">
-            <a:extLst>
-              <a:ext uri="{FF2B5EF4-FFF2-40B4-BE49-F238E27FC236}">
-                <a16:creationId xmlns:a16="http://schemas.microsoft.com/office/drawing/2014/main" id="{7AEE3BF9-61C3-4148-B09C-237193E76348}"/>
-              </a:ext>
-            </a:extLst>
-          </p:cNvPr>
-          <p:cNvSpPr>
-            <a:spLocks noGrp="1"/>
-          </p:cNvSpPr>
-          <p:nvPr>
-            <p:ph idx="1"/>
-          </p:nvPr>
-        </p:nvSpPr>
-        <p:spPr/>
-        <p:txBody>
-          <a:bodyPr/>
-          <a:lstStyle/>
-          <a:p>
-            <a:pPr marL="0" indent="0">
-              <a:buNone/>
-            </a:pPr>
-            <a:r>
-              <a:rPr lang="ru-RU" dirty="0" err="1">
-                <a:solidFill>
-                  <a:srgbClr val="003399"/>
-                </a:solidFill>
-                <a:latin typeface="+mj-lt"/>
-              </a:rPr>
-              <a:t>Gradle</a:t>
-            </a:r>
-            <a:r>
-              <a:rPr lang="ru-RU" dirty="0">
-                <a:solidFill>
-                  <a:srgbClr val="003399"/>
-                </a:solidFill>
-                <a:latin typeface="+mj-lt"/>
-              </a:rPr>
-              <a:t> не использует XML. Вместо этого у него был собственный DSL на основе </a:t>
-            </a:r>
-            <a:r>
-              <a:rPr lang="ru-RU" dirty="0" err="1">
-                <a:solidFill>
-                  <a:srgbClr val="003399"/>
-                </a:solidFill>
-                <a:latin typeface="+mj-lt"/>
-              </a:rPr>
-              <a:t>Groovy</a:t>
-            </a:r>
-            <a:r>
-              <a:rPr lang="ru-RU" dirty="0">
-                <a:solidFill>
-                  <a:srgbClr val="003399"/>
-                </a:solidFill>
-                <a:latin typeface="+mj-lt"/>
-              </a:rPr>
-              <a:t> (один из языков JVM). В результате скрипты сборки </a:t>
-            </a:r>
-            <a:r>
-              <a:rPr lang="ru-RU" dirty="0" err="1">
-                <a:solidFill>
-                  <a:srgbClr val="003399"/>
-                </a:solidFill>
-                <a:latin typeface="+mj-lt"/>
-              </a:rPr>
-              <a:t>Gradle</a:t>
-            </a:r>
-            <a:r>
-              <a:rPr lang="ru-RU" dirty="0">
-                <a:solidFill>
-                  <a:srgbClr val="003399"/>
-                </a:solidFill>
-                <a:latin typeface="+mj-lt"/>
-              </a:rPr>
-              <a:t> имеют тенденцию быть намного короче и понятнее, чем написанные для </a:t>
-            </a:r>
-            <a:r>
-              <a:rPr lang="ru-RU" dirty="0" err="1">
-                <a:solidFill>
-                  <a:srgbClr val="003399"/>
-                </a:solidFill>
-                <a:latin typeface="+mj-lt"/>
-              </a:rPr>
-              <a:t>Ant</a:t>
-            </a:r>
-            <a:r>
-              <a:rPr lang="ru-RU" dirty="0">
-                <a:solidFill>
-                  <a:srgbClr val="003399"/>
-                </a:solidFill>
-                <a:latin typeface="+mj-lt"/>
-              </a:rPr>
-              <a:t> или </a:t>
-            </a:r>
-            <a:r>
-              <a:rPr lang="ru-RU" dirty="0" err="1">
-                <a:solidFill>
-                  <a:srgbClr val="003399"/>
-                </a:solidFill>
-                <a:latin typeface="+mj-lt"/>
-              </a:rPr>
-              <a:t>Maven</a:t>
-            </a:r>
-            <a:r>
-              <a:rPr lang="ru-RU" dirty="0">
-                <a:solidFill>
-                  <a:srgbClr val="003399"/>
-                </a:solidFill>
-                <a:latin typeface="+mj-lt"/>
-              </a:rPr>
-              <a:t>. Объем стандартного кода намного меньше с </a:t>
-            </a:r>
-            <a:r>
-              <a:rPr lang="ru-RU" dirty="0" err="1">
-                <a:solidFill>
-                  <a:srgbClr val="003399"/>
-                </a:solidFill>
-                <a:latin typeface="+mj-lt"/>
-              </a:rPr>
-              <a:t>Gradle</a:t>
-            </a:r>
-            <a:r>
-              <a:rPr lang="ru-RU" dirty="0">
-                <a:solidFill>
-                  <a:srgbClr val="003399"/>
-                </a:solidFill>
-                <a:latin typeface="+mj-lt"/>
-              </a:rPr>
-              <a:t>, поскольку его DSL предназначен для решения конкретной проблемы: продвижение программного обеспечения через его жизненный цикл, от компиляции до статического анализа и тестирования до упаковки и развертывания.</a:t>
-            </a:r>
-            <a:endParaRPr lang="en-US" dirty="0">
-              <a:solidFill>
-                <a:srgbClr val="003399"/>
-              </a:solidFill>
-              <a:latin typeface="+mj-lt"/>
-            </a:endParaRPr>
-          </a:p>
-        </p:txBody>
-      </p:sp>
-    </p:spTree>
-    <p:extLst>
-      <p:ext uri="{BB962C8B-B14F-4D97-AF65-F5344CB8AC3E}">
-        <p14:creationId xmlns:p14="http://schemas.microsoft.com/office/powerpoint/2010/main" val="2114696384"/>
-      </p:ext>
-    </p:extLst>
-  </p:cSld>
-  <p:clrMapOvr>
-    <a:masterClrMapping/>
-  </p:clrMapOvr>
-</p:sld>
-</file>
-
-<file path=ppt/slides/slide33.xml><?xml version="1.0" encoding="utf-8"?>
-<p:sld xmlns:a="http://schemas.openxmlformats.org/drawingml/2006/main" xmlns:r="http://schemas.openxmlformats.org/officeDocument/2006/relationships" xmlns:p="http://schemas.openxmlformats.org/presentationml/2006/main">
-  <p:cSld>
-    <p:spTree>
-      <p:nvGrpSpPr>
-        <p:cNvPr id="1" name=""/>
-        <p:cNvGrpSpPr/>
-        <p:nvPr/>
-      </p:nvGrpSpPr>
-      <p:grpSpPr>
-        <a:xfrm>
-          <a:off x="0" y="0"/>
-          <a:ext cx="0" cy="0"/>
-          <a:chOff x="0" y="0"/>
-          <a:chExt cx="0" cy="0"/>
-        </a:xfrm>
-      </p:grpSpPr>
-      <p:sp>
-        <p:nvSpPr>
-          <p:cNvPr id="2" name="Title 1">
-            <a:extLst>
-              <a:ext uri="{FF2B5EF4-FFF2-40B4-BE49-F238E27FC236}">
-                <a16:creationId xmlns:a16="http://schemas.microsoft.com/office/drawing/2014/main" id="{3771D9DA-E78C-48EE-B034-6095DC34451D}"/>
-              </a:ext>
-            </a:extLst>
-          </p:cNvPr>
-          <p:cNvSpPr>
-            <a:spLocks noGrp="1"/>
-          </p:cNvSpPr>
-          <p:nvPr>
-            <p:ph type="title"/>
-          </p:nvPr>
-        </p:nvSpPr>
-        <p:spPr/>
-        <p:txBody>
-          <a:bodyPr/>
-          <a:lstStyle/>
-          <a:p>
-            <a:r>
-              <a:rPr lang="en-US" dirty="0">
-                <a:solidFill>
-                  <a:srgbClr val="003399"/>
-                </a:solidFill>
-              </a:rPr>
-              <a:t>Gradle </a:t>
-            </a:r>
-            <a:r>
-              <a:rPr lang="ru-RU" dirty="0">
-                <a:solidFill>
-                  <a:srgbClr val="003399"/>
-                </a:solidFill>
-              </a:rPr>
-              <a:t>репозитории</a:t>
-            </a:r>
-            <a:endParaRPr lang="en-US" dirty="0">
-              <a:solidFill>
-                <a:srgbClr val="003399"/>
-              </a:solidFill>
-            </a:endParaRPr>
-          </a:p>
-        </p:txBody>
-      </p:sp>
-      <p:sp>
-        <p:nvSpPr>
-          <p:cNvPr id="3" name="Content Placeholder 2">
-            <a:extLst>
-              <a:ext uri="{FF2B5EF4-FFF2-40B4-BE49-F238E27FC236}">
-                <a16:creationId xmlns:a16="http://schemas.microsoft.com/office/drawing/2014/main" id="{7AEE3BF9-61C3-4148-B09C-237193E76348}"/>
-              </a:ext>
-            </a:extLst>
-          </p:cNvPr>
-          <p:cNvSpPr>
-            <a:spLocks noGrp="1"/>
-          </p:cNvSpPr>
-          <p:nvPr>
-            <p:ph idx="1"/>
-          </p:nvPr>
-        </p:nvSpPr>
-        <p:spPr/>
-        <p:txBody>
-          <a:bodyPr/>
-          <a:lstStyle/>
-          <a:p>
-            <a:pPr marL="0" indent="0">
-              <a:buNone/>
-            </a:pPr>
-            <a:r>
-              <a:rPr lang="ru-RU" dirty="0" err="1">
-                <a:solidFill>
-                  <a:srgbClr val="003399"/>
-                </a:solidFill>
-                <a:latin typeface="+mj-lt"/>
-              </a:rPr>
-              <a:t>Gradle</a:t>
-            </a:r>
-            <a:r>
-              <a:rPr lang="ru-RU" dirty="0">
-                <a:solidFill>
-                  <a:srgbClr val="003399"/>
-                </a:solidFill>
-                <a:latin typeface="+mj-lt"/>
-              </a:rPr>
-              <a:t> не имеет собственных репозиториев и в качестве источника зависимостей использует </a:t>
-            </a:r>
-            <a:r>
-              <a:rPr lang="ru-RU" dirty="0" err="1">
-                <a:solidFill>
-                  <a:srgbClr val="003399"/>
-                </a:solidFill>
-                <a:latin typeface="+mj-lt"/>
-              </a:rPr>
-              <a:t>Maven</a:t>
-            </a:r>
-            <a:r>
-              <a:rPr lang="ru-RU" dirty="0">
-                <a:solidFill>
-                  <a:srgbClr val="003399"/>
-                </a:solidFill>
-                <a:latin typeface="+mj-lt"/>
-              </a:rPr>
-              <a:t> и </a:t>
-            </a:r>
-            <a:r>
-              <a:rPr lang="ru-RU" dirty="0" err="1">
-                <a:solidFill>
-                  <a:srgbClr val="003399"/>
-                </a:solidFill>
-                <a:latin typeface="+mj-lt"/>
-              </a:rPr>
-              <a:t>Ivy</a:t>
-            </a:r>
-            <a:r>
-              <a:rPr lang="en-US" dirty="0">
-                <a:solidFill>
-                  <a:srgbClr val="003399"/>
-                </a:solidFill>
-                <a:latin typeface="+mj-lt"/>
-              </a:rPr>
-              <a:t> </a:t>
-            </a:r>
-            <a:r>
-              <a:rPr lang="ru-RU" dirty="0">
-                <a:solidFill>
-                  <a:srgbClr val="003399"/>
-                </a:solidFill>
-                <a:latin typeface="+mj-lt"/>
-              </a:rPr>
-              <a:t>репозитории. При этом интерфейс для работы с репозиториями не отличается на базовом уровне, более развёрнуто об отличиях параметров вы можете узнать по ссылкам </a:t>
-            </a:r>
-            <a:r>
-              <a:rPr lang="ru-RU" dirty="0" err="1">
-                <a:solidFill>
-                  <a:srgbClr val="003399"/>
-                </a:solidFill>
-                <a:latin typeface="+mj-lt"/>
-              </a:rPr>
-              <a:t>IvyArtifactRepository</a:t>
-            </a:r>
-            <a:r>
-              <a:rPr lang="ru-RU" dirty="0">
-                <a:solidFill>
-                  <a:srgbClr val="003399"/>
-                </a:solidFill>
-                <a:latin typeface="+mj-lt"/>
-              </a:rPr>
-              <a:t> и </a:t>
-            </a:r>
-            <a:r>
-              <a:rPr lang="ru-RU" dirty="0" err="1">
-                <a:solidFill>
-                  <a:srgbClr val="003399"/>
-                </a:solidFill>
-                <a:latin typeface="+mj-lt"/>
-              </a:rPr>
-              <a:t>MavenArtifactRepository</a:t>
-            </a:r>
-            <a:r>
-              <a:rPr lang="ru-RU" dirty="0">
-                <a:solidFill>
-                  <a:srgbClr val="003399"/>
-                </a:solidFill>
-                <a:latin typeface="+mj-lt"/>
-              </a:rPr>
-              <a:t>.</a:t>
-            </a:r>
-            <a:endParaRPr lang="en-US" dirty="0">
-              <a:solidFill>
-                <a:srgbClr val="003399"/>
-              </a:solidFill>
-              <a:latin typeface="+mj-lt"/>
-            </a:endParaRPr>
-          </a:p>
-        </p:txBody>
-      </p:sp>
-    </p:spTree>
-    <p:extLst>
-      <p:ext uri="{BB962C8B-B14F-4D97-AF65-F5344CB8AC3E}">
-        <p14:creationId xmlns:p14="http://schemas.microsoft.com/office/powerpoint/2010/main" val="2667624991"/>
-      </p:ext>
-    </p:extLst>
-  </p:cSld>
-  <p:clrMapOvr>
-    <a:masterClrMapping/>
-  </p:clrMapOvr>
-</p:sld>
-</file>
-
-<file path=ppt/slides/slide34.xml><?xml version="1.0" encoding="utf-8"?>
-<p:sld xmlns:a="http://schemas.openxmlformats.org/drawingml/2006/main" xmlns:r="http://schemas.openxmlformats.org/officeDocument/2006/relationships" xmlns:p="http://schemas.openxmlformats.org/presentationml/2006/main">
-  <p:cSld>
-    <p:spTree>
-      <p:nvGrpSpPr>
-        <p:cNvPr id="1" name=""/>
-        <p:cNvGrpSpPr/>
-        <p:nvPr/>
-      </p:nvGrpSpPr>
-      <p:grpSpPr>
-        <a:xfrm>
-          <a:off x="0" y="0"/>
-          <a:ext cx="0" cy="0"/>
-          <a:chOff x="0" y="0"/>
-          <a:chExt cx="0" cy="0"/>
-        </a:xfrm>
-      </p:grpSpPr>
-      <p:sp>
-        <p:nvSpPr>
-          <p:cNvPr id="2" name="Content Placeholder 2">
-            <a:extLst>
-              <a:ext uri="{FF2B5EF4-FFF2-40B4-BE49-F238E27FC236}">
-                <a16:creationId xmlns:a16="http://schemas.microsoft.com/office/drawing/2014/main" id="{C3C6D22D-B043-15A5-49C4-443E9E66B91B}"/>
-              </a:ext>
-            </a:extLst>
-          </p:cNvPr>
-          <p:cNvSpPr>
-            <a:spLocks noGrp="1"/>
-          </p:cNvSpPr>
-          <p:nvPr>
-            <p:ph idx="1"/>
-          </p:nvPr>
-        </p:nvSpPr>
-        <p:spPr>
-          <a:xfrm>
-            <a:off x="838200" y="363600"/>
-            <a:ext cx="4463265" cy="5807093"/>
-          </a:xfrm>
-        </p:spPr>
-        <p:txBody>
-          <a:bodyPr>
-            <a:normAutofit/>
-          </a:bodyPr>
-          <a:lstStyle/>
-          <a:p>
-            <a:pPr marL="0" indent="0">
-              <a:buNone/>
-            </a:pPr>
-            <a:r>
-              <a:rPr lang="en-US" sz="4400" dirty="0">
-                <a:solidFill>
-                  <a:srgbClr val="003399"/>
-                </a:solidFill>
-                <a:latin typeface="+mj-lt"/>
-              </a:rPr>
-              <a:t>Maven</a:t>
-            </a:r>
-            <a:r>
-              <a:rPr lang="ru-RU" b="1" dirty="0">
-                <a:solidFill>
-                  <a:srgbClr val="003399"/>
-                </a:solidFill>
-                <a:latin typeface="+mj-lt"/>
-              </a:rPr>
-              <a:t> </a:t>
-            </a:r>
-            <a:endParaRPr lang="en-US" b="1" dirty="0">
-              <a:solidFill>
-                <a:srgbClr val="003399"/>
-              </a:solidFill>
-              <a:latin typeface="+mj-lt"/>
-            </a:endParaRPr>
-          </a:p>
-          <a:p>
-            <a:pPr marL="0" indent="0">
-              <a:buNone/>
-            </a:pPr>
-            <a:endParaRPr lang="en-US" b="1" dirty="0">
-              <a:solidFill>
-                <a:srgbClr val="003399"/>
-              </a:solidFill>
-              <a:latin typeface="+mj-lt"/>
-            </a:endParaRPr>
-          </a:p>
-          <a:p>
-            <a:pPr marL="0" indent="0">
-              <a:buNone/>
-            </a:pPr>
-            <a:r>
-              <a:rPr lang="en-US" sz="2000" dirty="0">
-                <a:solidFill>
-                  <a:srgbClr val="003399"/>
-                </a:solidFill>
-                <a:latin typeface="+mj-lt"/>
-              </a:rPr>
-              <a:t>&lt;dependency&gt;</a:t>
-            </a:r>
-          </a:p>
-          <a:p>
-            <a:pPr marL="0" indent="0">
-              <a:buNone/>
-            </a:pPr>
-            <a:r>
-              <a:rPr lang="en-US" sz="2000" dirty="0">
-                <a:solidFill>
-                  <a:srgbClr val="003399"/>
-                </a:solidFill>
-                <a:latin typeface="+mj-lt"/>
-              </a:rPr>
-              <a:t>   &lt;</a:t>
-            </a:r>
-            <a:r>
-              <a:rPr lang="en-US" sz="2000" dirty="0" err="1">
-                <a:solidFill>
-                  <a:srgbClr val="003399"/>
-                </a:solidFill>
-                <a:latin typeface="+mj-lt"/>
-              </a:rPr>
-              <a:t>groupid</a:t>
-            </a:r>
-            <a:r>
-              <a:rPr lang="en-US" sz="2000" dirty="0">
-                <a:solidFill>
-                  <a:srgbClr val="003399"/>
-                </a:solidFill>
-                <a:latin typeface="+mj-lt"/>
-              </a:rPr>
-              <a:t>&gt;</a:t>
-            </a:r>
-            <a:r>
-              <a:rPr lang="en-US" sz="2000" dirty="0" err="1">
-                <a:solidFill>
-                  <a:srgbClr val="003399"/>
-                </a:solidFill>
-                <a:latin typeface="+mj-lt"/>
-              </a:rPr>
-              <a:t>org.projectlombok</a:t>
-            </a:r>
-            <a:r>
-              <a:rPr lang="en-US" sz="2000" dirty="0">
-                <a:solidFill>
-                  <a:srgbClr val="003399"/>
-                </a:solidFill>
-                <a:latin typeface="+mj-lt"/>
-              </a:rPr>
-              <a:t>&lt;/</a:t>
-            </a:r>
-            <a:r>
-              <a:rPr lang="en-US" sz="2000" dirty="0" err="1">
-                <a:solidFill>
-                  <a:srgbClr val="003399"/>
-                </a:solidFill>
-                <a:latin typeface="+mj-lt"/>
-              </a:rPr>
-              <a:t>groupid</a:t>
-            </a:r>
-            <a:r>
-              <a:rPr lang="en-US" sz="2000" dirty="0">
-                <a:solidFill>
-                  <a:srgbClr val="003399"/>
-                </a:solidFill>
-                <a:latin typeface="+mj-lt"/>
-              </a:rPr>
-              <a:t>&gt;</a:t>
-            </a:r>
-          </a:p>
-          <a:p>
-            <a:pPr marL="0" indent="0">
-              <a:buNone/>
-            </a:pPr>
-            <a:r>
-              <a:rPr lang="en-US" sz="2000" dirty="0">
-                <a:solidFill>
-                  <a:srgbClr val="003399"/>
-                </a:solidFill>
-                <a:latin typeface="+mj-lt"/>
-              </a:rPr>
-              <a:t>   &lt;</a:t>
-            </a:r>
-            <a:r>
-              <a:rPr lang="en-US" sz="2000" dirty="0" err="1">
-                <a:solidFill>
-                  <a:srgbClr val="003399"/>
-                </a:solidFill>
-                <a:latin typeface="+mj-lt"/>
-              </a:rPr>
-              <a:t>artifactid</a:t>
-            </a:r>
-            <a:r>
-              <a:rPr lang="en-US" sz="2000" dirty="0">
-                <a:solidFill>
-                  <a:srgbClr val="003399"/>
-                </a:solidFill>
-                <a:latin typeface="+mj-lt"/>
-              </a:rPr>
-              <a:t>&gt;</a:t>
-            </a:r>
-            <a:r>
-              <a:rPr lang="en-US" sz="2000" dirty="0" err="1">
-                <a:solidFill>
-                  <a:srgbClr val="003399"/>
-                </a:solidFill>
-                <a:latin typeface="+mj-lt"/>
-              </a:rPr>
-              <a:t>lombok</a:t>
-            </a:r>
-            <a:r>
-              <a:rPr lang="en-US" sz="2000" dirty="0">
-                <a:solidFill>
-                  <a:srgbClr val="003399"/>
-                </a:solidFill>
-                <a:latin typeface="+mj-lt"/>
-              </a:rPr>
-              <a:t>&lt;/</a:t>
-            </a:r>
-            <a:r>
-              <a:rPr lang="en-US" sz="2000" dirty="0" err="1">
-                <a:solidFill>
-                  <a:srgbClr val="003399"/>
-                </a:solidFill>
-                <a:latin typeface="+mj-lt"/>
-              </a:rPr>
-              <a:t>artifactid</a:t>
-            </a:r>
-            <a:r>
-              <a:rPr lang="en-US" sz="2000" dirty="0">
-                <a:solidFill>
-                  <a:srgbClr val="003399"/>
-                </a:solidFill>
-                <a:latin typeface="+mj-lt"/>
-              </a:rPr>
-              <a:t>&gt;</a:t>
-            </a:r>
-          </a:p>
-          <a:p>
-            <a:pPr marL="0" indent="0">
-              <a:buNone/>
-            </a:pPr>
-            <a:r>
-              <a:rPr lang="en-US" sz="2000" dirty="0">
-                <a:solidFill>
-                  <a:srgbClr val="003399"/>
-                </a:solidFill>
-                <a:latin typeface="+mj-lt"/>
-              </a:rPr>
-              <a:t>   &lt;version&gt;1.18.16&lt;/version&gt;</a:t>
-            </a:r>
-          </a:p>
-          <a:p>
-            <a:pPr marL="0" indent="0">
-              <a:buNone/>
-            </a:pPr>
-            <a:r>
-              <a:rPr lang="en-US" sz="2000" dirty="0">
-                <a:solidFill>
-                  <a:srgbClr val="003399"/>
-                </a:solidFill>
-                <a:latin typeface="+mj-lt"/>
-              </a:rPr>
-              <a:t>   &lt;scope&gt;provided&lt;/scope&gt;</a:t>
-            </a:r>
-          </a:p>
-          <a:p>
-            <a:pPr marL="0" indent="0">
-              <a:buNone/>
-            </a:pPr>
-            <a:r>
-              <a:rPr lang="en-US" sz="2000" dirty="0">
-                <a:solidFill>
-                  <a:srgbClr val="003399"/>
-                </a:solidFill>
-                <a:latin typeface="+mj-lt"/>
-              </a:rPr>
-              <a:t>&lt;dependency&gt;</a:t>
-            </a:r>
-          </a:p>
-        </p:txBody>
-      </p:sp>
-      <p:sp>
-        <p:nvSpPr>
-          <p:cNvPr id="3" name="Content Placeholder 2">
-            <a:extLst>
-              <a:ext uri="{FF2B5EF4-FFF2-40B4-BE49-F238E27FC236}">
-                <a16:creationId xmlns:a16="http://schemas.microsoft.com/office/drawing/2014/main" id="{74AB31A9-2629-3560-7E8C-82A79EBD450E}"/>
-              </a:ext>
-            </a:extLst>
-          </p:cNvPr>
-          <p:cNvSpPr txBox="1">
-            <a:spLocks/>
-          </p:cNvSpPr>
-          <p:nvPr/>
-        </p:nvSpPr>
-        <p:spPr>
-          <a:xfrm>
-            <a:off x="5301465" y="363600"/>
-            <a:ext cx="6052335" cy="5807093"/>
-          </a:xfrm>
-          <a:prstGeom prst="rect">
-            <a:avLst/>
-          </a:prstGeom>
-        </p:spPr>
-        <p:txBody>
-          <a:bodyPr vert="horz" lIns="91440" tIns="45720" rIns="91440" bIns="45720" rtlCol="0">
-            <a:normAutofit/>
-          </a:bodyPr>
-          <a:lstStyle>
-            <a:lvl1pPr marL="228600" indent="-228600" algn="l" defTabSz="914400" rtl="0" eaLnBrk="1" latinLnBrk="0" hangingPunct="1">
-              <a:lnSpc>
-                <a:spcPct val="90000"/>
-              </a:lnSpc>
-              <a:spcBef>
-                <a:spcPts val="1000"/>
-              </a:spcBef>
-              <a:buFont typeface="Arial" panose="020B0604020202020204" pitchFamily="34" charset="0"/>
-              <a:buChar char="•"/>
-              <a:defRPr sz="2800" kern="1200">
-                <a:solidFill>
-                  <a:schemeClr val="tx1"/>
-                </a:solidFill>
-                <a:latin typeface="+mn-lt"/>
-                <a:ea typeface="+mn-ea"/>
-                <a:cs typeface="+mn-cs"/>
-              </a:defRPr>
-            </a:lvl1pPr>
-            <a:lvl2pPr marL="685800" indent="-228600" algn="l" defTabSz="914400" rtl="0" eaLnBrk="1" latinLnBrk="0" hangingPunct="1">
-              <a:lnSpc>
-                <a:spcPct val="90000"/>
-              </a:lnSpc>
-              <a:spcBef>
-                <a:spcPts val="500"/>
-              </a:spcBef>
-              <a:buFont typeface="Arial" panose="020B0604020202020204" pitchFamily="34" charset="0"/>
-              <a:buChar char="•"/>
-              <a:defRPr sz="2400" kern="1200">
-                <a:solidFill>
-                  <a:schemeClr val="tx1"/>
-                </a:solidFill>
-                <a:latin typeface="+mn-lt"/>
-                <a:ea typeface="+mn-ea"/>
-                <a:cs typeface="+mn-cs"/>
-              </a:defRPr>
-            </a:lvl2pPr>
-            <a:lvl3pPr marL="1143000" indent="-228600" algn="l" defTabSz="914400" rtl="0" eaLnBrk="1" latinLnBrk="0" hangingPunct="1">
-              <a:lnSpc>
-                <a:spcPct val="90000"/>
-              </a:lnSpc>
-              <a:spcBef>
-                <a:spcPts val="500"/>
-              </a:spcBef>
-              <a:buFont typeface="Arial" panose="020B0604020202020204" pitchFamily="34" charset="0"/>
-              <a:buChar char="•"/>
-              <a:defRPr sz="2000" kern="1200">
-                <a:solidFill>
-                  <a:schemeClr val="tx1"/>
-                </a:solidFill>
-                <a:latin typeface="+mn-lt"/>
-                <a:ea typeface="+mn-ea"/>
-                <a:cs typeface="+mn-cs"/>
-              </a:defRPr>
-            </a:lvl3pPr>
-            <a:lvl4pPr marL="1600200" indent="-228600" algn="l" defTabSz="914400" rtl="0" eaLnBrk="1" latinLnBrk="0" hangingPunct="1">
-              <a:lnSpc>
-                <a:spcPct val="90000"/>
-              </a:lnSpc>
-              <a:spcBef>
-                <a:spcPts val="500"/>
-              </a:spcBef>
-              <a:buFont typeface="Arial" panose="020B0604020202020204" pitchFamily="34" charset="0"/>
-              <a:buChar char="•"/>
-              <a:defRPr sz="1800" kern="1200">
-                <a:solidFill>
-                  <a:schemeClr val="tx1"/>
-                </a:solidFill>
-                <a:latin typeface="+mn-lt"/>
-                <a:ea typeface="+mn-ea"/>
-                <a:cs typeface="+mn-cs"/>
-              </a:defRPr>
-            </a:lvl4pPr>
-            <a:lvl5pPr marL="2057400" indent="-228600" algn="l" defTabSz="914400" rtl="0" eaLnBrk="1" latinLnBrk="0" hangingPunct="1">
-              <a:lnSpc>
-                <a:spcPct val="90000"/>
-              </a:lnSpc>
-              <a:spcBef>
-                <a:spcPts val="500"/>
-              </a:spcBef>
-              <a:buFont typeface="Arial" panose="020B0604020202020204" pitchFamily="34" charset="0"/>
-              <a:buChar char="•"/>
-              <a:defRPr sz="1800" kern="1200">
-                <a:solidFill>
-                  <a:schemeClr val="tx1"/>
-                </a:solidFill>
-                <a:latin typeface="+mn-lt"/>
-                <a:ea typeface="+mn-ea"/>
-                <a:cs typeface="+mn-cs"/>
-              </a:defRPr>
-            </a:lvl5pPr>
-            <a:lvl6pPr marL="2514600" indent="-228600" algn="l" defTabSz="914400" rtl="0" eaLnBrk="1" latinLnBrk="0" hangingPunct="1">
-              <a:lnSpc>
-                <a:spcPct val="90000"/>
-              </a:lnSpc>
-              <a:spcBef>
-                <a:spcPts val="500"/>
-              </a:spcBef>
-              <a:buFont typeface="Arial" panose="020B0604020202020204" pitchFamily="34" charset="0"/>
-              <a:buChar char="•"/>
-              <a:defRPr sz="1800" kern="1200">
-                <a:solidFill>
-                  <a:schemeClr val="tx1"/>
-                </a:solidFill>
-                <a:latin typeface="+mn-lt"/>
-                <a:ea typeface="+mn-ea"/>
-                <a:cs typeface="+mn-cs"/>
-              </a:defRPr>
-            </a:lvl6pPr>
-            <a:lvl7pPr marL="2971800" indent="-228600" algn="l" defTabSz="914400" rtl="0" eaLnBrk="1" latinLnBrk="0" hangingPunct="1">
-              <a:lnSpc>
-                <a:spcPct val="90000"/>
-              </a:lnSpc>
-              <a:spcBef>
-                <a:spcPts val="500"/>
-              </a:spcBef>
-              <a:buFont typeface="Arial" panose="020B0604020202020204" pitchFamily="34" charset="0"/>
-              <a:buChar char="•"/>
-              <a:defRPr sz="1800" kern="1200">
-                <a:solidFill>
-                  <a:schemeClr val="tx1"/>
-                </a:solidFill>
-                <a:latin typeface="+mn-lt"/>
-                <a:ea typeface="+mn-ea"/>
-                <a:cs typeface="+mn-cs"/>
-              </a:defRPr>
-            </a:lvl7pPr>
-            <a:lvl8pPr marL="3429000" indent="-228600" algn="l" defTabSz="914400" rtl="0" eaLnBrk="1" latinLnBrk="0" hangingPunct="1">
-              <a:lnSpc>
-                <a:spcPct val="90000"/>
-              </a:lnSpc>
-              <a:spcBef>
-                <a:spcPts val="500"/>
-              </a:spcBef>
-              <a:buFont typeface="Arial" panose="020B0604020202020204" pitchFamily="34" charset="0"/>
-              <a:buChar char="•"/>
-              <a:defRPr sz="1800" kern="1200">
-                <a:solidFill>
-                  <a:schemeClr val="tx1"/>
-                </a:solidFill>
-                <a:latin typeface="+mn-lt"/>
-                <a:ea typeface="+mn-ea"/>
-                <a:cs typeface="+mn-cs"/>
-              </a:defRPr>
-            </a:lvl8pPr>
-            <a:lvl9pPr marL="3886200" indent="-228600" algn="l" defTabSz="914400" rtl="0" eaLnBrk="1" latinLnBrk="0" hangingPunct="1">
-              <a:lnSpc>
-                <a:spcPct val="90000"/>
-              </a:lnSpc>
-              <a:spcBef>
-                <a:spcPts val="500"/>
-              </a:spcBef>
-              <a:buFont typeface="Arial" panose="020B0604020202020204" pitchFamily="34" charset="0"/>
-              <a:buChar char="•"/>
-              <a:defRPr sz="1800" kern="1200">
-                <a:solidFill>
-                  <a:schemeClr val="tx1"/>
-                </a:solidFill>
-                <a:latin typeface="+mn-lt"/>
-                <a:ea typeface="+mn-ea"/>
-                <a:cs typeface="+mn-cs"/>
-              </a:defRPr>
-            </a:lvl9pPr>
-          </a:lstStyle>
-          <a:p>
-            <a:pPr marL="0" indent="0">
-              <a:buFont typeface="Arial" panose="020B0604020202020204" pitchFamily="34" charset="0"/>
-              <a:buNone/>
-            </a:pPr>
-            <a:r>
-              <a:rPr lang="en-US" sz="4400" dirty="0">
-                <a:solidFill>
-                  <a:srgbClr val="003399"/>
-                </a:solidFill>
-                <a:latin typeface="+mj-lt"/>
-              </a:rPr>
-              <a:t>Gradle</a:t>
-            </a:r>
-            <a:r>
-              <a:rPr lang="ru-RU" b="1" dirty="0">
-                <a:solidFill>
-                  <a:srgbClr val="003399"/>
-                </a:solidFill>
-                <a:latin typeface="+mj-lt"/>
-              </a:rPr>
-              <a:t> </a:t>
-            </a:r>
-            <a:endParaRPr lang="en-US" b="1" dirty="0">
-              <a:solidFill>
-                <a:srgbClr val="003399"/>
-              </a:solidFill>
-              <a:latin typeface="+mj-lt"/>
-            </a:endParaRPr>
-          </a:p>
-          <a:p>
-            <a:pPr marL="0" indent="0">
-              <a:buFont typeface="Arial" panose="020B0604020202020204" pitchFamily="34" charset="0"/>
-              <a:buNone/>
-            </a:pPr>
-            <a:endParaRPr lang="en-US" b="1" dirty="0">
-              <a:solidFill>
-                <a:srgbClr val="003399"/>
-              </a:solidFill>
-              <a:latin typeface="+mj-lt"/>
-            </a:endParaRPr>
-          </a:p>
-          <a:p>
-            <a:pPr marL="0" indent="0">
-              <a:buFont typeface="Arial" panose="020B0604020202020204" pitchFamily="34" charset="0"/>
-              <a:buNone/>
-            </a:pPr>
-            <a:r>
-              <a:rPr lang="en-US" sz="2000" dirty="0">
-                <a:solidFill>
-                  <a:srgbClr val="003399"/>
-                </a:solidFill>
-                <a:latin typeface="+mj-lt"/>
-              </a:rPr>
-              <a:t>dependencies {</a:t>
-            </a:r>
-          </a:p>
-          <a:p>
-            <a:pPr marL="0" indent="0">
-              <a:buFont typeface="Arial" panose="020B0604020202020204" pitchFamily="34" charset="0"/>
-              <a:buNone/>
-            </a:pPr>
-            <a:r>
-              <a:rPr lang="en-US" sz="2000" dirty="0">
-                <a:solidFill>
-                  <a:srgbClr val="003399"/>
-                </a:solidFill>
-                <a:latin typeface="+mj-lt"/>
-              </a:rPr>
-              <a:t>	</a:t>
-            </a:r>
-            <a:r>
-              <a:rPr lang="en-US" sz="2000" dirty="0" err="1">
-                <a:solidFill>
-                  <a:srgbClr val="003399"/>
-                </a:solidFill>
-                <a:latin typeface="+mj-lt"/>
-              </a:rPr>
-              <a:t>compileOnly</a:t>
-            </a:r>
-            <a:r>
-              <a:rPr lang="en-US" sz="2000" dirty="0">
-                <a:solidFill>
-                  <a:srgbClr val="003399"/>
-                </a:solidFill>
-                <a:latin typeface="+mj-lt"/>
-              </a:rPr>
-              <a:t> ‘org.projectlombok:lombok:1.18.16</a:t>
-            </a:r>
-          </a:p>
-          <a:p>
-            <a:pPr marL="0" indent="0">
-              <a:buFont typeface="Arial" panose="020B0604020202020204" pitchFamily="34" charset="0"/>
-              <a:buNone/>
-            </a:pPr>
-            <a:r>
-              <a:rPr lang="en-US" sz="2000" dirty="0">
-                <a:solidFill>
-                  <a:srgbClr val="003399"/>
-                </a:solidFill>
-                <a:latin typeface="+mj-lt"/>
-              </a:rPr>
-              <a:t>}</a:t>
-            </a:r>
-          </a:p>
-        </p:txBody>
-      </p:sp>
-      <p:cxnSp>
-        <p:nvCxnSpPr>
-          <p:cNvPr id="7" name="Прямая соединительная линия 6">
-            <a:extLst>
-              <a:ext uri="{FF2B5EF4-FFF2-40B4-BE49-F238E27FC236}">
-                <a16:creationId xmlns:a16="http://schemas.microsoft.com/office/drawing/2014/main" id="{A4FF42C4-FF7A-3AB2-147F-E6EF895C97CF}"/>
-              </a:ext>
-            </a:extLst>
-          </p:cNvPr>
-          <p:cNvCxnSpPr>
-            <a:cxnSpLocks/>
-          </p:cNvCxnSpPr>
-          <p:nvPr/>
-        </p:nvCxnSpPr>
-        <p:spPr>
-          <a:xfrm flipV="1">
-            <a:off x="5311739" y="-92467"/>
-            <a:ext cx="0" cy="7479586"/>
-          </a:xfrm>
-          <a:prstGeom prst="line">
-            <a:avLst/>
-          </a:prstGeom>
-          <a:ln w="25400">
-            <a:solidFill>
-              <a:srgbClr val="003399"/>
-            </a:solidFill>
-          </a:ln>
-        </p:spPr>
-        <p:style>
-          <a:lnRef idx="1">
-            <a:schemeClr val="accent1"/>
-          </a:lnRef>
-          <a:fillRef idx="0">
-            <a:schemeClr val="accent1"/>
-          </a:fillRef>
-          <a:effectRef idx="0">
-            <a:schemeClr val="accent1"/>
-          </a:effectRef>
-          <a:fontRef idx="minor">
-            <a:schemeClr val="tx1"/>
-          </a:fontRef>
-        </p:style>
-      </p:cxnSp>
-    </p:spTree>
-    <p:extLst>
-      <p:ext uri="{BB962C8B-B14F-4D97-AF65-F5344CB8AC3E}">
-        <p14:creationId xmlns:p14="http://schemas.microsoft.com/office/powerpoint/2010/main" val="2370841711"/>
-      </p:ext>
-    </p:extLst>
-  </p:cSld>
-  <p:clrMapOvr>
-    <a:masterClrMapping/>
-  </p:clrMapOvr>
-</p:sld>
-</file>
-
-<file path=ppt/slides/slide35.xml><?xml version="1.0" encoding="utf-8"?>
-<p:sld xmlns:a="http://schemas.openxmlformats.org/drawingml/2006/main" xmlns:r="http://schemas.openxmlformats.org/officeDocument/2006/relationships" xmlns:p="http://schemas.openxmlformats.org/presentationml/2006/main">
-  <p:cSld>
-    <p:spTree>
-      <p:nvGrpSpPr>
-        <p:cNvPr id="1" name=""/>
-        <p:cNvGrpSpPr/>
-        <p:nvPr/>
-      </p:nvGrpSpPr>
-      <p:grpSpPr>
-        <a:xfrm>
-          <a:off x="0" y="0"/>
-          <a:ext cx="0" cy="0"/>
-          <a:chOff x="0" y="0"/>
-          <a:chExt cx="0" cy="0"/>
-        </a:xfrm>
-      </p:grpSpPr>
-      <p:sp>
-        <p:nvSpPr>
-          <p:cNvPr id="2" name="Title 1">
-            <a:extLst>
-              <a:ext uri="{FF2B5EF4-FFF2-40B4-BE49-F238E27FC236}">
-                <a16:creationId xmlns:a16="http://schemas.microsoft.com/office/drawing/2014/main" id="{23E67D8D-7FB5-475F-868E-9D2EE0EB64BB}"/>
-              </a:ext>
-            </a:extLst>
-          </p:cNvPr>
-          <p:cNvSpPr>
-            <a:spLocks noGrp="1"/>
-          </p:cNvSpPr>
-          <p:nvPr>
-            <p:ph type="title"/>
-          </p:nvPr>
-        </p:nvSpPr>
-        <p:spPr/>
-        <p:txBody>
-          <a:bodyPr/>
-          <a:lstStyle/>
-          <a:p>
-            <a:r>
-              <a:rPr lang="ru-RU" dirty="0">
-                <a:solidFill>
-                  <a:srgbClr val="003399"/>
-                </a:solidFill>
-              </a:rPr>
-              <a:t>Структура проекта</a:t>
-            </a:r>
-            <a:endParaRPr lang="en-US" dirty="0">
-              <a:solidFill>
-                <a:srgbClr val="003399"/>
-              </a:solidFill>
-            </a:endParaRPr>
-          </a:p>
-        </p:txBody>
-      </p:sp>
-      <p:pic>
-        <p:nvPicPr>
-          <p:cNvPr id="7170" name="Picture 2">
-            <a:extLst>
-              <a:ext uri="{FF2B5EF4-FFF2-40B4-BE49-F238E27FC236}">
-                <a16:creationId xmlns:a16="http://schemas.microsoft.com/office/drawing/2014/main" id="{5D76EAC2-39E1-45AE-AA5D-D875298148CA}"/>
-              </a:ext>
-            </a:extLst>
-          </p:cNvPr>
-          <p:cNvPicPr>
-            <a:picLocks noChangeAspect="1" noChangeArrowheads="1"/>
-          </p:cNvPicPr>
-          <p:nvPr/>
-        </p:nvPicPr>
-        <p:blipFill>
-          <a:blip r:embed="rId2">
-            <a:extLst>
-              <a:ext uri="{28A0092B-C50C-407E-A947-70E740481C1C}">
-                <a14:useLocalDpi xmlns:a14="http://schemas.microsoft.com/office/drawing/2010/main" val="0"/>
-              </a:ext>
-            </a:extLst>
-          </a:blip>
-          <a:srcRect/>
-          <a:stretch>
-            <a:fillRect/>
-          </a:stretch>
-        </p:blipFill>
-        <p:spPr bwMode="auto">
-          <a:xfrm>
-            <a:off x="4838700" y="1211987"/>
-            <a:ext cx="7353300" cy="5353050"/>
-          </a:xfrm>
-          <a:prstGeom prst="rect">
-            <a:avLst/>
-          </a:prstGeom>
-          <a:noFill/>
-          <a:extLst>
-            <a:ext uri="{909E8E84-426E-40DD-AFC4-6F175D3DCCD1}">
-              <a14:hiddenFill xmlns:a14="http://schemas.microsoft.com/office/drawing/2010/main">
-                <a:solidFill>
-                  <a:srgbClr val="FFFFFF"/>
-                </a:solidFill>
-              </a14:hiddenFill>
-            </a:ext>
-          </a:extLst>
-        </p:spPr>
-      </p:pic>
-      <p:pic>
-        <p:nvPicPr>
-          <p:cNvPr id="7172" name="Picture 4" descr="Краткое знакомство с Gradle - 3">
-            <a:extLst>
-              <a:ext uri="{FF2B5EF4-FFF2-40B4-BE49-F238E27FC236}">
-                <a16:creationId xmlns:a16="http://schemas.microsoft.com/office/drawing/2014/main" id="{2FF5F453-6023-4C16-92B0-8C3189BB8710}"/>
-              </a:ext>
-            </a:extLst>
-          </p:cNvPr>
-          <p:cNvPicPr>
-            <a:picLocks noChangeAspect="1" noChangeArrowheads="1"/>
-          </p:cNvPicPr>
-          <p:nvPr/>
-        </p:nvPicPr>
-        <p:blipFill>
-          <a:blip r:embed="rId3">
-            <a:extLst>
-              <a:ext uri="{28A0092B-C50C-407E-A947-70E740481C1C}">
-                <a14:useLocalDpi xmlns:a14="http://schemas.microsoft.com/office/drawing/2010/main" val="0"/>
-              </a:ext>
-            </a:extLst>
-          </a:blip>
-          <a:srcRect/>
-          <a:stretch>
-            <a:fillRect/>
-          </a:stretch>
-        </p:blipFill>
-        <p:spPr bwMode="auto">
-          <a:xfrm>
-            <a:off x="945703" y="2072751"/>
-            <a:ext cx="3670401" cy="4150496"/>
-          </a:xfrm>
-          <a:prstGeom prst="rect">
-            <a:avLst/>
-          </a:prstGeom>
-          <a:noFill/>
-          <a:extLst>
-            <a:ext uri="{909E8E84-426E-40DD-AFC4-6F175D3DCCD1}">
-              <a14:hiddenFill xmlns:a14="http://schemas.microsoft.com/office/drawing/2010/main">
-                <a:solidFill>
-                  <a:srgbClr val="FFFFFF"/>
-                </a:solidFill>
-              </a14:hiddenFill>
-            </a:ext>
-          </a:extLst>
-        </p:spPr>
-      </p:pic>
-    </p:spTree>
-    <p:extLst>
-      <p:ext uri="{BB962C8B-B14F-4D97-AF65-F5344CB8AC3E}">
-        <p14:creationId xmlns:p14="http://schemas.microsoft.com/office/powerpoint/2010/main" val="3933631700"/>
-      </p:ext>
-    </p:extLst>
-  </p:cSld>
-  <p:clrMapOvr>
-    <a:masterClrMapping/>
-  </p:clrMapOvr>
-</p:sld>
-</file>
-
-<file path=ppt/slides/slide36.xml><?xml version="1.0" encoding="utf-8"?>
-<p:sld xmlns:a="http://schemas.openxmlformats.org/drawingml/2006/main" xmlns:r="http://schemas.openxmlformats.org/officeDocument/2006/relationships" xmlns:p="http://schemas.openxmlformats.org/presentationml/2006/main">
-  <p:cSld>
-    <p:spTree>
-      <p:nvGrpSpPr>
-        <p:cNvPr id="1" name=""/>
-        <p:cNvGrpSpPr/>
-        <p:nvPr/>
-      </p:nvGrpSpPr>
-      <p:grpSpPr>
-        <a:xfrm>
-          <a:off x="0" y="0"/>
-          <a:ext cx="0" cy="0"/>
-          <a:chOff x="0" y="0"/>
-          <a:chExt cx="0" cy="0"/>
-        </a:xfrm>
-      </p:grpSpPr>
-      <p:sp>
-        <p:nvSpPr>
-          <p:cNvPr id="2" name="Title 1">
-            <a:extLst>
-              <a:ext uri="{FF2B5EF4-FFF2-40B4-BE49-F238E27FC236}">
-                <a16:creationId xmlns:a16="http://schemas.microsoft.com/office/drawing/2014/main" id="{74016DE1-9444-404E-B4BA-989994CAE6C9}"/>
-              </a:ext>
-            </a:extLst>
-          </p:cNvPr>
-          <p:cNvSpPr>
-            <a:spLocks noGrp="1"/>
-          </p:cNvSpPr>
-          <p:nvPr>
-            <p:ph type="title"/>
-          </p:nvPr>
-        </p:nvSpPr>
-        <p:spPr/>
-        <p:txBody>
-          <a:bodyPr/>
-          <a:lstStyle/>
-          <a:p>
-            <a:r>
-              <a:rPr lang="ru-RU" dirty="0">
-                <a:solidFill>
-                  <a:srgbClr val="003399"/>
-                </a:solidFill>
-              </a:rPr>
-              <a:t>Что такое </a:t>
-            </a:r>
-            <a:r>
-              <a:rPr lang="en-US" dirty="0" err="1">
-                <a:solidFill>
-                  <a:srgbClr val="003399"/>
-                </a:solidFill>
-              </a:rPr>
-              <a:t>gradlew</a:t>
-            </a:r>
-            <a:r>
-              <a:rPr lang="en-US" dirty="0">
-                <a:solidFill>
-                  <a:srgbClr val="003399"/>
-                </a:solidFill>
-              </a:rPr>
-              <a:t> ?</a:t>
-            </a:r>
-          </a:p>
-        </p:txBody>
-      </p:sp>
-      <p:sp>
-        <p:nvSpPr>
-          <p:cNvPr id="3" name="Content Placeholder 2">
-            <a:extLst>
-              <a:ext uri="{FF2B5EF4-FFF2-40B4-BE49-F238E27FC236}">
-                <a16:creationId xmlns:a16="http://schemas.microsoft.com/office/drawing/2014/main" id="{F60251C8-8796-4E3A-96F8-19CA758EF5FC}"/>
-              </a:ext>
-            </a:extLst>
-          </p:cNvPr>
-          <p:cNvSpPr>
-            <a:spLocks noGrp="1"/>
-          </p:cNvSpPr>
-          <p:nvPr>
-            <p:ph idx="1"/>
-          </p:nvPr>
-        </p:nvSpPr>
-        <p:spPr/>
-        <p:txBody>
-          <a:bodyPr/>
-          <a:lstStyle/>
-          <a:p>
-            <a:pPr marL="0" indent="0">
-              <a:buNone/>
-            </a:pPr>
-            <a:r>
-              <a:rPr lang="ru-RU" dirty="0">
-                <a:solidFill>
-                  <a:srgbClr val="003399"/>
-                </a:solidFill>
-                <a:latin typeface="+mj-lt"/>
-              </a:rPr>
-              <a:t>Два варианта работы с </a:t>
-            </a:r>
-            <a:r>
-              <a:rPr lang="ru-RU" dirty="0" err="1">
-                <a:solidFill>
-                  <a:srgbClr val="003399"/>
-                </a:solidFill>
-                <a:latin typeface="+mj-lt"/>
-              </a:rPr>
-              <a:t>Gradle</a:t>
-            </a:r>
-            <a:r>
-              <a:rPr lang="ru-RU" dirty="0">
-                <a:solidFill>
-                  <a:srgbClr val="003399"/>
-                </a:solidFill>
-                <a:latin typeface="+mj-lt"/>
-              </a:rPr>
-              <a:t> в проекте:</a:t>
-            </a:r>
-          </a:p>
-          <a:p>
-            <a:pPr marL="0" indent="0">
-              <a:buNone/>
-            </a:pPr>
-            <a:r>
-              <a:rPr lang="ru-RU" dirty="0">
-                <a:solidFill>
-                  <a:srgbClr val="003399"/>
-                </a:solidFill>
-                <a:latin typeface="+mj-lt"/>
-              </a:rPr>
-              <a:t>через глобально доступный </a:t>
-            </a:r>
-            <a:r>
-              <a:rPr lang="ru-RU" dirty="0" err="1">
-                <a:solidFill>
-                  <a:srgbClr val="003399"/>
-                </a:solidFill>
-                <a:latin typeface="+mj-lt"/>
-              </a:rPr>
-              <a:t>gradle</a:t>
-            </a:r>
-            <a:r>
-              <a:rPr lang="ru-RU" dirty="0">
-                <a:solidFill>
-                  <a:srgbClr val="003399"/>
-                </a:solidFill>
-                <a:latin typeface="+mj-lt"/>
-              </a:rPr>
-              <a:t> установленный в системе.</a:t>
-            </a:r>
-          </a:p>
-          <a:p>
-            <a:pPr marL="0" indent="0">
-              <a:buNone/>
-            </a:pPr>
-            <a:r>
-              <a:rPr lang="ru-RU" dirty="0">
-                <a:solidFill>
-                  <a:srgbClr val="003399"/>
-                </a:solidFill>
-                <a:latin typeface="+mj-lt"/>
-              </a:rPr>
-              <a:t>через файл </a:t>
-            </a:r>
-            <a:r>
-              <a:rPr lang="ru-RU" dirty="0" err="1">
-                <a:solidFill>
-                  <a:srgbClr val="003399"/>
-                </a:solidFill>
-                <a:latin typeface="+mj-lt"/>
-              </a:rPr>
-              <a:t>gradlew</a:t>
-            </a:r>
-            <a:r>
-              <a:rPr lang="ru-RU" dirty="0">
-                <a:solidFill>
-                  <a:srgbClr val="003399"/>
-                </a:solidFill>
-                <a:latin typeface="+mj-lt"/>
-              </a:rPr>
-              <a:t>, где w означает </a:t>
-            </a:r>
-            <a:r>
-              <a:rPr lang="ru-RU" dirty="0" err="1">
-                <a:solidFill>
-                  <a:srgbClr val="003399"/>
-                </a:solidFill>
-                <a:latin typeface="+mj-lt"/>
-              </a:rPr>
-              <a:t>wrapper</a:t>
-            </a:r>
-            <a:r>
-              <a:rPr lang="ru-RU" dirty="0">
-                <a:solidFill>
-                  <a:srgbClr val="003399"/>
-                </a:solidFill>
-                <a:latin typeface="+mj-lt"/>
-              </a:rPr>
-              <a:t> (обертка).</a:t>
-            </a:r>
-          </a:p>
-          <a:p>
-            <a:pPr marL="0" indent="0">
-              <a:buNone/>
-            </a:pPr>
-            <a:r>
-              <a:rPr lang="ru-RU" dirty="0">
-                <a:solidFill>
-                  <a:srgbClr val="003399"/>
-                </a:solidFill>
-                <a:latin typeface="+mj-lt"/>
-              </a:rPr>
-              <a:t>В случае использования обертки </a:t>
-            </a:r>
-            <a:r>
-              <a:rPr lang="ru-RU" dirty="0" err="1">
-                <a:solidFill>
-                  <a:srgbClr val="003399"/>
-                </a:solidFill>
-                <a:latin typeface="+mj-lt"/>
-              </a:rPr>
-              <a:t>gradlew</a:t>
-            </a:r>
-            <a:r>
-              <a:rPr lang="ru-RU" dirty="0">
-                <a:solidFill>
-                  <a:srgbClr val="003399"/>
-                </a:solidFill>
-                <a:latin typeface="+mj-lt"/>
-              </a:rPr>
-              <a:t> версия </a:t>
-            </a:r>
-            <a:r>
-              <a:rPr lang="ru-RU" dirty="0" err="1">
-                <a:solidFill>
-                  <a:srgbClr val="003399"/>
-                </a:solidFill>
-                <a:latin typeface="+mj-lt"/>
-              </a:rPr>
-              <a:t>gradle</a:t>
-            </a:r>
-            <a:r>
-              <a:rPr lang="ru-RU" dirty="0">
-                <a:solidFill>
-                  <a:srgbClr val="003399"/>
-                </a:solidFill>
-                <a:latin typeface="+mj-lt"/>
-              </a:rPr>
-              <a:t> будет одинаковой у всей команды, каждому из коллег не придется вручную качать дистрибутив </a:t>
-            </a:r>
-            <a:r>
-              <a:rPr lang="ru-RU" dirty="0" err="1">
-                <a:solidFill>
-                  <a:srgbClr val="003399"/>
-                </a:solidFill>
-                <a:latin typeface="+mj-lt"/>
-              </a:rPr>
-              <a:t>gradle</a:t>
-            </a:r>
-            <a:r>
-              <a:rPr lang="ru-RU" dirty="0">
-                <a:solidFill>
-                  <a:srgbClr val="003399"/>
-                </a:solidFill>
-                <a:latin typeface="+mj-lt"/>
-              </a:rPr>
-              <a:t> с сайта и проделывать манипуляции с распаковкой. </a:t>
-            </a:r>
-            <a:r>
-              <a:rPr lang="en-US" dirty="0">
-                <a:solidFill>
-                  <a:srgbClr val="003399"/>
-                </a:solidFill>
-                <a:latin typeface="+mj-lt"/>
-              </a:rPr>
-              <a:t>Wrapper </a:t>
-            </a:r>
-            <a:r>
-              <a:rPr lang="ru-RU" dirty="0">
-                <a:solidFill>
-                  <a:srgbClr val="003399"/>
-                </a:solidFill>
-                <a:latin typeface="+mj-lt"/>
-              </a:rPr>
-              <a:t>установит нужную версию инструментов сборки локально для проекта.</a:t>
-            </a:r>
-            <a:endParaRPr lang="en-US" dirty="0">
-              <a:solidFill>
-                <a:srgbClr val="003399"/>
-              </a:solidFill>
-              <a:latin typeface="+mj-lt"/>
-            </a:endParaRPr>
-          </a:p>
-        </p:txBody>
-      </p:sp>
-    </p:spTree>
-    <p:extLst>
-      <p:ext uri="{BB962C8B-B14F-4D97-AF65-F5344CB8AC3E}">
-        <p14:creationId xmlns:p14="http://schemas.microsoft.com/office/powerpoint/2010/main" val="30268978"/>
-      </p:ext>
-    </p:extLst>
-  </p:cSld>
-  <p:clrMapOvr>
-    <a:masterClrMapping/>
-  </p:clrMapOvr>
-</p:sld>
-</file>
-
-<file path=ppt/slides/slide37.xml><?xml version="1.0" encoding="utf-8"?>
-<p:sld xmlns:a="http://schemas.openxmlformats.org/drawingml/2006/main" xmlns:r="http://schemas.openxmlformats.org/officeDocument/2006/relationships" xmlns:p="http://schemas.openxmlformats.org/presentationml/2006/main">
-  <p:cSld>
-    <p:spTree>
-      <p:nvGrpSpPr>
-        <p:cNvPr id="1" name=""/>
-        <p:cNvGrpSpPr/>
-        <p:nvPr/>
-      </p:nvGrpSpPr>
-      <p:grpSpPr>
-        <a:xfrm>
-          <a:off x="0" y="0"/>
-          <a:ext cx="0" cy="0"/>
-          <a:chOff x="0" y="0"/>
-          <a:chExt cx="0" cy="0"/>
-        </a:xfrm>
-      </p:grpSpPr>
-      <p:sp>
-        <p:nvSpPr>
-          <p:cNvPr id="2" name="Title 1">
-            <a:extLst>
-              <a:ext uri="{FF2B5EF4-FFF2-40B4-BE49-F238E27FC236}">
-                <a16:creationId xmlns:a16="http://schemas.microsoft.com/office/drawing/2014/main" id="{DF322B09-2DB0-455F-9FB6-FCB2F58E7BCB}"/>
-              </a:ext>
-            </a:extLst>
-          </p:cNvPr>
-          <p:cNvSpPr>
-            <a:spLocks noGrp="1"/>
-          </p:cNvSpPr>
-          <p:nvPr>
-            <p:ph type="title"/>
-          </p:nvPr>
-        </p:nvSpPr>
-        <p:spPr/>
-        <p:txBody>
-          <a:bodyPr/>
-          <a:lstStyle/>
-          <a:p>
-            <a:r>
-              <a:rPr lang="en-US" dirty="0" err="1">
-                <a:solidFill>
-                  <a:srgbClr val="003399"/>
-                </a:solidFill>
-              </a:rPr>
-              <a:t>gradle-wrapper.properties</a:t>
-            </a:r>
-            <a:endParaRPr lang="en-US" dirty="0">
-              <a:solidFill>
-                <a:srgbClr val="003399"/>
-              </a:solidFill>
-            </a:endParaRPr>
-          </a:p>
-        </p:txBody>
-      </p:sp>
-      <p:pic>
-        <p:nvPicPr>
-          <p:cNvPr id="7" name="Picture 6">
-            <a:extLst>
-              <a:ext uri="{FF2B5EF4-FFF2-40B4-BE49-F238E27FC236}">
-                <a16:creationId xmlns:a16="http://schemas.microsoft.com/office/drawing/2014/main" id="{ACD84C41-0A9E-45D2-B845-A57C06A54304}"/>
-              </a:ext>
-            </a:extLst>
-          </p:cNvPr>
-          <p:cNvPicPr>
-            <a:picLocks noChangeAspect="1"/>
-          </p:cNvPicPr>
-          <p:nvPr/>
-        </p:nvPicPr>
-        <p:blipFill>
-          <a:blip r:embed="rId2"/>
-          <a:stretch>
-            <a:fillRect/>
-          </a:stretch>
-        </p:blipFill>
-        <p:spPr>
-          <a:xfrm>
-            <a:off x="0" y="1831419"/>
-            <a:ext cx="12192000" cy="4384769"/>
-          </a:xfrm>
-          <a:prstGeom prst="rect">
-            <a:avLst/>
-          </a:prstGeom>
-        </p:spPr>
-      </p:pic>
-    </p:spTree>
-    <p:extLst>
-      <p:ext uri="{BB962C8B-B14F-4D97-AF65-F5344CB8AC3E}">
-        <p14:creationId xmlns:p14="http://schemas.microsoft.com/office/powerpoint/2010/main" val="1876180441"/>
-      </p:ext>
-    </p:extLst>
-  </p:cSld>
-  <p:clrMapOvr>
-    <a:masterClrMapping/>
-  </p:clrMapOvr>
-</p:sld>
-</file>
-
-<file path=ppt/slides/slide38.xml><?xml version="1.0" encoding="utf-8"?>
-<p:sld xmlns:a="http://schemas.openxmlformats.org/drawingml/2006/main" xmlns:r="http://schemas.openxmlformats.org/officeDocument/2006/relationships" xmlns:p="http://schemas.openxmlformats.org/presentationml/2006/main">
-  <p:cSld>
-    <p:spTree>
-      <p:nvGrpSpPr>
-        <p:cNvPr id="1" name=""/>
-        <p:cNvGrpSpPr/>
-        <p:nvPr/>
-      </p:nvGrpSpPr>
-      <p:grpSpPr>
-        <a:xfrm>
-          <a:off x="0" y="0"/>
-          <a:ext cx="0" cy="0"/>
-          <a:chOff x="0" y="0"/>
-          <a:chExt cx="0" cy="0"/>
-        </a:xfrm>
-      </p:grpSpPr>
-      <p:pic>
-        <p:nvPicPr>
-          <p:cNvPr id="5" name="Picture 4">
-            <a:extLst>
-              <a:ext uri="{FF2B5EF4-FFF2-40B4-BE49-F238E27FC236}">
-                <a16:creationId xmlns:a16="http://schemas.microsoft.com/office/drawing/2014/main" id="{0CD9C97F-95CE-4739-8B94-2D42AB952957}"/>
-              </a:ext>
-            </a:extLst>
-          </p:cNvPr>
-          <p:cNvPicPr>
-            <a:picLocks noChangeAspect="1"/>
-          </p:cNvPicPr>
-          <p:nvPr/>
-        </p:nvPicPr>
-        <p:blipFill>
-          <a:blip r:embed="rId2"/>
-          <a:stretch>
-            <a:fillRect/>
-          </a:stretch>
-        </p:blipFill>
-        <p:spPr>
-          <a:xfrm>
-            <a:off x="2476870" y="-56120"/>
-            <a:ext cx="6904172" cy="6914120"/>
-          </a:xfrm>
-          <a:prstGeom prst="rect">
-            <a:avLst/>
-          </a:prstGeom>
-        </p:spPr>
-      </p:pic>
-    </p:spTree>
-    <p:extLst>
-      <p:ext uri="{BB962C8B-B14F-4D97-AF65-F5344CB8AC3E}">
-        <p14:creationId xmlns:p14="http://schemas.microsoft.com/office/powerpoint/2010/main" val="1856497402"/>
-      </p:ext>
-    </p:extLst>
-  </p:cSld>
-  <p:clrMapOvr>
-    <a:masterClrMapping/>
-  </p:clrMapOvr>
-</p:sld>
-</file>
-
-<file path=ppt/slides/slide39.xml><?xml version="1.0" encoding="utf-8"?>
-<p:sld xmlns:a="http://schemas.openxmlformats.org/drawingml/2006/main" xmlns:r="http://schemas.openxmlformats.org/officeDocument/2006/relationships" xmlns:p="http://schemas.openxmlformats.org/presentationml/2006/main">
-  <p:cSld>
-    <p:spTree>
-      <p:nvGrpSpPr>
-        <p:cNvPr id="1" name=""/>
-        <p:cNvGrpSpPr/>
-        <p:nvPr/>
-      </p:nvGrpSpPr>
-      <p:grpSpPr>
-        <a:xfrm>
-          <a:off x="0" y="0"/>
-          <a:ext cx="0" cy="0"/>
-          <a:chOff x="0" y="0"/>
-          <a:chExt cx="0" cy="0"/>
-        </a:xfrm>
-      </p:grpSpPr>
-      <p:pic>
-        <p:nvPicPr>
-          <p:cNvPr id="5" name="Picture 4">
-            <a:extLst>
-              <a:ext uri="{FF2B5EF4-FFF2-40B4-BE49-F238E27FC236}">
-                <a16:creationId xmlns:a16="http://schemas.microsoft.com/office/drawing/2014/main" id="{5F1BEC58-8DD4-4C3A-B421-CE02FA5A352A}"/>
-              </a:ext>
-            </a:extLst>
-          </p:cNvPr>
-          <p:cNvPicPr>
-            <a:picLocks noChangeAspect="1"/>
-          </p:cNvPicPr>
-          <p:nvPr/>
-        </p:nvPicPr>
-        <p:blipFill>
-          <a:blip r:embed="rId2"/>
-          <a:stretch>
-            <a:fillRect/>
-          </a:stretch>
-        </p:blipFill>
-        <p:spPr>
-          <a:xfrm>
-            <a:off x="2441359" y="-3836"/>
-            <a:ext cx="7163234" cy="6861836"/>
-          </a:xfrm>
-          <a:prstGeom prst="rect">
-            <a:avLst/>
-          </a:prstGeom>
-        </p:spPr>
-      </p:pic>
-    </p:spTree>
-    <p:extLst>
-      <p:ext uri="{BB962C8B-B14F-4D97-AF65-F5344CB8AC3E}">
-        <p14:creationId xmlns:p14="http://schemas.microsoft.com/office/powerpoint/2010/main" val="1245085063"/>
+        <p14:creationId xmlns:p14="http://schemas.microsoft.com/office/powerpoint/2010/main" val="697514183"/>
       </p:ext>
     </p:extLst>
   </p:cSld>
@@ -12244,132 +10940,6 @@
     <p:extLst>
       <p:ext uri="{BB962C8B-B14F-4D97-AF65-F5344CB8AC3E}">
         <p14:creationId xmlns:p14="http://schemas.microsoft.com/office/powerpoint/2010/main" val="500260930"/>
-      </p:ext>
-    </p:extLst>
-  </p:cSld>
-  <p:clrMapOvr>
-    <a:masterClrMapping/>
-  </p:clrMapOvr>
-</p:sld>
-</file>
-
-<file path=ppt/slides/slide40.xml><?xml version="1.0" encoding="utf-8"?>
-<p:sld xmlns:a="http://schemas.openxmlformats.org/drawingml/2006/main" xmlns:r="http://schemas.openxmlformats.org/officeDocument/2006/relationships" xmlns:p="http://schemas.openxmlformats.org/presentationml/2006/main">
-  <p:cSld>
-    <p:spTree>
-      <p:nvGrpSpPr>
-        <p:cNvPr id="1" name=""/>
-        <p:cNvGrpSpPr/>
-        <p:nvPr/>
-      </p:nvGrpSpPr>
-      <p:grpSpPr>
-        <a:xfrm>
-          <a:off x="0" y="0"/>
-          <a:ext cx="0" cy="0"/>
-          <a:chOff x="0" y="0"/>
-          <a:chExt cx="0" cy="0"/>
-        </a:xfrm>
-      </p:grpSpPr>
-      <p:sp>
-        <p:nvSpPr>
-          <p:cNvPr id="2" name="Title 1">
-            <a:extLst>
-              <a:ext uri="{FF2B5EF4-FFF2-40B4-BE49-F238E27FC236}">
-                <a16:creationId xmlns:a16="http://schemas.microsoft.com/office/drawing/2014/main" id="{03B4D63F-9715-4A1C-ADD2-572E01409FA7}"/>
-              </a:ext>
-            </a:extLst>
-          </p:cNvPr>
-          <p:cNvSpPr>
-            <a:spLocks noGrp="1"/>
-          </p:cNvSpPr>
-          <p:nvPr>
-            <p:ph type="title"/>
-          </p:nvPr>
-        </p:nvSpPr>
-        <p:spPr/>
-        <p:txBody>
-          <a:bodyPr/>
-          <a:lstStyle/>
-          <a:p>
-            <a:r>
-              <a:rPr lang="en-US" dirty="0"/>
-              <a:t>See also</a:t>
-            </a:r>
-          </a:p>
-        </p:txBody>
-      </p:sp>
-      <p:sp>
-        <p:nvSpPr>
-          <p:cNvPr id="3" name="Content Placeholder 2">
-            <a:extLst>
-              <a:ext uri="{FF2B5EF4-FFF2-40B4-BE49-F238E27FC236}">
-                <a16:creationId xmlns:a16="http://schemas.microsoft.com/office/drawing/2014/main" id="{2911AEB6-84A5-47E4-811B-0C25D0CA5441}"/>
-              </a:ext>
-            </a:extLst>
-          </p:cNvPr>
-          <p:cNvSpPr>
-            <a:spLocks noGrp="1"/>
-          </p:cNvSpPr>
-          <p:nvPr>
-            <p:ph idx="1"/>
-          </p:nvPr>
-        </p:nvSpPr>
-        <p:spPr/>
-        <p:txBody>
-          <a:bodyPr/>
-          <a:lstStyle/>
-          <a:p>
-            <a:pPr marL="0" indent="0">
-              <a:buNone/>
-            </a:pPr>
-            <a:r>
-              <a:rPr lang="ru-RU" dirty="0"/>
-              <a:t>Доклад Евгения Борисова – </a:t>
-            </a:r>
-            <a:r>
-              <a:rPr lang="en-US" dirty="0"/>
-              <a:t>Power of Gradle</a:t>
-            </a:r>
-            <a:r>
-              <a:rPr lang="ru-RU" dirty="0"/>
-              <a:t> (2013-ый год </a:t>
-            </a:r>
-            <a:r>
-              <a:rPr lang="en-US" dirty="0">
-                <a:sym typeface="Wingdings" panose="05000000000000000000" pitchFamily="2" charset="2"/>
-              </a:rPr>
-              <a:t></a:t>
-            </a:r>
-            <a:r>
-              <a:rPr lang="ru-RU" dirty="0"/>
-              <a:t>)</a:t>
-            </a:r>
-            <a:endParaRPr lang="en-US" dirty="0"/>
-          </a:p>
-          <a:p>
-            <a:pPr marL="0" indent="0">
-              <a:buNone/>
-            </a:pPr>
-            <a:r>
-              <a:rPr lang="en-US" dirty="0">
-                <a:hlinkClick r:id="rId2"/>
-              </a:rPr>
-              <a:t>https://github.com/mihailaleksseev/conferenceAbstracts/blob/main/%2B%2B%202013%20Gradle%20%7C%20%D0%95%D0%B2%D0%B3%D0%B5%D0%BD%D0%B8%D0%B8%CC%86%20%D0%91%D0%BE%D1%80%D0%B8%D1%81%D0%BE%D0%B2%20%E2%80%94%20Power%20of%20Gradle.pdf</a:t>
-            </a:r>
-            <a:endParaRPr lang="en-US" dirty="0"/>
-          </a:p>
-          <a:p>
-            <a:pPr marL="0" indent="0">
-              <a:buNone/>
-            </a:pPr>
-            <a:endParaRPr lang="en-US" dirty="0"/>
-          </a:p>
-        </p:txBody>
-      </p:sp>
-    </p:spTree>
-    <p:extLst>
-      <p:ext uri="{BB962C8B-B14F-4D97-AF65-F5344CB8AC3E}">
-        <p14:creationId xmlns:p14="http://schemas.microsoft.com/office/powerpoint/2010/main" val="697514183"/>
       </p:ext>
     </p:extLst>
   </p:cSld>
@@ -13759,4 +12329,319 @@
     </a:ext>
   </a:extLst>
 </a:theme>
+</file>
+
+<file path=ppt/theme/theme2.xml><?xml version="1.0" encoding="utf-8"?>
+<a:theme xmlns:a="http://schemas.openxmlformats.org/drawingml/2006/main" name="Тема Office">
+  <a:themeElements>
+    <a:clrScheme name="Стандартная">
+      <a:dk1>
+        <a:sysClr val="windowText" lastClr="000000"/>
+      </a:dk1>
+      <a:lt1>
+        <a:sysClr val="window" lastClr="FFFFFF"/>
+      </a:lt1>
+      <a:dk2>
+        <a:srgbClr val="0E2841"/>
+      </a:dk2>
+      <a:lt2>
+        <a:srgbClr val="E8E8E8"/>
+      </a:lt2>
+      <a:accent1>
+        <a:srgbClr val="156082"/>
+      </a:accent1>
+      <a:accent2>
+        <a:srgbClr val="E97132"/>
+      </a:accent2>
+      <a:accent3>
+        <a:srgbClr val="196B24"/>
+      </a:accent3>
+      <a:accent4>
+        <a:srgbClr val="0F9ED5"/>
+      </a:accent4>
+      <a:accent5>
+        <a:srgbClr val="A02B93"/>
+      </a:accent5>
+      <a:accent6>
+        <a:srgbClr val="4EA72E"/>
+      </a:accent6>
+      <a:hlink>
+        <a:srgbClr val="467886"/>
+      </a:hlink>
+      <a:folHlink>
+        <a:srgbClr val="96607D"/>
+      </a:folHlink>
+    </a:clrScheme>
+    <a:fontScheme name="Стандартная">
+      <a:majorFont>
+        <a:latin typeface="Aptos Display" panose="02110004020202020204"/>
+        <a:ea typeface=""/>
+        <a:cs typeface=""/>
+        <a:font script="Jpan" typeface="游ゴシック Light"/>
+        <a:font script="Hang" typeface="맑은 고딕"/>
+        <a:font script="Hans" typeface="等线 Light"/>
+        <a:font script="Hant" typeface="新細明體"/>
+        <a:font script="Arab" typeface="Times New Roman"/>
+        <a:font script="Hebr" typeface="Times New Roman"/>
+        <a:font script="Thai" typeface="Angsana New"/>
+        <a:font script="Ethi" typeface="Nyala"/>
+        <a:font script="Beng" typeface="Vrinda"/>
+        <a:font script="Gujr" typeface="Shruti"/>
+        <a:font script="Khmr" typeface="MoolBoran"/>
+        <a:font script="Knda" typeface="Tunga"/>
+        <a:font script="Guru" typeface="Raavi"/>
+        <a:font script="Cans" typeface="Euphemia"/>
+        <a:font script="Cher" typeface="Plantagenet Cherokee"/>
+        <a:font script="Yiii" typeface="Microsoft Yi Baiti"/>
+        <a:font script="Tibt" typeface="Microsoft Himalaya"/>
+        <a:font script="Thaa" typeface="MV Boli"/>
+        <a:font script="Deva" typeface="Mangal"/>
+        <a:font script="Telu" typeface="Gautami"/>
+        <a:font script="Taml" typeface="Latha"/>
+        <a:font script="Syrc" typeface="Estrangelo Edessa"/>
+        <a:font script="Orya" typeface="Kalinga"/>
+        <a:font script="Mlym" typeface="Kartika"/>
+        <a:font script="Laoo" typeface="DokChampa"/>
+        <a:font script="Sinh" typeface="Iskoola Pota"/>
+        <a:font script="Mong" typeface="Mongolian Baiti"/>
+        <a:font script="Viet" typeface="Times New Roman"/>
+        <a:font script="Uigh" typeface="Microsoft Uighur"/>
+        <a:font script="Geor" typeface="Sylfaen"/>
+        <a:font script="Armn" typeface="Arial"/>
+        <a:font script="Bugi" typeface="Leelawadee UI"/>
+        <a:font script="Bopo" typeface="Microsoft JhengHei"/>
+        <a:font script="Java" typeface="Javanese Text"/>
+        <a:font script="Lisu" typeface="Segoe UI"/>
+        <a:font script="Mymr" typeface="Myanmar Text"/>
+        <a:font script="Nkoo" typeface="Ebrima"/>
+        <a:font script="Olck" typeface="Nirmala UI"/>
+        <a:font script="Osma" typeface="Ebrima"/>
+        <a:font script="Phag" typeface="Phagspa"/>
+        <a:font script="Syrn" typeface="Estrangelo Edessa"/>
+        <a:font script="Syrj" typeface="Estrangelo Edessa"/>
+        <a:font script="Syre" typeface="Estrangelo Edessa"/>
+        <a:font script="Sora" typeface="Nirmala UI"/>
+        <a:font script="Tale" typeface="Microsoft Tai Le"/>
+        <a:font script="Talu" typeface="Microsoft New Tai Lue"/>
+        <a:font script="Tfng" typeface="Ebrima"/>
+      </a:majorFont>
+      <a:minorFont>
+        <a:latin typeface="Aptos" panose="02110004020202020204"/>
+        <a:ea typeface=""/>
+        <a:cs typeface=""/>
+        <a:font script="Jpan" typeface="游ゴシック"/>
+        <a:font script="Hang" typeface="맑은 고딕"/>
+        <a:font script="Hans" typeface="等线"/>
+        <a:font script="Hant" typeface="新細明體"/>
+        <a:font script="Arab" typeface="Arial"/>
+        <a:font script="Hebr" typeface="Arial"/>
+        <a:font script="Thai" typeface="Cordia New"/>
+        <a:font script="Ethi" typeface="Nyala"/>
+        <a:font script="Beng" typeface="Vrinda"/>
+        <a:font script="Gujr" typeface="Shruti"/>
+        <a:font script="Khmr" typeface="DaunPenh"/>
+        <a:font script="Knda" typeface="Tunga"/>
+        <a:font script="Guru" typeface="Raavi"/>
+        <a:font script="Cans" typeface="Euphemia"/>
+        <a:font script="Cher" typeface="Plantagenet Cherokee"/>
+        <a:font script="Yiii" typeface="Microsoft Yi Baiti"/>
+        <a:font script="Tibt" typeface="Microsoft Himalaya"/>
+        <a:font script="Thaa" typeface="MV Boli"/>
+        <a:font script="Deva" typeface="Mangal"/>
+        <a:font script="Telu" typeface="Gautami"/>
+        <a:font script="Taml" typeface="Latha"/>
+        <a:font script="Syrc" typeface="Estrangelo Edessa"/>
+        <a:font script="Orya" typeface="Kalinga"/>
+        <a:font script="Mlym" typeface="Kartika"/>
+        <a:font script="Laoo" typeface="DokChampa"/>
+        <a:font script="Sinh" typeface="Iskoola Pota"/>
+        <a:font script="Mong" typeface="Mongolian Baiti"/>
+        <a:font script="Viet" typeface="Arial"/>
+        <a:font script="Uigh" typeface="Microsoft Uighur"/>
+        <a:font script="Geor" typeface="Sylfaen"/>
+        <a:font script="Armn" typeface="Arial"/>
+        <a:font script="Bugi" typeface="Leelawadee UI"/>
+        <a:font script="Bopo" typeface="Microsoft JhengHei"/>
+        <a:font script="Java" typeface="Javanese Text"/>
+        <a:font script="Lisu" typeface="Segoe UI"/>
+        <a:font script="Mymr" typeface="Myanmar Text"/>
+        <a:font script="Nkoo" typeface="Ebrima"/>
+        <a:font script="Olck" typeface="Nirmala UI"/>
+        <a:font script="Osma" typeface="Ebrima"/>
+        <a:font script="Phag" typeface="Phagspa"/>
+        <a:font script="Syrn" typeface="Estrangelo Edessa"/>
+        <a:font script="Syrj" typeface="Estrangelo Edessa"/>
+        <a:font script="Syre" typeface="Estrangelo Edessa"/>
+        <a:font script="Sora" typeface="Nirmala UI"/>
+        <a:font script="Tale" typeface="Microsoft Tai Le"/>
+        <a:font script="Talu" typeface="Microsoft New Tai Lue"/>
+        <a:font script="Tfng" typeface="Ebrima"/>
+      </a:minorFont>
+    </a:fontScheme>
+    <a:fmtScheme name="Стандартная">
+      <a:fillStyleLst>
+        <a:solidFill>
+          <a:schemeClr val="phClr"/>
+        </a:solidFill>
+        <a:gradFill rotWithShape="1">
+          <a:gsLst>
+            <a:gs pos="0">
+              <a:schemeClr val="phClr">
+                <a:lumMod val="110000"/>
+                <a:satMod val="105000"/>
+                <a:tint val="67000"/>
+              </a:schemeClr>
+            </a:gs>
+            <a:gs pos="50000">
+              <a:schemeClr val="phClr">
+                <a:lumMod val="105000"/>
+                <a:satMod val="103000"/>
+                <a:tint val="73000"/>
+              </a:schemeClr>
+            </a:gs>
+            <a:gs pos="100000">
+              <a:schemeClr val="phClr">
+                <a:lumMod val="105000"/>
+                <a:satMod val="109000"/>
+                <a:tint val="81000"/>
+              </a:schemeClr>
+            </a:gs>
+          </a:gsLst>
+          <a:lin ang="5400000" scaled="0"/>
+        </a:gradFill>
+        <a:gradFill rotWithShape="1">
+          <a:gsLst>
+            <a:gs pos="0">
+              <a:schemeClr val="phClr">
+                <a:satMod val="103000"/>
+                <a:lumMod val="102000"/>
+                <a:tint val="94000"/>
+              </a:schemeClr>
+            </a:gs>
+            <a:gs pos="50000">
+              <a:schemeClr val="phClr">
+                <a:satMod val="110000"/>
+                <a:lumMod val="100000"/>
+                <a:shade val="100000"/>
+              </a:schemeClr>
+            </a:gs>
+            <a:gs pos="100000">
+              <a:schemeClr val="phClr">
+                <a:lumMod val="99000"/>
+                <a:satMod val="120000"/>
+                <a:shade val="78000"/>
+              </a:schemeClr>
+            </a:gs>
+          </a:gsLst>
+          <a:lin ang="5400000" scaled="0"/>
+        </a:gradFill>
+      </a:fillStyleLst>
+      <a:lnStyleLst>
+        <a:ln w="12700" cap="flat" cmpd="sng" algn="ctr">
+          <a:solidFill>
+            <a:schemeClr val="phClr"/>
+          </a:solidFill>
+          <a:prstDash val="solid"/>
+          <a:miter lim="800000"/>
+        </a:ln>
+        <a:ln w="19050" cap="flat" cmpd="sng" algn="ctr">
+          <a:solidFill>
+            <a:schemeClr val="phClr"/>
+          </a:solidFill>
+          <a:prstDash val="solid"/>
+          <a:miter lim="800000"/>
+        </a:ln>
+        <a:ln w="25400" cap="flat" cmpd="sng" algn="ctr">
+          <a:solidFill>
+            <a:schemeClr val="phClr"/>
+          </a:solidFill>
+          <a:prstDash val="solid"/>
+          <a:miter lim="800000"/>
+        </a:ln>
+      </a:lnStyleLst>
+      <a:effectStyleLst>
+        <a:effectStyle>
+          <a:effectLst/>
+        </a:effectStyle>
+        <a:effectStyle>
+          <a:effectLst/>
+        </a:effectStyle>
+        <a:effectStyle>
+          <a:effectLst>
+            <a:outerShdw blurRad="57150" dist="19050" dir="5400000" algn="ctr" rotWithShape="0">
+              <a:srgbClr val="000000">
+                <a:alpha val="63000"/>
+              </a:srgbClr>
+            </a:outerShdw>
+          </a:effectLst>
+        </a:effectStyle>
+      </a:effectStyleLst>
+      <a:bgFillStyleLst>
+        <a:solidFill>
+          <a:schemeClr val="phClr"/>
+        </a:solidFill>
+        <a:solidFill>
+          <a:schemeClr val="phClr">
+            <a:tint val="95000"/>
+            <a:satMod val="170000"/>
+          </a:schemeClr>
+        </a:solidFill>
+        <a:gradFill rotWithShape="1">
+          <a:gsLst>
+            <a:gs pos="0">
+              <a:schemeClr val="phClr">
+                <a:tint val="93000"/>
+                <a:satMod val="150000"/>
+                <a:shade val="98000"/>
+                <a:lumMod val="102000"/>
+              </a:schemeClr>
+            </a:gs>
+            <a:gs pos="50000">
+              <a:schemeClr val="phClr">
+                <a:tint val="98000"/>
+                <a:satMod val="130000"/>
+                <a:shade val="90000"/>
+                <a:lumMod val="103000"/>
+              </a:schemeClr>
+            </a:gs>
+            <a:gs pos="100000">
+              <a:schemeClr val="phClr">
+                <a:shade val="63000"/>
+                <a:satMod val="120000"/>
+              </a:schemeClr>
+            </a:gs>
+          </a:gsLst>
+          <a:lin ang="5400000" scaled="0"/>
+        </a:gradFill>
+      </a:bgFillStyleLst>
+    </a:fmtScheme>
+  </a:themeElements>
+  <a:objectDefaults>
+    <a:lnDef>
+      <a:spPr/>
+      <a:bodyPr/>
+      <a:lstStyle/>
+      <a:style>
+        <a:lnRef idx="2">
+          <a:schemeClr val="accent1"/>
+        </a:lnRef>
+        <a:fillRef idx="0">
+          <a:schemeClr val="accent1"/>
+        </a:fillRef>
+        <a:effectRef idx="1">
+          <a:schemeClr val="accent1"/>
+        </a:effectRef>
+        <a:fontRef idx="minor">
+          <a:schemeClr val="tx1"/>
+        </a:fontRef>
+      </a:style>
+    </a:lnDef>
+  </a:objectDefaults>
+  <a:extraClrSchemeLst/>
+  <a:extLst>
+    <a:ext uri="{05A4C25C-085E-4340-85A3-A5531E510DB2}">
+      <thm15:themeFamily xmlns:thm15="http://schemas.microsoft.com/office/thememl/2012/main" name="Office Theme" id="{2E142A2C-CD16-42D6-873A-C26D2A0506FA}" vid="{1BDDFF52-6CD6-40A5-AB3C-68EB2F1E4D0A}"/>
+    </a:ext>
+  </a:extLst>
+</a:theme>
 </file>